--- a/Lecture Slides/VideoLectureSlides/12.2.pptx
+++ b/Lecture Slides/VideoLectureSlides/12.2.pptx
@@ -5,18 +5,19 @@
     <p:sldMasterId id="2147483660" r:id="rId4"/>
   </p:sldMasterIdLst>
   <p:notesMasterIdLst>
-    <p:notesMasterId r:id="rId14"/>
+    <p:notesMasterId r:id="rId15"/>
   </p:notesMasterIdLst>
   <p:sldIdLst>
     <p:sldId id="256" r:id="rId5"/>
-    <p:sldId id="263" r:id="rId6"/>
-    <p:sldId id="283" r:id="rId7"/>
-    <p:sldId id="274" r:id="rId8"/>
-    <p:sldId id="285" r:id="rId9"/>
-    <p:sldId id="282" r:id="rId10"/>
-    <p:sldId id="287" r:id="rId11"/>
-    <p:sldId id="271" r:id="rId12"/>
-    <p:sldId id="272" r:id="rId13"/>
+    <p:sldId id="283" r:id="rId6"/>
+    <p:sldId id="274" r:id="rId7"/>
+    <p:sldId id="284" r:id="rId8"/>
+    <p:sldId id="282" r:id="rId9"/>
+    <p:sldId id="285" r:id="rId10"/>
+    <p:sldId id="286" r:id="rId11"/>
+    <p:sldId id="287" r:id="rId12"/>
+    <p:sldId id="277" r:id="rId13"/>
+    <p:sldId id="280" r:id="rId14"/>
   </p:sldIdLst>
   <p:sldSz cx="9144000" cy="6858000" type="screen4x3"/>
   <p:notesSz cx="6858000" cy="9144000"/>
@@ -3680,7 +3681,7 @@
           <a:p>
             <a:r>
               <a:rPr lang="en-US" dirty="0"/>
-              <a:t>Kinetics in Fixed Axis Rotation Systems</a:t>
+              <a:t>Kinematics of Belt and Gear Driven Systems</a:t>
             </a:r>
           </a:p>
         </p:txBody>
@@ -3734,7 +3735,633 @@
 </p:sld>
 </file>
 
+<file path=ppt/slides/slide10.xml><?xml version="1.0" encoding="utf-8"?>
+<p:sld xmlns:a="http://schemas.openxmlformats.org/drawingml/2006/main" xmlns:r="http://schemas.openxmlformats.org/officeDocument/2006/relationships" xmlns:p="http://schemas.openxmlformats.org/presentationml/2006/main">
+  <p:cSld>
+    <p:spTree>
+      <p:nvGrpSpPr>
+        <p:cNvPr id="1" name=""/>
+        <p:cNvGrpSpPr/>
+        <p:nvPr/>
+      </p:nvGrpSpPr>
+      <p:grpSpPr>
+        <a:xfrm>
+          <a:off x="0" y="0"/>
+          <a:ext cx="0" cy="0"/>
+          <a:chOff x="0" y="0"/>
+          <a:chExt cx="0" cy="0"/>
+        </a:xfrm>
+      </p:grpSpPr>
+      <p:sp>
+        <p:nvSpPr>
+          <p:cNvPr id="2" name="Title 1">
+            <a:extLst>
+              <a:ext uri="{FF2B5EF4-FFF2-40B4-BE49-F238E27FC236}">
+                <a16:creationId xmlns:a16="http://schemas.microsoft.com/office/drawing/2014/main" id="{A7A5595B-251F-45B6-AB06-B94881D7E85C}"/>
+              </a:ext>
+            </a:extLst>
+          </p:cNvPr>
+          <p:cNvSpPr>
+            <a:spLocks noGrp="1"/>
+          </p:cNvSpPr>
+          <p:nvPr>
+            <p:ph type="title"/>
+          </p:nvPr>
+        </p:nvSpPr>
+        <p:spPr/>
+        <p:txBody>
+          <a:bodyPr>
+            <a:normAutofit/>
+          </a:bodyPr>
+          <a:lstStyle/>
+          <a:p>
+            <a:r>
+              <a:rPr lang="en-US" dirty="0"/>
+              <a:t>Worked Example</a:t>
+            </a:r>
+          </a:p>
+        </p:txBody>
+      </p:sp>
+      <mc:AlternateContent xmlns:mc="http://schemas.openxmlformats.org/markup-compatibility/2006">
+        <mc:Choice xmlns:a14="http://schemas.microsoft.com/office/drawing/2010/main" Requires="a14">
+          <p:sp>
+            <p:nvSpPr>
+              <p:cNvPr id="3" name="Content Placeholder 2">
+                <a:extLst>
+                  <a:ext uri="{FF2B5EF4-FFF2-40B4-BE49-F238E27FC236}">
+                    <a16:creationId xmlns:a16="http://schemas.microsoft.com/office/drawing/2014/main" id="{504E5E9A-FF61-4D69-9DB0-DDEB2A0A18A5}"/>
+                  </a:ext>
+                </a:extLst>
+              </p:cNvPr>
+              <p:cNvSpPr>
+                <a:spLocks noGrp="1"/>
+              </p:cNvSpPr>
+              <p:nvPr>
+                <p:ph idx="1"/>
+              </p:nvPr>
+            </p:nvSpPr>
+            <p:spPr>
+              <a:xfrm>
+                <a:off x="457200" y="1600200"/>
+                <a:ext cx="8229600" cy="2514599"/>
+              </a:xfrm>
+            </p:spPr>
+            <p:txBody>
+              <a:bodyPr>
+                <a:normAutofit fontScale="85000" lnSpcReduction="20000"/>
+              </a:bodyPr>
+              <a:lstStyle/>
+              <a:p>
+                <a:r>
+                  <a:rPr lang="en-US" dirty="0"/>
+                  <a:t>A car is moving 40 ft/s on 18-inch diameter wheels. What is the angular velocity of the wheels on the car? If the car is in third gear with a gear ratio of 4.89:1 (</a:t>
+                </a:r>
+                <a14:m>
+                  <m:oMath xmlns:m="http://schemas.openxmlformats.org/officeDocument/2006/math">
+                    <m:sSub>
+                      <m:sSubPr>
+                        <m:ctrlPr>
+                          <a:rPr lang="en-US" i="1" smtClean="0">
+                            <a:latin typeface="Cambria Math" panose="02040503050406030204" pitchFamily="18" charset="0"/>
+                          </a:rPr>
+                        </m:ctrlPr>
+                      </m:sSubPr>
+                      <m:e>
+                        <m:r>
+                          <a:rPr lang="en-US" b="0" i="1" smtClean="0">
+                            <a:latin typeface="Cambria Math" panose="02040503050406030204" pitchFamily="18" charset="0"/>
+                          </a:rPr>
+                          <m:t>𝑟</m:t>
+                        </m:r>
+                      </m:e>
+                      <m:sub>
+                        <m:r>
+                          <a:rPr lang="en-US" b="0" i="1" smtClean="0">
+                            <a:latin typeface="Cambria Math" panose="02040503050406030204" pitchFamily="18" charset="0"/>
+                          </a:rPr>
+                          <m:t>𝑜𝑢𝑡𝑝𝑢𝑡</m:t>
+                        </m:r>
+                      </m:sub>
+                    </m:sSub>
+                    <m:r>
+                      <a:rPr lang="en-US" b="0" i="1" smtClean="0">
+                        <a:latin typeface="Cambria Math" panose="02040503050406030204" pitchFamily="18" charset="0"/>
+                      </a:rPr>
+                      <m:t>/</m:t>
+                    </m:r>
+                    <m:sSub>
+                      <m:sSubPr>
+                        <m:ctrlPr>
+                          <a:rPr lang="en-US" i="1">
+                            <a:latin typeface="Cambria Math" panose="02040503050406030204" pitchFamily="18" charset="0"/>
+                          </a:rPr>
+                        </m:ctrlPr>
+                      </m:sSubPr>
+                      <m:e>
+                        <m:r>
+                          <a:rPr lang="en-US" i="1">
+                            <a:latin typeface="Cambria Math" panose="02040503050406030204" pitchFamily="18" charset="0"/>
+                          </a:rPr>
+                          <m:t>𝑟</m:t>
+                        </m:r>
+                      </m:e>
+                      <m:sub>
+                        <m:r>
+                          <a:rPr lang="en-US" b="0" i="1" smtClean="0">
+                            <a:latin typeface="Cambria Math" panose="02040503050406030204" pitchFamily="18" charset="0"/>
+                          </a:rPr>
+                          <m:t>𝑖𝑛𝑝𝑢𝑡</m:t>
+                        </m:r>
+                      </m:sub>
+                    </m:sSub>
+                  </m:oMath>
+                </a14:m>
+                <a:r>
+                  <a:rPr lang="en-US" dirty="0"/>
+                  <a:t>), what is the angular velocity of the engine in rotations per minute? (Hint, the engine is the input to the gear train and the wheels are the output of the gear train.)</a:t>
+                </a:r>
+              </a:p>
+            </p:txBody>
+          </p:sp>
+        </mc:Choice>
+        <mc:Fallback>
+          <p:sp>
+            <p:nvSpPr>
+              <p:cNvPr id="3" name="Content Placeholder 2">
+                <a:extLst>
+                  <a:ext uri="{FF2B5EF4-FFF2-40B4-BE49-F238E27FC236}">
+                    <a16:creationId xmlns:a16="http://schemas.microsoft.com/office/drawing/2014/main" id="{504E5E9A-FF61-4D69-9DB0-DDEB2A0A18A5}"/>
+                  </a:ext>
+                </a:extLst>
+              </p:cNvPr>
+              <p:cNvSpPr>
+                <a:spLocks noGrp="1" noRot="1" noChangeAspect="1" noMove="1" noResize="1" noEditPoints="1" noAdjustHandles="1" noChangeArrowheads="1" noChangeShapeType="1" noTextEdit="1"/>
+              </p:cNvSpPr>
+              <p:nvPr>
+                <p:ph idx="1"/>
+              </p:nvPr>
+            </p:nvSpPr>
+            <p:spPr>
+              <a:xfrm>
+                <a:off x="457200" y="1600200"/>
+                <a:ext cx="8229600" cy="2514599"/>
+              </a:xfrm>
+              <a:blipFill>
+                <a:blip r:embed="rId2"/>
+                <a:stretch>
+                  <a:fillRect l="-1259" t="-5097" r="-1333" b="-3155"/>
+                </a:stretch>
+              </a:blipFill>
+            </p:spPr>
+            <p:txBody>
+              <a:bodyPr/>
+              <a:lstStyle/>
+              <a:p>
+                <a:r>
+                  <a:rPr lang="en-US">
+                    <a:noFill/>
+                  </a:rPr>
+                  <a:t> </a:t>
+                </a:r>
+              </a:p>
+            </p:txBody>
+          </p:sp>
+        </mc:Fallback>
+      </mc:AlternateContent>
+      <p:pic>
+        <p:nvPicPr>
+          <p:cNvPr id="2050" name="Picture 2" descr="Problem 2 Diagram">
+            <a:extLst>
+              <a:ext uri="{FF2B5EF4-FFF2-40B4-BE49-F238E27FC236}">
+                <a16:creationId xmlns:a16="http://schemas.microsoft.com/office/drawing/2014/main" id="{C9747BCD-D69B-4948-9433-99A434F26103}"/>
+              </a:ext>
+            </a:extLst>
+          </p:cNvPr>
+          <p:cNvPicPr>
+            <a:picLocks noChangeAspect="1" noChangeArrowheads="1"/>
+          </p:cNvPicPr>
+          <p:nvPr/>
+        </p:nvPicPr>
+        <p:blipFill>
+          <a:blip r:embed="rId3">
+            <a:extLst>
+              <a:ext uri="{28A0092B-C50C-407E-A947-70E740481C1C}">
+                <a14:useLocalDpi xmlns:a14="http://schemas.microsoft.com/office/drawing/2010/main" val="0"/>
+              </a:ext>
+            </a:extLst>
+          </a:blip>
+          <a:srcRect/>
+          <a:stretch>
+            <a:fillRect/>
+          </a:stretch>
+        </p:blipFill>
+        <p:spPr bwMode="auto">
+          <a:xfrm>
+            <a:off x="2552700" y="4038600"/>
+            <a:ext cx="4038600" cy="2689707"/>
+          </a:xfrm>
+          <a:prstGeom prst="rect">
+            <a:avLst/>
+          </a:prstGeom>
+          <a:noFill/>
+          <a:extLst>
+            <a:ext uri="{909E8E84-426E-40DD-AFC4-6F175D3DCCD1}">
+              <a14:hiddenFill xmlns:a14="http://schemas.microsoft.com/office/drawing/2010/main">
+                <a:solidFill>
+                  <a:srgbClr val="FFFFFF"/>
+                </a:solidFill>
+              </a14:hiddenFill>
+            </a:ext>
+          </a:extLst>
+        </p:spPr>
+      </p:pic>
+    </p:spTree>
+    <p:extLst>
+      <p:ext uri="{BB962C8B-B14F-4D97-AF65-F5344CB8AC3E}">
+        <p14:creationId xmlns:p14="http://schemas.microsoft.com/office/powerpoint/2010/main" val="1314923139"/>
+      </p:ext>
+    </p:extLst>
+  </p:cSld>
+  <p:clrMapOvr>
+    <a:masterClrMapping/>
+  </p:clrMapOvr>
+</p:sld>
+</file>
+
 <file path=ppt/slides/slide2.xml><?xml version="1.0" encoding="utf-8"?>
+<p:sld xmlns:a="http://schemas.openxmlformats.org/drawingml/2006/main" xmlns:r="http://schemas.openxmlformats.org/officeDocument/2006/relationships" xmlns:p="http://schemas.openxmlformats.org/presentationml/2006/main">
+  <p:cSld>
+    <p:spTree>
+      <p:nvGrpSpPr>
+        <p:cNvPr id="1" name=""/>
+        <p:cNvGrpSpPr/>
+        <p:nvPr/>
+      </p:nvGrpSpPr>
+      <p:grpSpPr>
+        <a:xfrm>
+          <a:off x="0" y="0"/>
+          <a:ext cx="0" cy="0"/>
+          <a:chOff x="0" y="0"/>
+          <a:chExt cx="0" cy="0"/>
+        </a:xfrm>
+      </p:grpSpPr>
+      <p:sp>
+        <p:nvSpPr>
+          <p:cNvPr id="2" name="Title 1">
+            <a:extLst>
+              <a:ext uri="{FF2B5EF4-FFF2-40B4-BE49-F238E27FC236}">
+                <a16:creationId xmlns:a16="http://schemas.microsoft.com/office/drawing/2014/main" id="{F6FA6A48-5922-43E5-9D1A-C70A230E8498}"/>
+              </a:ext>
+            </a:extLst>
+          </p:cNvPr>
+          <p:cNvSpPr>
+            <a:spLocks noGrp="1"/>
+          </p:cNvSpPr>
+          <p:nvPr>
+            <p:ph type="title"/>
+          </p:nvPr>
+        </p:nvSpPr>
+        <p:spPr/>
+        <p:txBody>
+          <a:bodyPr/>
+          <a:lstStyle/>
+          <a:p>
+            <a:r>
+              <a:rPr lang="en-US" dirty="0"/>
+              <a:t>Belt and Gear Driven Systems</a:t>
+            </a:r>
+          </a:p>
+        </p:txBody>
+      </p:sp>
+      <p:sp>
+        <p:nvSpPr>
+          <p:cNvPr id="3" name="Content Placeholder 2">
+            <a:extLst>
+              <a:ext uri="{FF2B5EF4-FFF2-40B4-BE49-F238E27FC236}">
+                <a16:creationId xmlns:a16="http://schemas.microsoft.com/office/drawing/2014/main" id="{68AA18F7-CDA6-4C8C-A3B6-C56BBC6D05A7}"/>
+              </a:ext>
+            </a:extLst>
+          </p:cNvPr>
+          <p:cNvSpPr>
+            <a:spLocks noGrp="1"/>
+          </p:cNvSpPr>
+          <p:nvPr>
+            <p:ph idx="1"/>
+          </p:nvPr>
+        </p:nvSpPr>
+        <p:spPr>
+          <a:xfrm>
+            <a:off x="457200" y="1600201"/>
+            <a:ext cx="8229600" cy="1828800"/>
+          </a:xfrm>
+        </p:spPr>
+        <p:txBody>
+          <a:bodyPr/>
+          <a:lstStyle/>
+          <a:p>
+            <a:r>
+              <a:rPr lang="en-US" dirty="0"/>
+              <a:t>Belt or gear driven systems have fixed axis pulleys or gears where motion is transferred (via a belt or teeth) from one axis to another.</a:t>
+            </a:r>
+          </a:p>
+        </p:txBody>
+      </p:sp>
+      <p:pic>
+        <p:nvPicPr>
+          <p:cNvPr id="1026" name="Picture 2" descr="A toothed and non-toothed belt driven system">
+            <a:extLst>
+              <a:ext uri="{FF2B5EF4-FFF2-40B4-BE49-F238E27FC236}">
+                <a16:creationId xmlns:a16="http://schemas.microsoft.com/office/drawing/2014/main" id="{41974AA9-85AC-464C-89DC-2B031ED8C80A}"/>
+              </a:ext>
+            </a:extLst>
+          </p:cNvPr>
+          <p:cNvPicPr>
+            <a:picLocks noChangeAspect="1" noChangeArrowheads="1"/>
+          </p:cNvPicPr>
+          <p:nvPr/>
+        </p:nvPicPr>
+        <p:blipFill>
+          <a:blip r:embed="rId2">
+            <a:extLst>
+              <a:ext uri="{28A0092B-C50C-407E-A947-70E740481C1C}">
+                <a14:useLocalDpi xmlns:a14="http://schemas.microsoft.com/office/drawing/2010/main" val="0"/>
+              </a:ext>
+            </a:extLst>
+          </a:blip>
+          <a:srcRect/>
+          <a:stretch>
+            <a:fillRect/>
+          </a:stretch>
+        </p:blipFill>
+        <p:spPr bwMode="auto">
+          <a:xfrm>
+            <a:off x="228600" y="3500439"/>
+            <a:ext cx="4343400" cy="3257550"/>
+          </a:xfrm>
+          <a:prstGeom prst="rect">
+            <a:avLst/>
+          </a:prstGeom>
+          <a:noFill/>
+          <a:extLst>
+            <a:ext uri="{909E8E84-426E-40DD-AFC4-6F175D3DCCD1}">
+              <a14:hiddenFill xmlns:a14="http://schemas.microsoft.com/office/drawing/2010/main">
+                <a:solidFill>
+                  <a:srgbClr val="FFFFFF"/>
+                </a:solidFill>
+              </a14:hiddenFill>
+            </a:ext>
+          </a:extLst>
+        </p:spPr>
+      </p:pic>
+      <p:pic>
+        <p:nvPicPr>
+          <p:cNvPr id="1028" name="Picture 4" descr="A series of interconnected gears">
+            <a:extLst>
+              <a:ext uri="{FF2B5EF4-FFF2-40B4-BE49-F238E27FC236}">
+                <a16:creationId xmlns:a16="http://schemas.microsoft.com/office/drawing/2014/main" id="{E4E3B8B3-7F93-4843-ABA0-BB5716924107}"/>
+              </a:ext>
+            </a:extLst>
+          </p:cNvPr>
+          <p:cNvPicPr>
+            <a:picLocks noChangeAspect="1" noChangeArrowheads="1"/>
+          </p:cNvPicPr>
+          <p:nvPr/>
+        </p:nvPicPr>
+        <p:blipFill>
+          <a:blip r:embed="rId3">
+            <a:extLst>
+              <a:ext uri="{28A0092B-C50C-407E-A947-70E740481C1C}">
+                <a14:useLocalDpi xmlns:a14="http://schemas.microsoft.com/office/drawing/2010/main" val="0"/>
+              </a:ext>
+            </a:extLst>
+          </a:blip>
+          <a:srcRect/>
+          <a:stretch>
+            <a:fillRect/>
+          </a:stretch>
+        </p:blipFill>
+        <p:spPr bwMode="auto">
+          <a:xfrm>
+            <a:off x="4362450" y="3611564"/>
+            <a:ext cx="4552950" cy="3035300"/>
+          </a:xfrm>
+          <a:prstGeom prst="rect">
+            <a:avLst/>
+          </a:prstGeom>
+          <a:noFill/>
+          <a:extLst>
+            <a:ext uri="{909E8E84-426E-40DD-AFC4-6F175D3DCCD1}">
+              <a14:hiddenFill xmlns:a14="http://schemas.microsoft.com/office/drawing/2010/main">
+                <a:solidFill>
+                  <a:srgbClr val="FFFFFF"/>
+                </a:solidFill>
+              </a14:hiddenFill>
+            </a:ext>
+          </a:extLst>
+        </p:spPr>
+      </p:pic>
+    </p:spTree>
+    <p:extLst>
+      <p:ext uri="{BB962C8B-B14F-4D97-AF65-F5344CB8AC3E}">
+        <p14:creationId xmlns:p14="http://schemas.microsoft.com/office/powerpoint/2010/main" val="246629618"/>
+      </p:ext>
+    </p:extLst>
+  </p:cSld>
+  <p:clrMapOvr>
+    <a:masterClrMapping/>
+  </p:clrMapOvr>
+  <p:timing>
+    <p:tnLst>
+      <p:par>
+        <p:cTn id="1" dur="indefinite" restart="never" nodeType="tmRoot">
+          <p:childTnLst>
+            <p:seq concurrent="1" nextAc="seek">
+              <p:cTn id="2" dur="indefinite" nodeType="mainSeq">
+                <p:childTnLst>
+                  <p:par>
+                    <p:cTn id="3" fill="hold">
+                      <p:stCondLst>
+                        <p:cond delay="indefinite"/>
+                      </p:stCondLst>
+                      <p:childTnLst>
+                        <p:par>
+                          <p:cTn id="4" fill="hold">
+                            <p:stCondLst>
+                              <p:cond delay="0"/>
+                            </p:stCondLst>
+                            <p:childTnLst>
+                              <p:par>
+                                <p:cTn id="5" presetID="1" presetClass="entr" presetSubtype="0" fill="hold" grpId="0" nodeType="clickEffect">
+                                  <p:stCondLst>
+                                    <p:cond delay="0"/>
+                                  </p:stCondLst>
+                                  <p:childTnLst>
+                                    <p:set>
+                                      <p:cBhvr>
+                                        <p:cTn id="6" dur="1" fill="hold">
+                                          <p:stCondLst>
+                                            <p:cond delay="0"/>
+                                          </p:stCondLst>
+                                        </p:cTn>
+                                        <p:tgtEl>
+                                          <p:spTgt spid="3">
+                                            <p:txEl>
+                                              <p:pRg st="0" end="0"/>
+                                            </p:txEl>
+                                          </p:spTgt>
+                                        </p:tgtEl>
+                                        <p:attrNameLst>
+                                          <p:attrName>style.visibility</p:attrName>
+                                        </p:attrNameLst>
+                                      </p:cBhvr>
+                                      <p:to>
+                                        <p:strVal val="visible"/>
+                                      </p:to>
+                                    </p:set>
+                                  </p:childTnLst>
+                                </p:cTn>
+                              </p:par>
+                            </p:childTnLst>
+                          </p:cTn>
+                        </p:par>
+                      </p:childTnLst>
+                    </p:cTn>
+                  </p:par>
+                  <p:par>
+                    <p:cTn id="7" fill="hold">
+                      <p:stCondLst>
+                        <p:cond delay="indefinite"/>
+                      </p:stCondLst>
+                      <p:childTnLst>
+                        <p:par>
+                          <p:cTn id="8" fill="hold">
+                            <p:stCondLst>
+                              <p:cond delay="0"/>
+                            </p:stCondLst>
+                            <p:childTnLst>
+                              <p:par>
+                                <p:cTn id="9" presetID="10" presetClass="entr" presetSubtype="0" fill="hold" nodeType="clickEffect">
+                                  <p:stCondLst>
+                                    <p:cond delay="0"/>
+                                  </p:stCondLst>
+                                  <p:childTnLst>
+                                    <p:set>
+                                      <p:cBhvr>
+                                        <p:cTn id="10" dur="1" fill="hold">
+                                          <p:stCondLst>
+                                            <p:cond delay="0"/>
+                                          </p:stCondLst>
+                                        </p:cTn>
+                                        <p:tgtEl>
+                                          <p:spTgt spid="1026"/>
+                                        </p:tgtEl>
+                                        <p:attrNameLst>
+                                          <p:attrName>style.visibility</p:attrName>
+                                        </p:attrNameLst>
+                                      </p:cBhvr>
+                                      <p:to>
+                                        <p:strVal val="visible"/>
+                                      </p:to>
+                                    </p:set>
+                                    <p:animEffect transition="in" filter="fade">
+                                      <p:cBhvr>
+                                        <p:cTn id="11" dur="500"/>
+                                        <p:tgtEl>
+                                          <p:spTgt spid="1026"/>
+                                        </p:tgtEl>
+                                      </p:cBhvr>
+                                    </p:animEffect>
+                                  </p:childTnLst>
+                                </p:cTn>
+                              </p:par>
+                            </p:childTnLst>
+                          </p:cTn>
+                        </p:par>
+                      </p:childTnLst>
+                    </p:cTn>
+                  </p:par>
+                  <p:par>
+                    <p:cTn id="12" fill="hold">
+                      <p:stCondLst>
+                        <p:cond delay="indefinite"/>
+                      </p:stCondLst>
+                      <p:childTnLst>
+                        <p:par>
+                          <p:cTn id="13" fill="hold">
+                            <p:stCondLst>
+                              <p:cond delay="0"/>
+                            </p:stCondLst>
+                            <p:childTnLst>
+                              <p:par>
+                                <p:cTn id="14" presetID="10" presetClass="entr" presetSubtype="0" fill="hold" nodeType="clickEffect">
+                                  <p:stCondLst>
+                                    <p:cond delay="0"/>
+                                  </p:stCondLst>
+                                  <p:childTnLst>
+                                    <p:set>
+                                      <p:cBhvr>
+                                        <p:cTn id="15" dur="1" fill="hold">
+                                          <p:stCondLst>
+                                            <p:cond delay="0"/>
+                                          </p:stCondLst>
+                                        </p:cTn>
+                                        <p:tgtEl>
+                                          <p:spTgt spid="1028"/>
+                                        </p:tgtEl>
+                                        <p:attrNameLst>
+                                          <p:attrName>style.visibility</p:attrName>
+                                        </p:attrNameLst>
+                                      </p:cBhvr>
+                                      <p:to>
+                                        <p:strVal val="visible"/>
+                                      </p:to>
+                                    </p:set>
+                                    <p:animEffect transition="in" filter="fade">
+                                      <p:cBhvr>
+                                        <p:cTn id="16" dur="500"/>
+                                        <p:tgtEl>
+                                          <p:spTgt spid="1028"/>
+                                        </p:tgtEl>
+                                      </p:cBhvr>
+                                    </p:animEffect>
+                                  </p:childTnLst>
+                                </p:cTn>
+                              </p:par>
+                            </p:childTnLst>
+                          </p:cTn>
+                        </p:par>
+                      </p:childTnLst>
+                    </p:cTn>
+                  </p:par>
+                </p:childTnLst>
+              </p:cTn>
+              <p:prevCondLst>
+                <p:cond evt="onPrev" delay="0">
+                  <p:tgtEl>
+                    <p:sldTgt/>
+                  </p:tgtEl>
+                </p:cond>
+              </p:prevCondLst>
+              <p:nextCondLst>
+                <p:cond evt="onNext" delay="0">
+                  <p:tgtEl>
+                    <p:sldTgt/>
+                  </p:tgtEl>
+                </p:cond>
+              </p:nextCondLst>
+            </p:seq>
+          </p:childTnLst>
+        </p:cTn>
+      </p:par>
+    </p:tnLst>
+    <p:bldLst>
+      <p:bldP spid="3" grpId="0" build="p"/>
+    </p:bldLst>
+  </p:timing>
+</p:sld>
+</file>
+
+<file path=ppt/slides/slide3.xml><?xml version="1.0" encoding="utf-8"?>
 <p:sld xmlns:a="http://schemas.openxmlformats.org/drawingml/2006/main" xmlns:r="http://schemas.openxmlformats.org/officeDocument/2006/relationships" xmlns:p="http://schemas.openxmlformats.org/presentationml/2006/main">
   <p:cSld>
     <p:spTree>
@@ -3770,7 +4397,7 @@
           <a:p>
             <a:r>
               <a:rPr lang="en-US" dirty="0"/>
-              <a:t>Newton’s Second Law and Kinetics</a:t>
+              <a:t>Belt or Chain Driven Systems</a:t>
             </a:r>
           </a:p>
         </p:txBody>
@@ -3787,93 +4414,29 @@
                 <p:ph idx="1"/>
               </p:nvPr>
             </p:nvSpPr>
-            <p:spPr/>
+            <p:spPr>
+              <a:xfrm>
+                <a:off x="457199" y="1295400"/>
+                <a:ext cx="5075903" cy="5121276"/>
+              </a:xfrm>
+            </p:spPr>
             <p:txBody>
               <a:bodyPr>
-                <a:normAutofit fontScale="77500" lnSpcReduction="20000"/>
+                <a:normAutofit fontScale="62500" lnSpcReduction="20000"/>
               </a:bodyPr>
               <a:lstStyle/>
               <a:p>
                 <a:r>
                   <a:rPr lang="en-US" dirty="0"/>
-                  <a:t>In kinetics, we can build directly on Newton’s second law which states that...</a:t>
-                </a:r>
-              </a:p>
-              <a:p>
-                <a:pPr marL="0" indent="0" algn="ctr">
-                  <a:buNone/>
-                </a:pPr>
-                <a14:m>
-                  <m:oMathPara xmlns:m="http://schemas.openxmlformats.org/officeDocument/2006/math">
-                    <m:oMathParaPr>
-                      <m:jc m:val="centerGroup"/>
-                    </m:oMathParaPr>
-                    <m:oMath xmlns:m="http://schemas.openxmlformats.org/officeDocument/2006/math">
-                      <m:acc>
-                        <m:accPr>
-                          <m:chr m:val="⃑"/>
-                          <m:ctrlPr>
-                            <a:rPr lang="en-US" b="0" i="1" smtClean="0">
-                              <a:latin typeface="Cambria Math" panose="02040503050406030204" pitchFamily="18" charset="0"/>
-                            </a:rPr>
-                          </m:ctrlPr>
-                        </m:accPr>
-                        <m:e>
-                          <m:r>
-                            <a:rPr lang="en-US" b="0" i="1" smtClean="0">
-                              <a:latin typeface="Cambria Math" panose="02040503050406030204" pitchFamily="18" charset="0"/>
-                            </a:rPr>
-                            <m:t>𝐹</m:t>
-                          </m:r>
-                        </m:e>
-                      </m:acc>
-                      <m:r>
-                        <a:rPr lang="en-US" b="0" i="1" smtClean="0">
-                          <a:latin typeface="Cambria Math"/>
-                        </a:rPr>
-                        <m:t>=</m:t>
-                      </m:r>
-                      <m:r>
-                        <a:rPr lang="en-US" b="0" i="1" smtClean="0">
-                          <a:latin typeface="Cambria Math"/>
-                        </a:rPr>
-                        <m:t>𝑚</m:t>
-                      </m:r>
-                      <m:acc>
-                        <m:accPr>
-                          <m:chr m:val="⃑"/>
-                          <m:ctrlPr>
-                            <a:rPr lang="en-US" b="0" i="1" smtClean="0">
-                              <a:latin typeface="Cambria Math" panose="02040503050406030204" pitchFamily="18" charset="0"/>
-                            </a:rPr>
-                          </m:ctrlPr>
-                        </m:accPr>
-                        <m:e>
-                          <m:r>
-                            <a:rPr lang="en-US" b="0" i="1" smtClean="0">
-                              <a:latin typeface="Cambria Math" panose="02040503050406030204" pitchFamily="18" charset="0"/>
-                            </a:rPr>
-                            <m:t>𝑎</m:t>
-                          </m:r>
-                        </m:e>
-                      </m:acc>
-                    </m:oMath>
-                  </m:oMathPara>
-                </a14:m>
-                <a:endParaRPr lang="en-US" b="1" dirty="0"/>
-              </a:p>
-              <a:p>
-                <a:r>
-                  <a:rPr lang="en-US" dirty="0"/>
-                  <a:t>In </a:t>
+                  <a:t>If we have something like a belt, or a chain that is in contact with the pulley/sprocket and it is </a:t>
                 </a:r>
                 <a:r>
                   <a:rPr lang="en-US" b="1" dirty="0"/>
-                  <a:t>rigid body </a:t>
+                  <a:t>not slipping</a:t>
                 </a:r>
                 <a:r>
                   <a:rPr lang="en-US" dirty="0"/>
-                  <a:t>kinetics, we can additionally apply the rotational version of Newton’s second law…</a:t>
+                  <a:t>, the speed of the belt must be equal to the speed of a point on the edge of a belt.</a:t>
                 </a:r>
               </a:p>
               <a:p>
@@ -3886,55 +4449,62 @@
                       <m:jc m:val="centerGroup"/>
                     </m:oMathParaPr>
                     <m:oMath xmlns:m="http://schemas.openxmlformats.org/officeDocument/2006/math">
-                      <m:acc>
-                        <m:accPr>
-                          <m:chr m:val="⃑"/>
+                      <m:sSub>
+                        <m:sSubPr>
                           <m:ctrlPr>
                             <a:rPr lang="en-US" i="1">
                               <a:latin typeface="Cambria Math" panose="02040503050406030204" pitchFamily="18" charset="0"/>
                             </a:rPr>
                           </m:ctrlPr>
-                        </m:accPr>
+                        </m:sSubPr>
                         <m:e>
                           <m:r>
-                            <a:rPr lang="en-US" i="1">
-                              <a:latin typeface="Cambria Math" panose="02040503050406030204" pitchFamily="18" charset="0"/>
+                            <m:rPr>
+                              <m:sty m:val="p"/>
+                            </m:rPr>
+                            <a:rPr lang="en-US" b="0" i="0">
+                              <a:latin typeface="Cambria Math"/>
                             </a:rPr>
-                            <m:t>𝑀</m:t>
+                            <m:t>v</m:t>
                           </m:r>
                         </m:e>
-                      </m:acc>
+                        <m:sub>
+                          <m:r>
+                            <m:rPr>
+                              <m:sty m:val="p"/>
+                            </m:rPr>
+                            <a:rPr lang="en-US" b="0" i="0">
+                              <a:latin typeface="Cambria Math"/>
+                            </a:rPr>
+                            <m:t>b</m:t>
+                          </m:r>
+                        </m:sub>
+                      </m:sSub>
                       <m:r>
-                        <a:rPr lang="en-US" i="1">
+                        <a:rPr lang="en-US" b="0" i="0">
                           <a:latin typeface="Cambria Math"/>
                         </a:rPr>
-                        <m:t>=</m:t>
+                        <m:t>=  </m:t>
                       </m:r>
                       <m:r>
-                        <a:rPr lang="en-US" i="1">
+                        <m:rPr>
+                          <m:sty m:val="p"/>
+                        </m:rPr>
+                        <a:rPr lang="en-US" b="0" i="0">
+                          <a:latin typeface="Cambria Math"/>
+                        </a:rPr>
+                        <m:t>r</m:t>
+                      </m:r>
+                      <m:r>
+                        <m:rPr>
+                          <m:sty m:val="p"/>
+                        </m:rPr>
+                        <a:rPr lang="el-GR" i="1">
                           <a:latin typeface="Cambria Math" panose="02040503050406030204" pitchFamily="18" charset="0"/>
+                          <a:ea typeface="Cambria Math" panose="02040503050406030204" pitchFamily="18" charset="0"/>
                         </a:rPr>
-                        <m:t>𝐼</m:t>
+                        <m:t>ω</m:t>
                       </m:r>
-                      <m:acc>
-                        <m:accPr>
-                          <m:chr m:val="⃑"/>
-                          <m:ctrlPr>
-                            <a:rPr lang="en-US" i="1">
-                              <a:latin typeface="Cambria Math" panose="02040503050406030204" pitchFamily="18" charset="0"/>
-                            </a:rPr>
-                          </m:ctrlPr>
-                        </m:accPr>
-                        <m:e>
-                          <m:r>
-                            <a:rPr lang="en-US" i="1">
-                              <a:latin typeface="Cambria Math" panose="02040503050406030204" pitchFamily="18" charset="0"/>
-                              <a:ea typeface="Cambria Math" panose="02040503050406030204" pitchFamily="18" charset="0"/>
-                            </a:rPr>
-                            <m:t>𝛼</m:t>
-                          </m:r>
-                        </m:e>
-                      </m:acc>
                     </m:oMath>
                   </m:oMathPara>
                 </a14:m>
@@ -3943,22 +4513,459 @@
               <a:p>
                 <a:r>
                   <a:rPr lang="en-US" dirty="0"/>
-                  <a:t>If we put known forces, moments, masses, mass moments of inertia and accelerations into these equations for a given system, we have the  </a:t>
+                  <a:t>When the belt connects two pulleys, the speed of the belt must remain constant across both pulleys/sprockets.</a:t>
                 </a:r>
-                <a:r>
-                  <a:rPr lang="en-US" b="1" dirty="0"/>
-                  <a:t>equations of motion </a:t>
-                </a:r>
-                <a:r>
-                  <a:rPr lang="en-US" dirty="0"/>
-                  <a:t>for that object.  </a:t>
-                </a:r>
+              </a:p>
+              <a:p>
+                <a:pPr marL="0" indent="0">
+                  <a:buNone/>
+                </a:pPr>
+                <a14:m>
+                  <m:oMathPara xmlns:m="http://schemas.openxmlformats.org/officeDocument/2006/math">
+                    <m:oMathParaPr>
+                      <m:jc m:val="centerGroup"/>
+                    </m:oMathParaPr>
+                    <m:oMath xmlns:m="http://schemas.openxmlformats.org/officeDocument/2006/math">
+                      <m:sSub>
+                        <m:sSubPr>
+                          <m:ctrlPr>
+                            <a:rPr lang="en-US" i="1" smtClean="0">
+                              <a:latin typeface="Cambria Math" panose="02040503050406030204" pitchFamily="18" charset="0"/>
+                            </a:rPr>
+                          </m:ctrlPr>
+                        </m:sSubPr>
+                        <m:e>
+                          <m:r>
+                            <m:rPr>
+                              <m:sty m:val="p"/>
+                            </m:rPr>
+                            <a:rPr lang="en-US" b="0" i="0">
+                              <a:latin typeface="Cambria Math"/>
+                            </a:rPr>
+                            <m:t>v</m:t>
+                          </m:r>
+                        </m:e>
+                        <m:sub>
+                          <m:r>
+                            <m:rPr>
+                              <m:sty m:val="p"/>
+                            </m:rPr>
+                            <a:rPr lang="en-US" b="0" i="0">
+                              <a:latin typeface="Cambria Math"/>
+                            </a:rPr>
+                            <m:t>b</m:t>
+                          </m:r>
+                        </m:sub>
+                      </m:sSub>
+                      <m:r>
+                        <a:rPr lang="en-US" i="0">
+                          <a:latin typeface="Cambria Math"/>
+                        </a:rPr>
+                        <m:t>=  </m:t>
+                      </m:r>
+                      <m:sSub>
+                        <m:sSubPr>
+                          <m:ctrlPr>
+                            <a:rPr lang="en-US" i="1" smtClean="0">
+                              <a:latin typeface="Cambria Math" panose="02040503050406030204" pitchFamily="18" charset="0"/>
+                            </a:rPr>
+                          </m:ctrlPr>
+                        </m:sSubPr>
+                        <m:e>
+                          <m:r>
+                            <m:rPr>
+                              <m:sty m:val="p"/>
+                            </m:rPr>
+                            <a:rPr lang="en-US">
+                              <a:latin typeface="Cambria Math"/>
+                            </a:rPr>
+                            <m:t>r</m:t>
+                          </m:r>
+                        </m:e>
+                        <m:sub>
+                          <m:r>
+                            <a:rPr lang="en-US" b="0" i="1" smtClean="0">
+                              <a:latin typeface="Cambria Math"/>
+                            </a:rPr>
+                            <m:t>1</m:t>
+                          </m:r>
+                        </m:sub>
+                      </m:sSub>
+                      <m:sSub>
+                        <m:sSubPr>
+                          <m:ctrlPr>
+                            <a:rPr lang="en-US" i="1" smtClean="0">
+                              <a:latin typeface="Cambria Math" panose="02040503050406030204" pitchFamily="18" charset="0"/>
+                            </a:rPr>
+                          </m:ctrlPr>
+                        </m:sSubPr>
+                        <m:e>
+                          <m:r>
+                            <m:rPr>
+                              <m:sty m:val="p"/>
+                            </m:rPr>
+                            <a:rPr lang="el-GR" i="1" smtClean="0">
+                              <a:latin typeface="Cambria Math" panose="02040503050406030204" pitchFamily="18" charset="0"/>
+                              <a:ea typeface="Cambria Math" panose="02040503050406030204" pitchFamily="18" charset="0"/>
+                            </a:rPr>
+                            <m:t>ω</m:t>
+                          </m:r>
+                        </m:e>
+                        <m:sub>
+                          <m:r>
+                            <a:rPr lang="en-US" b="0" i="1" smtClean="0">
+                              <a:latin typeface="Cambria Math"/>
+                            </a:rPr>
+                            <m:t>1</m:t>
+                          </m:r>
+                        </m:sub>
+                      </m:sSub>
+                      <m:r>
+                        <a:rPr lang="en-US" b="0" i="1" smtClean="0">
+                          <a:latin typeface="Cambria Math"/>
+                        </a:rPr>
+                        <m:t>=</m:t>
+                      </m:r>
+                      <m:sSub>
+                        <m:sSubPr>
+                          <m:ctrlPr>
+                            <a:rPr lang="en-US" i="1">
+                              <a:latin typeface="Cambria Math" panose="02040503050406030204" pitchFamily="18" charset="0"/>
+                            </a:rPr>
+                          </m:ctrlPr>
+                        </m:sSubPr>
+                        <m:e>
+                          <m:r>
+                            <m:rPr>
+                              <m:sty m:val="p"/>
+                            </m:rPr>
+                            <a:rPr lang="en-US">
+                              <a:latin typeface="Cambria Math"/>
+                            </a:rPr>
+                            <m:t>r</m:t>
+                          </m:r>
+                        </m:e>
+                        <m:sub>
+                          <m:r>
+                            <a:rPr lang="en-US" b="0" i="1" smtClean="0">
+                              <a:latin typeface="Cambria Math"/>
+                            </a:rPr>
+                            <m:t>2</m:t>
+                          </m:r>
+                        </m:sub>
+                      </m:sSub>
+                      <m:sSub>
+                        <m:sSubPr>
+                          <m:ctrlPr>
+                            <a:rPr lang="en-US" i="1">
+                              <a:latin typeface="Cambria Math" panose="02040503050406030204" pitchFamily="18" charset="0"/>
+                            </a:rPr>
+                          </m:ctrlPr>
+                        </m:sSubPr>
+                        <m:e>
+                          <m:r>
+                            <m:rPr>
+                              <m:sty m:val="p"/>
+                            </m:rPr>
+                            <a:rPr lang="el-GR" i="1" smtClean="0">
+                              <a:latin typeface="Cambria Math" panose="02040503050406030204" pitchFamily="18" charset="0"/>
+                              <a:ea typeface="Cambria Math" panose="02040503050406030204" pitchFamily="18" charset="0"/>
+                            </a:rPr>
+                            <m:t>ω</m:t>
+                          </m:r>
+                        </m:e>
+                        <m:sub>
+                          <m:r>
+                            <a:rPr lang="en-US" b="0" i="1" smtClean="0">
+                              <a:latin typeface="Cambria Math"/>
+                              <a:ea typeface="Cambria Math"/>
+                            </a:rPr>
+                            <m:t>2</m:t>
+                          </m:r>
+                        </m:sub>
+                      </m:sSub>
+                    </m:oMath>
+                  </m:oMathPara>
+                </a14:m>
+                <a:endParaRPr lang="en-US" dirty="0"/>
               </a:p>
               <a:p>
                 <a:r>
                   <a:rPr lang="en-US" dirty="0"/>
-                  <a:t>By solving these equations, we can find either the forces or moments given the accelerations, or the accelerations given the forces and moments.</a:t>
+                  <a:t>This means the if the radius of the input and output are different, the angular velocities will be related via the equation below</a:t>
                 </a:r>
+              </a:p>
+              <a:p>
+                <a:pPr marL="0" indent="0">
+                  <a:buNone/>
+                </a:pPr>
+                <a14:m>
+                  <m:oMathPara xmlns:m="http://schemas.openxmlformats.org/officeDocument/2006/math">
+                    <m:oMathParaPr>
+                      <m:jc m:val="centerGroup"/>
+                    </m:oMathParaPr>
+                    <m:oMath xmlns:m="http://schemas.openxmlformats.org/officeDocument/2006/math">
+                      <m:sSub>
+                        <m:sSubPr>
+                          <m:ctrlPr>
+                            <a:rPr lang="en-US" i="1">
+                              <a:latin typeface="Cambria Math" panose="02040503050406030204" pitchFamily="18" charset="0"/>
+                            </a:rPr>
+                          </m:ctrlPr>
+                        </m:sSubPr>
+                        <m:e>
+                          <m:r>
+                            <m:rPr>
+                              <m:sty m:val="p"/>
+                            </m:rPr>
+                            <a:rPr lang="en-US">
+                              <a:latin typeface="Cambria Math"/>
+                            </a:rPr>
+                            <m:t>r</m:t>
+                          </m:r>
+                        </m:e>
+                        <m:sub>
+                          <m:r>
+                            <a:rPr lang="en-US" i="1">
+                              <a:latin typeface="Cambria Math"/>
+                            </a:rPr>
+                            <m:t>1</m:t>
+                          </m:r>
+                        </m:sub>
+                      </m:sSub>
+                      <m:sSub>
+                        <m:sSubPr>
+                          <m:ctrlPr>
+                            <a:rPr lang="en-US" i="1">
+                              <a:latin typeface="Cambria Math" panose="02040503050406030204" pitchFamily="18" charset="0"/>
+                            </a:rPr>
+                          </m:ctrlPr>
+                        </m:sSubPr>
+                        <m:e>
+                          <m:r>
+                            <m:rPr>
+                              <m:sty m:val="p"/>
+                            </m:rPr>
+                            <a:rPr lang="el-GR" i="1">
+                              <a:latin typeface="Cambria Math" panose="02040503050406030204" pitchFamily="18" charset="0"/>
+                              <a:ea typeface="Cambria Math" panose="02040503050406030204" pitchFamily="18" charset="0"/>
+                            </a:rPr>
+                            <m:t>ω</m:t>
+                          </m:r>
+                        </m:e>
+                        <m:sub>
+                          <m:r>
+                            <a:rPr lang="en-US" i="1">
+                              <a:latin typeface="Cambria Math"/>
+                            </a:rPr>
+                            <m:t>1</m:t>
+                          </m:r>
+                        </m:sub>
+                      </m:sSub>
+                      <m:r>
+                        <a:rPr lang="en-US" i="1">
+                          <a:latin typeface="Cambria Math"/>
+                        </a:rPr>
+                        <m:t>=</m:t>
+                      </m:r>
+                      <m:sSub>
+                        <m:sSubPr>
+                          <m:ctrlPr>
+                            <a:rPr lang="en-US" i="1">
+                              <a:latin typeface="Cambria Math" panose="02040503050406030204" pitchFamily="18" charset="0"/>
+                            </a:rPr>
+                          </m:ctrlPr>
+                        </m:sSubPr>
+                        <m:e>
+                          <m:r>
+                            <m:rPr>
+                              <m:sty m:val="p"/>
+                            </m:rPr>
+                            <a:rPr lang="en-US">
+                              <a:latin typeface="Cambria Math"/>
+                            </a:rPr>
+                            <m:t>r</m:t>
+                          </m:r>
+                        </m:e>
+                        <m:sub>
+                          <m:r>
+                            <a:rPr lang="en-US" i="1">
+                              <a:latin typeface="Cambria Math"/>
+                            </a:rPr>
+                            <m:t>2</m:t>
+                          </m:r>
+                        </m:sub>
+                      </m:sSub>
+                      <m:sSub>
+                        <m:sSubPr>
+                          <m:ctrlPr>
+                            <a:rPr lang="en-US" i="1">
+                              <a:latin typeface="Cambria Math" panose="02040503050406030204" pitchFamily="18" charset="0"/>
+                            </a:rPr>
+                          </m:ctrlPr>
+                        </m:sSubPr>
+                        <m:e>
+                          <m:r>
+                            <m:rPr>
+                              <m:sty m:val="p"/>
+                            </m:rPr>
+                            <a:rPr lang="el-GR" i="1">
+                              <a:latin typeface="Cambria Math" panose="02040503050406030204" pitchFamily="18" charset="0"/>
+                              <a:ea typeface="Cambria Math" panose="02040503050406030204" pitchFamily="18" charset="0"/>
+                            </a:rPr>
+                            <m:t>ω</m:t>
+                          </m:r>
+                        </m:e>
+                        <m:sub>
+                          <m:r>
+                            <a:rPr lang="en-US" i="1">
+                              <a:latin typeface="Cambria Math"/>
+                              <a:ea typeface="Cambria Math"/>
+                            </a:rPr>
+                            <m:t>2</m:t>
+                          </m:r>
+                        </m:sub>
+                      </m:sSub>
+                    </m:oMath>
+                  </m:oMathPara>
+                </a14:m>
+                <a:endParaRPr lang="en-US" dirty="0"/>
+              </a:p>
+              <a:p>
+                <a:r>
+                  <a:rPr lang="en-US" dirty="0"/>
+                  <a:t>This relationship also holds with angular accelerations</a:t>
+                </a:r>
+              </a:p>
+              <a:p>
+                <a:pPr marL="0" indent="0">
+                  <a:buNone/>
+                </a:pPr>
+                <a14:m>
+                  <m:oMathPara xmlns:m="http://schemas.openxmlformats.org/officeDocument/2006/math">
+                    <m:oMathParaPr>
+                      <m:jc m:val="centerGroup"/>
+                    </m:oMathParaPr>
+                    <m:oMath xmlns:m="http://schemas.openxmlformats.org/officeDocument/2006/math">
+                      <m:sSub>
+                        <m:sSubPr>
+                          <m:ctrlPr>
+                            <a:rPr lang="en-US" i="1">
+                              <a:latin typeface="Cambria Math" panose="02040503050406030204" pitchFamily="18" charset="0"/>
+                            </a:rPr>
+                          </m:ctrlPr>
+                        </m:sSubPr>
+                        <m:e>
+                          <m:r>
+                            <m:rPr>
+                              <m:sty m:val="p"/>
+                            </m:rPr>
+                            <a:rPr lang="en-US">
+                              <a:latin typeface="Cambria Math"/>
+                            </a:rPr>
+                            <m:t>r</m:t>
+                          </m:r>
+                        </m:e>
+                        <m:sub>
+                          <m:r>
+                            <a:rPr lang="en-US" i="1">
+                              <a:latin typeface="Cambria Math"/>
+                            </a:rPr>
+                            <m:t>1</m:t>
+                          </m:r>
+                        </m:sub>
+                      </m:sSub>
+                      <m:sSub>
+                        <m:sSubPr>
+                          <m:ctrlPr>
+                            <a:rPr lang="en-US" i="1">
+                              <a:latin typeface="Cambria Math" panose="02040503050406030204" pitchFamily="18" charset="0"/>
+                            </a:rPr>
+                          </m:ctrlPr>
+                        </m:sSubPr>
+                        <m:e>
+                          <m:r>
+                            <a:rPr lang="el-GR" i="1" smtClean="0">
+                              <a:latin typeface="Cambria Math" panose="02040503050406030204" pitchFamily="18" charset="0"/>
+                              <a:ea typeface="Cambria Math" panose="02040503050406030204" pitchFamily="18" charset="0"/>
+                            </a:rPr>
+                            <m:t>𝛼</m:t>
+                          </m:r>
+                        </m:e>
+                        <m:sub>
+                          <m:r>
+                            <a:rPr lang="en-US" i="1">
+                              <a:latin typeface="Cambria Math"/>
+                            </a:rPr>
+                            <m:t>1</m:t>
+                          </m:r>
+                        </m:sub>
+                      </m:sSub>
+                      <m:r>
+                        <a:rPr lang="en-US" i="1">
+                          <a:latin typeface="Cambria Math"/>
+                        </a:rPr>
+                        <m:t>=</m:t>
+                      </m:r>
+                      <m:sSub>
+                        <m:sSubPr>
+                          <m:ctrlPr>
+                            <a:rPr lang="en-US" i="1">
+                              <a:latin typeface="Cambria Math" panose="02040503050406030204" pitchFamily="18" charset="0"/>
+                            </a:rPr>
+                          </m:ctrlPr>
+                        </m:sSubPr>
+                        <m:e>
+                          <m:r>
+                            <m:rPr>
+                              <m:sty m:val="p"/>
+                            </m:rPr>
+                            <a:rPr lang="en-US">
+                              <a:latin typeface="Cambria Math"/>
+                            </a:rPr>
+                            <m:t>r</m:t>
+                          </m:r>
+                        </m:e>
+                        <m:sub>
+                          <m:r>
+                            <a:rPr lang="en-US" i="1">
+                              <a:latin typeface="Cambria Math"/>
+                            </a:rPr>
+                            <m:t>2</m:t>
+                          </m:r>
+                        </m:sub>
+                      </m:sSub>
+                      <m:sSub>
+                        <m:sSubPr>
+                          <m:ctrlPr>
+                            <a:rPr lang="en-US" i="1">
+                              <a:latin typeface="Cambria Math" panose="02040503050406030204" pitchFamily="18" charset="0"/>
+                            </a:rPr>
+                          </m:ctrlPr>
+                        </m:sSubPr>
+                        <m:e>
+                          <m:r>
+                            <a:rPr lang="el-GR" i="1" smtClean="0">
+                              <a:latin typeface="Cambria Math" panose="02040503050406030204" pitchFamily="18" charset="0"/>
+                              <a:ea typeface="Cambria Math" panose="02040503050406030204" pitchFamily="18" charset="0"/>
+                            </a:rPr>
+                            <m:t>𝛼</m:t>
+                          </m:r>
+                        </m:e>
+                        <m:sub>
+                          <m:r>
+                            <a:rPr lang="en-US" i="1">
+                              <a:latin typeface="Cambria Math"/>
+                              <a:ea typeface="Cambria Math"/>
+                            </a:rPr>
+                            <m:t>2</m:t>
+                          </m:r>
+                        </m:sub>
+                      </m:sSub>
+                    </m:oMath>
+                  </m:oMathPara>
+                </a14:m>
+                <a:endParaRPr lang="en-US" dirty="0"/>
               </a:p>
             </p:txBody>
           </p:sp>
@@ -3975,10 +4982,14 @@
               </p:nvPr>
             </p:nvSpPr>
             <p:spPr>
+              <a:xfrm>
+                <a:off x="457199" y="1295400"/>
+                <a:ext cx="5075903" cy="5121276"/>
+              </a:xfrm>
               <a:blipFill>
                 <a:blip r:embed="rId2"/>
                 <a:stretch>
-                  <a:fillRect l="-1037" t="-2561" r="-1333"/>
+                  <a:fillRect l="-1080" t="-1786"/>
                 </a:stretch>
               </a:blipFill>
             </p:spPr>
@@ -4014,16 +5025,2901 @@
           <a:p>
             <a:fld id="{929262FE-7F58-4A1E-8AF3-5A510A86DEBD}" type="slidenum">
               <a:rPr lang="en-US" smtClean="0"/>
-              <a:t>2</a:t>
+              <a:t>3</a:t>
             </a:fld>
-            <a:endParaRPr lang="en-US" dirty="0"/>
+            <a:endParaRPr lang="en-US"/>
+          </a:p>
+        </p:txBody>
+      </p:sp>
+      <p:pic>
+        <p:nvPicPr>
+          <p:cNvPr id="2050" name="Picture 2" descr="File:Monark bicycle from the 1950's I.jpg">
+            <a:extLst>
+              <a:ext uri="{FF2B5EF4-FFF2-40B4-BE49-F238E27FC236}">
+                <a16:creationId xmlns:a16="http://schemas.microsoft.com/office/drawing/2014/main" id="{B742843A-EE77-4F2E-8285-9C3BD559E72F}"/>
+              </a:ext>
+            </a:extLst>
+          </p:cNvPr>
+          <p:cNvPicPr>
+            <a:picLocks noChangeAspect="1" noChangeArrowheads="1"/>
+          </p:cNvPicPr>
+          <p:nvPr/>
+        </p:nvPicPr>
+        <p:blipFill rotWithShape="1">
+          <a:blip r:embed="rId3">
+            <a:extLst>
+              <a:ext uri="{28A0092B-C50C-407E-A947-70E740481C1C}">
+                <a14:useLocalDpi xmlns:a14="http://schemas.microsoft.com/office/drawing/2010/main" val="0"/>
+              </a:ext>
+            </a:extLst>
+          </a:blip>
+          <a:srcRect l="15304" t="46997" r="43696" b="6473"/>
+          <a:stretch/>
+        </p:blipFill>
+        <p:spPr bwMode="auto">
+          <a:xfrm>
+            <a:off x="5533103" y="2057400"/>
+            <a:ext cx="3124200" cy="2362200"/>
+          </a:xfrm>
+          <a:prstGeom prst="rect">
+            <a:avLst/>
+          </a:prstGeom>
+          <a:noFill/>
+          <a:extLst>
+            <a:ext uri="{909E8E84-426E-40DD-AFC4-6F175D3DCCD1}">
+              <a14:hiddenFill xmlns:a14="http://schemas.microsoft.com/office/drawing/2010/main">
+                <a:solidFill>
+                  <a:srgbClr val="FFFFFF"/>
+                </a:solidFill>
+              </a14:hiddenFill>
+            </a:ext>
+          </a:extLst>
+        </p:spPr>
+      </p:pic>
+      <p:sp>
+        <p:nvSpPr>
+          <p:cNvPr id="5" name="TextBox 4">
+            <a:extLst>
+              <a:ext uri="{FF2B5EF4-FFF2-40B4-BE49-F238E27FC236}">
+                <a16:creationId xmlns:a16="http://schemas.microsoft.com/office/drawing/2014/main" id="{FED3490D-4D9E-45C7-8A0A-420BE03A1EEC}"/>
+              </a:ext>
+            </a:extLst>
+          </p:cNvPr>
+          <p:cNvSpPr txBox="1"/>
+          <p:nvPr/>
+        </p:nvSpPr>
+        <p:spPr>
+          <a:xfrm>
+            <a:off x="6019800" y="4572000"/>
+            <a:ext cx="2438400" cy="923330"/>
+          </a:xfrm>
+          <a:prstGeom prst="rect">
+            <a:avLst/>
+          </a:prstGeom>
+          <a:noFill/>
+        </p:spPr>
+        <p:txBody>
+          <a:bodyPr wrap="square" rtlCol="0">
+            <a:spAutoFit/>
+          </a:bodyPr>
+          <a:lstStyle/>
+          <a:p>
+            <a:r>
+              <a:rPr lang="en-US" dirty="0"/>
+              <a:t>Image licensed under a CC-BY 2.0 license by </a:t>
+            </a:r>
+          </a:p>
+          <a:p>
+            <a:r>
+              <a:rPr lang="en-US" dirty="0" err="1"/>
+              <a:t>Moebiusuibeom-en</a:t>
+            </a:r>
+            <a:r>
+              <a:rPr lang="en-US" dirty="0"/>
+              <a:t>  </a:t>
+            </a:r>
           </a:p>
         </p:txBody>
       </p:sp>
     </p:spTree>
     <p:extLst>
       <p:ext uri="{BB962C8B-B14F-4D97-AF65-F5344CB8AC3E}">
-        <p14:creationId xmlns:p14="http://schemas.microsoft.com/office/powerpoint/2010/main" val="4145160990"/>
+        <p14:creationId xmlns:p14="http://schemas.microsoft.com/office/powerpoint/2010/main" val="959669406"/>
+      </p:ext>
+    </p:extLst>
+  </p:cSld>
+  <p:clrMapOvr>
+    <a:masterClrMapping/>
+  </p:clrMapOvr>
+  <p:timing>
+    <p:tnLst>
+      <p:par>
+        <p:cTn id="1" dur="indefinite" restart="never" nodeType="tmRoot">
+          <p:childTnLst>
+            <p:seq concurrent="1" nextAc="seek">
+              <p:cTn id="2" dur="indefinite" nodeType="mainSeq">
+                <p:childTnLst>
+                  <p:par>
+                    <p:cTn id="3" fill="hold">
+                      <p:stCondLst>
+                        <p:cond delay="indefinite"/>
+                      </p:stCondLst>
+                      <p:childTnLst>
+                        <p:par>
+                          <p:cTn id="4" fill="hold">
+                            <p:stCondLst>
+                              <p:cond delay="0"/>
+                            </p:stCondLst>
+                            <p:childTnLst>
+                              <p:par>
+                                <p:cTn id="5" presetID="1" presetClass="entr" presetSubtype="0" fill="hold" grpId="0" nodeType="clickEffect">
+                                  <p:stCondLst>
+                                    <p:cond delay="0"/>
+                                  </p:stCondLst>
+                                  <p:childTnLst>
+                                    <p:set>
+                                      <p:cBhvr>
+                                        <p:cTn id="6" dur="1" fill="hold">
+                                          <p:stCondLst>
+                                            <p:cond delay="0"/>
+                                          </p:stCondLst>
+                                        </p:cTn>
+                                        <p:tgtEl>
+                                          <p:spTgt spid="3">
+                                            <p:txEl>
+                                              <p:pRg st="0" end="0"/>
+                                            </p:txEl>
+                                          </p:spTgt>
+                                        </p:tgtEl>
+                                        <p:attrNameLst>
+                                          <p:attrName>style.visibility</p:attrName>
+                                        </p:attrNameLst>
+                                      </p:cBhvr>
+                                      <p:to>
+                                        <p:strVal val="visible"/>
+                                      </p:to>
+                                    </p:set>
+                                  </p:childTnLst>
+                                </p:cTn>
+                              </p:par>
+                            </p:childTnLst>
+                          </p:cTn>
+                        </p:par>
+                      </p:childTnLst>
+                    </p:cTn>
+                  </p:par>
+                  <p:par>
+                    <p:cTn id="7" fill="hold">
+                      <p:stCondLst>
+                        <p:cond delay="indefinite"/>
+                      </p:stCondLst>
+                      <p:childTnLst>
+                        <p:par>
+                          <p:cTn id="8" fill="hold">
+                            <p:stCondLst>
+                              <p:cond delay="0"/>
+                            </p:stCondLst>
+                            <p:childTnLst>
+                              <p:par>
+                                <p:cTn id="9" presetID="10" presetClass="entr" presetSubtype="0" fill="hold" nodeType="clickEffect">
+                                  <p:stCondLst>
+                                    <p:cond delay="0"/>
+                                  </p:stCondLst>
+                                  <p:childTnLst>
+                                    <p:set>
+                                      <p:cBhvr>
+                                        <p:cTn id="10" dur="1" fill="hold">
+                                          <p:stCondLst>
+                                            <p:cond delay="0"/>
+                                          </p:stCondLst>
+                                        </p:cTn>
+                                        <p:tgtEl>
+                                          <p:spTgt spid="2050"/>
+                                        </p:tgtEl>
+                                        <p:attrNameLst>
+                                          <p:attrName>style.visibility</p:attrName>
+                                        </p:attrNameLst>
+                                      </p:cBhvr>
+                                      <p:to>
+                                        <p:strVal val="visible"/>
+                                      </p:to>
+                                    </p:set>
+                                    <p:animEffect transition="in" filter="fade">
+                                      <p:cBhvr>
+                                        <p:cTn id="11" dur="500"/>
+                                        <p:tgtEl>
+                                          <p:spTgt spid="2050"/>
+                                        </p:tgtEl>
+                                      </p:cBhvr>
+                                    </p:animEffect>
+                                  </p:childTnLst>
+                                </p:cTn>
+                              </p:par>
+                              <p:par>
+                                <p:cTn id="12" presetID="10" presetClass="entr" presetSubtype="0" fill="hold" grpId="0" nodeType="withEffect">
+                                  <p:stCondLst>
+                                    <p:cond delay="0"/>
+                                  </p:stCondLst>
+                                  <p:childTnLst>
+                                    <p:set>
+                                      <p:cBhvr>
+                                        <p:cTn id="13" dur="1" fill="hold">
+                                          <p:stCondLst>
+                                            <p:cond delay="0"/>
+                                          </p:stCondLst>
+                                        </p:cTn>
+                                        <p:tgtEl>
+                                          <p:spTgt spid="5"/>
+                                        </p:tgtEl>
+                                        <p:attrNameLst>
+                                          <p:attrName>style.visibility</p:attrName>
+                                        </p:attrNameLst>
+                                      </p:cBhvr>
+                                      <p:to>
+                                        <p:strVal val="visible"/>
+                                      </p:to>
+                                    </p:set>
+                                    <p:animEffect transition="in" filter="fade">
+                                      <p:cBhvr>
+                                        <p:cTn id="14" dur="500"/>
+                                        <p:tgtEl>
+                                          <p:spTgt spid="5"/>
+                                        </p:tgtEl>
+                                      </p:cBhvr>
+                                    </p:animEffect>
+                                  </p:childTnLst>
+                                </p:cTn>
+                              </p:par>
+                            </p:childTnLst>
+                          </p:cTn>
+                        </p:par>
+                      </p:childTnLst>
+                    </p:cTn>
+                  </p:par>
+                  <p:par>
+                    <p:cTn id="15" fill="hold">
+                      <p:stCondLst>
+                        <p:cond delay="indefinite"/>
+                      </p:stCondLst>
+                      <p:childTnLst>
+                        <p:par>
+                          <p:cTn id="16" fill="hold">
+                            <p:stCondLst>
+                              <p:cond delay="0"/>
+                            </p:stCondLst>
+                            <p:childTnLst>
+                              <p:par>
+                                <p:cTn id="17" presetID="1" presetClass="entr" presetSubtype="0" fill="hold" grpId="0" nodeType="clickEffect">
+                                  <p:stCondLst>
+                                    <p:cond delay="0"/>
+                                  </p:stCondLst>
+                                  <p:childTnLst>
+                                    <p:set>
+                                      <p:cBhvr>
+                                        <p:cTn id="18" dur="1" fill="hold">
+                                          <p:stCondLst>
+                                            <p:cond delay="0"/>
+                                          </p:stCondLst>
+                                        </p:cTn>
+                                        <p:tgtEl>
+                                          <p:spTgt spid="3">
+                                            <p:txEl>
+                                              <p:pRg st="1" end="1"/>
+                                            </p:txEl>
+                                          </p:spTgt>
+                                        </p:tgtEl>
+                                        <p:attrNameLst>
+                                          <p:attrName>style.visibility</p:attrName>
+                                        </p:attrNameLst>
+                                      </p:cBhvr>
+                                      <p:to>
+                                        <p:strVal val="visible"/>
+                                      </p:to>
+                                    </p:set>
+                                  </p:childTnLst>
+                                </p:cTn>
+                              </p:par>
+                            </p:childTnLst>
+                          </p:cTn>
+                        </p:par>
+                      </p:childTnLst>
+                    </p:cTn>
+                  </p:par>
+                  <p:par>
+                    <p:cTn id="19" fill="hold">
+                      <p:stCondLst>
+                        <p:cond delay="indefinite"/>
+                      </p:stCondLst>
+                      <p:childTnLst>
+                        <p:par>
+                          <p:cTn id="20" fill="hold">
+                            <p:stCondLst>
+                              <p:cond delay="0"/>
+                            </p:stCondLst>
+                            <p:childTnLst>
+                              <p:par>
+                                <p:cTn id="21" presetID="1" presetClass="entr" presetSubtype="0" fill="hold" grpId="0" nodeType="clickEffect">
+                                  <p:stCondLst>
+                                    <p:cond delay="0"/>
+                                  </p:stCondLst>
+                                  <p:childTnLst>
+                                    <p:set>
+                                      <p:cBhvr>
+                                        <p:cTn id="22" dur="1" fill="hold">
+                                          <p:stCondLst>
+                                            <p:cond delay="0"/>
+                                          </p:stCondLst>
+                                        </p:cTn>
+                                        <p:tgtEl>
+                                          <p:spTgt spid="3">
+                                            <p:txEl>
+                                              <p:pRg st="2" end="2"/>
+                                            </p:txEl>
+                                          </p:spTgt>
+                                        </p:tgtEl>
+                                        <p:attrNameLst>
+                                          <p:attrName>style.visibility</p:attrName>
+                                        </p:attrNameLst>
+                                      </p:cBhvr>
+                                      <p:to>
+                                        <p:strVal val="visible"/>
+                                      </p:to>
+                                    </p:set>
+                                  </p:childTnLst>
+                                </p:cTn>
+                              </p:par>
+                            </p:childTnLst>
+                          </p:cTn>
+                        </p:par>
+                      </p:childTnLst>
+                    </p:cTn>
+                  </p:par>
+                  <p:par>
+                    <p:cTn id="23" fill="hold">
+                      <p:stCondLst>
+                        <p:cond delay="indefinite"/>
+                      </p:stCondLst>
+                      <p:childTnLst>
+                        <p:par>
+                          <p:cTn id="24" fill="hold">
+                            <p:stCondLst>
+                              <p:cond delay="0"/>
+                            </p:stCondLst>
+                            <p:childTnLst>
+                              <p:par>
+                                <p:cTn id="25" presetID="1" presetClass="entr" presetSubtype="0" fill="hold" grpId="0" nodeType="clickEffect">
+                                  <p:stCondLst>
+                                    <p:cond delay="0"/>
+                                  </p:stCondLst>
+                                  <p:childTnLst>
+                                    <p:set>
+                                      <p:cBhvr>
+                                        <p:cTn id="26" dur="1" fill="hold">
+                                          <p:stCondLst>
+                                            <p:cond delay="0"/>
+                                          </p:stCondLst>
+                                        </p:cTn>
+                                        <p:tgtEl>
+                                          <p:spTgt spid="3">
+                                            <p:txEl>
+                                              <p:pRg st="3" end="3"/>
+                                            </p:txEl>
+                                          </p:spTgt>
+                                        </p:tgtEl>
+                                        <p:attrNameLst>
+                                          <p:attrName>style.visibility</p:attrName>
+                                        </p:attrNameLst>
+                                      </p:cBhvr>
+                                      <p:to>
+                                        <p:strVal val="visible"/>
+                                      </p:to>
+                                    </p:set>
+                                  </p:childTnLst>
+                                </p:cTn>
+                              </p:par>
+                            </p:childTnLst>
+                          </p:cTn>
+                        </p:par>
+                      </p:childTnLst>
+                    </p:cTn>
+                  </p:par>
+                  <p:par>
+                    <p:cTn id="27" fill="hold">
+                      <p:stCondLst>
+                        <p:cond delay="indefinite"/>
+                      </p:stCondLst>
+                      <p:childTnLst>
+                        <p:par>
+                          <p:cTn id="28" fill="hold">
+                            <p:stCondLst>
+                              <p:cond delay="0"/>
+                            </p:stCondLst>
+                            <p:childTnLst>
+                              <p:par>
+                                <p:cTn id="29" presetID="1" presetClass="entr" presetSubtype="0" fill="hold" grpId="0" nodeType="clickEffect">
+                                  <p:stCondLst>
+                                    <p:cond delay="0"/>
+                                  </p:stCondLst>
+                                  <p:childTnLst>
+                                    <p:set>
+                                      <p:cBhvr>
+                                        <p:cTn id="30" dur="1" fill="hold">
+                                          <p:stCondLst>
+                                            <p:cond delay="0"/>
+                                          </p:stCondLst>
+                                        </p:cTn>
+                                        <p:tgtEl>
+                                          <p:spTgt spid="3">
+                                            <p:txEl>
+                                              <p:pRg st="4" end="4"/>
+                                            </p:txEl>
+                                          </p:spTgt>
+                                        </p:tgtEl>
+                                        <p:attrNameLst>
+                                          <p:attrName>style.visibility</p:attrName>
+                                        </p:attrNameLst>
+                                      </p:cBhvr>
+                                      <p:to>
+                                        <p:strVal val="visible"/>
+                                      </p:to>
+                                    </p:set>
+                                  </p:childTnLst>
+                                </p:cTn>
+                              </p:par>
+                            </p:childTnLst>
+                          </p:cTn>
+                        </p:par>
+                      </p:childTnLst>
+                    </p:cTn>
+                  </p:par>
+                  <p:par>
+                    <p:cTn id="31" fill="hold">
+                      <p:stCondLst>
+                        <p:cond delay="indefinite"/>
+                      </p:stCondLst>
+                      <p:childTnLst>
+                        <p:par>
+                          <p:cTn id="32" fill="hold">
+                            <p:stCondLst>
+                              <p:cond delay="0"/>
+                            </p:stCondLst>
+                            <p:childTnLst>
+                              <p:par>
+                                <p:cTn id="33" presetID="1" presetClass="entr" presetSubtype="0" fill="hold" grpId="0" nodeType="clickEffect">
+                                  <p:stCondLst>
+                                    <p:cond delay="0"/>
+                                  </p:stCondLst>
+                                  <p:childTnLst>
+                                    <p:set>
+                                      <p:cBhvr>
+                                        <p:cTn id="34" dur="1" fill="hold">
+                                          <p:stCondLst>
+                                            <p:cond delay="0"/>
+                                          </p:stCondLst>
+                                        </p:cTn>
+                                        <p:tgtEl>
+                                          <p:spTgt spid="3">
+                                            <p:txEl>
+                                              <p:pRg st="5" end="5"/>
+                                            </p:txEl>
+                                          </p:spTgt>
+                                        </p:tgtEl>
+                                        <p:attrNameLst>
+                                          <p:attrName>style.visibility</p:attrName>
+                                        </p:attrNameLst>
+                                      </p:cBhvr>
+                                      <p:to>
+                                        <p:strVal val="visible"/>
+                                      </p:to>
+                                    </p:set>
+                                  </p:childTnLst>
+                                </p:cTn>
+                              </p:par>
+                            </p:childTnLst>
+                          </p:cTn>
+                        </p:par>
+                      </p:childTnLst>
+                    </p:cTn>
+                  </p:par>
+                  <p:par>
+                    <p:cTn id="35" fill="hold">
+                      <p:stCondLst>
+                        <p:cond delay="indefinite"/>
+                      </p:stCondLst>
+                      <p:childTnLst>
+                        <p:par>
+                          <p:cTn id="36" fill="hold">
+                            <p:stCondLst>
+                              <p:cond delay="0"/>
+                            </p:stCondLst>
+                            <p:childTnLst>
+                              <p:par>
+                                <p:cTn id="37" presetID="1" presetClass="entr" presetSubtype="0" fill="hold" grpId="0" nodeType="clickEffect">
+                                  <p:stCondLst>
+                                    <p:cond delay="0"/>
+                                  </p:stCondLst>
+                                  <p:childTnLst>
+                                    <p:set>
+                                      <p:cBhvr>
+                                        <p:cTn id="38" dur="1" fill="hold">
+                                          <p:stCondLst>
+                                            <p:cond delay="0"/>
+                                          </p:stCondLst>
+                                        </p:cTn>
+                                        <p:tgtEl>
+                                          <p:spTgt spid="3">
+                                            <p:txEl>
+                                              <p:pRg st="6" end="6"/>
+                                            </p:txEl>
+                                          </p:spTgt>
+                                        </p:tgtEl>
+                                        <p:attrNameLst>
+                                          <p:attrName>style.visibility</p:attrName>
+                                        </p:attrNameLst>
+                                      </p:cBhvr>
+                                      <p:to>
+                                        <p:strVal val="visible"/>
+                                      </p:to>
+                                    </p:set>
+                                  </p:childTnLst>
+                                </p:cTn>
+                              </p:par>
+                            </p:childTnLst>
+                          </p:cTn>
+                        </p:par>
+                      </p:childTnLst>
+                    </p:cTn>
+                  </p:par>
+                  <p:par>
+                    <p:cTn id="39" fill="hold">
+                      <p:stCondLst>
+                        <p:cond delay="indefinite"/>
+                      </p:stCondLst>
+                      <p:childTnLst>
+                        <p:par>
+                          <p:cTn id="40" fill="hold">
+                            <p:stCondLst>
+                              <p:cond delay="0"/>
+                            </p:stCondLst>
+                            <p:childTnLst>
+                              <p:par>
+                                <p:cTn id="41" presetID="1" presetClass="entr" presetSubtype="0" fill="hold" grpId="0" nodeType="clickEffect">
+                                  <p:stCondLst>
+                                    <p:cond delay="0"/>
+                                  </p:stCondLst>
+                                  <p:childTnLst>
+                                    <p:set>
+                                      <p:cBhvr>
+                                        <p:cTn id="42" dur="1" fill="hold">
+                                          <p:stCondLst>
+                                            <p:cond delay="0"/>
+                                          </p:stCondLst>
+                                        </p:cTn>
+                                        <p:tgtEl>
+                                          <p:spTgt spid="3">
+                                            <p:txEl>
+                                              <p:pRg st="7" end="7"/>
+                                            </p:txEl>
+                                          </p:spTgt>
+                                        </p:tgtEl>
+                                        <p:attrNameLst>
+                                          <p:attrName>style.visibility</p:attrName>
+                                        </p:attrNameLst>
+                                      </p:cBhvr>
+                                      <p:to>
+                                        <p:strVal val="visible"/>
+                                      </p:to>
+                                    </p:set>
+                                  </p:childTnLst>
+                                </p:cTn>
+                              </p:par>
+                            </p:childTnLst>
+                          </p:cTn>
+                        </p:par>
+                      </p:childTnLst>
+                    </p:cTn>
+                  </p:par>
+                </p:childTnLst>
+              </p:cTn>
+              <p:prevCondLst>
+                <p:cond evt="onPrev" delay="0">
+                  <p:tgtEl>
+                    <p:sldTgt/>
+                  </p:tgtEl>
+                </p:cond>
+              </p:prevCondLst>
+              <p:nextCondLst>
+                <p:cond evt="onNext" delay="0">
+                  <p:tgtEl>
+                    <p:sldTgt/>
+                  </p:tgtEl>
+                </p:cond>
+              </p:nextCondLst>
+            </p:seq>
+          </p:childTnLst>
+        </p:cTn>
+      </p:par>
+    </p:tnLst>
+    <p:bldLst>
+      <p:bldP spid="3" grpId="0" uiExpand="1" build="p"/>
+      <p:bldP spid="5" grpId="0"/>
+    </p:bldLst>
+  </p:timing>
+</p:sld>
+</file>
+
+<file path=ppt/slides/slide4.xml><?xml version="1.0" encoding="utf-8"?>
+<p:sld xmlns:a="http://schemas.openxmlformats.org/drawingml/2006/main" xmlns:r="http://schemas.openxmlformats.org/officeDocument/2006/relationships" xmlns:p="http://schemas.openxmlformats.org/presentationml/2006/main">
+  <p:cSld>
+    <p:spTree>
+      <p:nvGrpSpPr>
+        <p:cNvPr id="1" name=""/>
+        <p:cNvGrpSpPr/>
+        <p:nvPr/>
+      </p:nvGrpSpPr>
+      <p:grpSpPr>
+        <a:xfrm>
+          <a:off x="0" y="0"/>
+          <a:ext cx="0" cy="0"/>
+          <a:chOff x="0" y="0"/>
+          <a:chExt cx="0" cy="0"/>
+        </a:xfrm>
+      </p:grpSpPr>
+      <p:sp>
+        <p:nvSpPr>
+          <p:cNvPr id="2" name="Title 1">
+            <a:extLst>
+              <a:ext uri="{FF2B5EF4-FFF2-40B4-BE49-F238E27FC236}">
+                <a16:creationId xmlns:a16="http://schemas.microsoft.com/office/drawing/2014/main" id="{ED8C6E32-79C8-4E83-B6B0-7E6E943E134B}"/>
+              </a:ext>
+            </a:extLst>
+          </p:cNvPr>
+          <p:cNvSpPr>
+            <a:spLocks noGrp="1"/>
+          </p:cNvSpPr>
+          <p:nvPr>
+            <p:ph type="title"/>
+          </p:nvPr>
+        </p:nvSpPr>
+        <p:spPr/>
+        <p:txBody>
+          <a:bodyPr/>
+          <a:lstStyle/>
+          <a:p>
+            <a:r>
+              <a:rPr lang="en-US" dirty="0"/>
+              <a:t>Gear Driven Systems</a:t>
+            </a:r>
+          </a:p>
+        </p:txBody>
+      </p:sp>
+      <p:pic>
+        <p:nvPicPr>
+          <p:cNvPr id="4" name="Picture 2" descr="File:Monark bicycle from the 1950's I.jpg">
+            <a:extLst>
+              <a:ext uri="{FF2B5EF4-FFF2-40B4-BE49-F238E27FC236}">
+                <a16:creationId xmlns:a16="http://schemas.microsoft.com/office/drawing/2014/main" id="{5DA6955B-9796-4D0A-981C-CD4821B00C48}"/>
+              </a:ext>
+            </a:extLst>
+          </p:cNvPr>
+          <p:cNvPicPr>
+            <a:picLocks noChangeAspect="1" noChangeArrowheads="1"/>
+          </p:cNvPicPr>
+          <p:nvPr/>
+        </p:nvPicPr>
+        <p:blipFill rotWithShape="1">
+          <a:blip r:embed="rId2">
+            <a:extLst>
+              <a:ext uri="{28A0092B-C50C-407E-A947-70E740481C1C}">
+                <a14:useLocalDpi xmlns:a14="http://schemas.microsoft.com/office/drawing/2010/main" val="0"/>
+              </a:ext>
+            </a:extLst>
+          </a:blip>
+          <a:srcRect l="15304" t="46997" r="43696" b="6473"/>
+          <a:stretch/>
+        </p:blipFill>
+        <p:spPr bwMode="auto">
+          <a:xfrm>
+            <a:off x="1410929" y="3428007"/>
+            <a:ext cx="3124200" cy="2362200"/>
+          </a:xfrm>
+          <a:prstGeom prst="rect">
+            <a:avLst/>
+          </a:prstGeom>
+          <a:noFill/>
+          <a:extLst>
+            <a:ext uri="{909E8E84-426E-40DD-AFC4-6F175D3DCCD1}">
+              <a14:hiddenFill xmlns:a14="http://schemas.microsoft.com/office/drawing/2010/main">
+                <a:solidFill>
+                  <a:srgbClr val="FFFFFF"/>
+                </a:solidFill>
+              </a14:hiddenFill>
+            </a:ext>
+          </a:extLst>
+        </p:spPr>
+      </p:pic>
+      <p:pic>
+        <p:nvPicPr>
+          <p:cNvPr id="3074" name="Picture 2" descr="Image result for gears">
+            <a:extLst>
+              <a:ext uri="{FF2B5EF4-FFF2-40B4-BE49-F238E27FC236}">
+                <a16:creationId xmlns:a16="http://schemas.microsoft.com/office/drawing/2014/main" id="{D036FAAD-ECDC-40CA-B7A1-BD5594E5957C}"/>
+              </a:ext>
+            </a:extLst>
+          </p:cNvPr>
+          <p:cNvPicPr>
+            <a:picLocks noChangeAspect="1" noChangeArrowheads="1"/>
+          </p:cNvPicPr>
+          <p:nvPr/>
+        </p:nvPicPr>
+        <p:blipFill>
+          <a:blip r:embed="rId3">
+            <a:extLst>
+              <a:ext uri="{28A0092B-C50C-407E-A947-70E740481C1C}">
+                <a14:useLocalDpi xmlns:a14="http://schemas.microsoft.com/office/drawing/2010/main" val="0"/>
+              </a:ext>
+            </a:extLst>
+          </a:blip>
+          <a:srcRect/>
+          <a:stretch>
+            <a:fillRect/>
+          </a:stretch>
+        </p:blipFill>
+        <p:spPr bwMode="auto">
+          <a:xfrm>
+            <a:off x="5089423" y="3123207"/>
+            <a:ext cx="2971800" cy="2971800"/>
+          </a:xfrm>
+          <a:prstGeom prst="rect">
+            <a:avLst/>
+          </a:prstGeom>
+          <a:noFill/>
+          <a:extLst>
+            <a:ext uri="{909E8E84-426E-40DD-AFC4-6F175D3DCCD1}">
+              <a14:hiddenFill xmlns:a14="http://schemas.microsoft.com/office/drawing/2010/main">
+                <a:solidFill>
+                  <a:srgbClr val="FFFFFF"/>
+                </a:solidFill>
+              </a14:hiddenFill>
+            </a:ext>
+          </a:extLst>
+        </p:spPr>
+      </p:pic>
+      <p:sp>
+        <p:nvSpPr>
+          <p:cNvPr id="7" name="TextBox 6">
+            <a:extLst>
+              <a:ext uri="{FF2B5EF4-FFF2-40B4-BE49-F238E27FC236}">
+                <a16:creationId xmlns:a16="http://schemas.microsoft.com/office/drawing/2014/main" id="{96961376-B38B-4C65-B522-31FF8ADB59F6}"/>
+              </a:ext>
+            </a:extLst>
+          </p:cNvPr>
+          <p:cNvSpPr txBox="1"/>
+          <p:nvPr/>
+        </p:nvSpPr>
+        <p:spPr>
+          <a:xfrm>
+            <a:off x="5486400" y="6143406"/>
+            <a:ext cx="2971800" cy="646331"/>
+          </a:xfrm>
+          <a:prstGeom prst="rect">
+            <a:avLst/>
+          </a:prstGeom>
+          <a:noFill/>
+        </p:spPr>
+        <p:txBody>
+          <a:bodyPr wrap="square" rtlCol="0">
+            <a:spAutoFit/>
+          </a:bodyPr>
+          <a:lstStyle/>
+          <a:p>
+            <a:r>
+              <a:rPr lang="en-US" dirty="0"/>
+              <a:t>Image licensed under a CC-BY-SA 2.0 license by AJC1 </a:t>
+            </a:r>
+          </a:p>
+        </p:txBody>
+      </p:sp>
+      <p:sp>
+        <p:nvSpPr>
+          <p:cNvPr id="8" name="TextBox 7">
+            <a:extLst>
+              <a:ext uri="{FF2B5EF4-FFF2-40B4-BE49-F238E27FC236}">
+                <a16:creationId xmlns:a16="http://schemas.microsoft.com/office/drawing/2014/main" id="{264B5C40-3C00-460F-BA36-497423575EED}"/>
+              </a:ext>
+            </a:extLst>
+          </p:cNvPr>
+          <p:cNvSpPr txBox="1"/>
+          <p:nvPr/>
+        </p:nvSpPr>
+        <p:spPr>
+          <a:xfrm>
+            <a:off x="1828800" y="5867400"/>
+            <a:ext cx="2438400" cy="923330"/>
+          </a:xfrm>
+          <a:prstGeom prst="rect">
+            <a:avLst/>
+          </a:prstGeom>
+          <a:noFill/>
+        </p:spPr>
+        <p:txBody>
+          <a:bodyPr wrap="square" rtlCol="0">
+            <a:spAutoFit/>
+          </a:bodyPr>
+          <a:lstStyle/>
+          <a:p>
+            <a:r>
+              <a:rPr lang="en-US" dirty="0"/>
+              <a:t>Image licensed under a CC-BY 2.0 license by </a:t>
+            </a:r>
+          </a:p>
+          <a:p>
+            <a:r>
+              <a:rPr lang="en-US" dirty="0" err="1"/>
+              <a:t>Moebiusuibeom-en</a:t>
+            </a:r>
+            <a:r>
+              <a:rPr lang="en-US" dirty="0"/>
+              <a:t>  </a:t>
+            </a:r>
+          </a:p>
+        </p:txBody>
+      </p:sp>
+      <p:sp>
+        <p:nvSpPr>
+          <p:cNvPr id="6" name="Arc 5">
+            <a:extLst>
+              <a:ext uri="{FF2B5EF4-FFF2-40B4-BE49-F238E27FC236}">
+                <a16:creationId xmlns:a16="http://schemas.microsoft.com/office/drawing/2014/main" id="{5B6ED28B-7364-4B1D-9364-FE911570A6F9}"/>
+              </a:ext>
+            </a:extLst>
+          </p:cNvPr>
+          <p:cNvSpPr/>
+          <p:nvPr/>
+        </p:nvSpPr>
+        <p:spPr>
+          <a:xfrm>
+            <a:off x="1409700" y="3914775"/>
+            <a:ext cx="914400" cy="914400"/>
+          </a:xfrm>
+          <a:prstGeom prst="arc">
+            <a:avLst>
+              <a:gd name="adj1" fmla="val 2067084"/>
+              <a:gd name="adj2" fmla="val 19032156"/>
+            </a:avLst>
+          </a:prstGeom>
+          <a:ln>
+            <a:solidFill>
+              <a:srgbClr val="FF0000"/>
+            </a:solidFill>
+            <a:headEnd type="none" w="med" len="med"/>
+            <a:tailEnd type="arrow" w="med" len="med"/>
+          </a:ln>
+        </p:spPr>
+        <p:style>
+          <a:lnRef idx="3">
+            <a:schemeClr val="accent1"/>
+          </a:lnRef>
+          <a:fillRef idx="0">
+            <a:schemeClr val="accent1"/>
+          </a:fillRef>
+          <a:effectRef idx="2">
+            <a:schemeClr val="accent1"/>
+          </a:effectRef>
+          <a:fontRef idx="minor">
+            <a:schemeClr val="tx1"/>
+          </a:fontRef>
+        </p:style>
+        <p:txBody>
+          <a:bodyPr rtlCol="0" anchor="ctr"/>
+          <a:lstStyle/>
+          <a:p>
+            <a:pPr algn="ctr"/>
+            <a:endParaRPr lang="en-US"/>
+          </a:p>
+        </p:txBody>
+      </p:sp>
+      <p:sp>
+        <p:nvSpPr>
+          <p:cNvPr id="10" name="Arc 9">
+            <a:extLst>
+              <a:ext uri="{FF2B5EF4-FFF2-40B4-BE49-F238E27FC236}">
+                <a16:creationId xmlns:a16="http://schemas.microsoft.com/office/drawing/2014/main" id="{DEB9E917-6960-40B7-A9C9-A13D9B9513D5}"/>
+              </a:ext>
+            </a:extLst>
+          </p:cNvPr>
+          <p:cNvSpPr/>
+          <p:nvPr/>
+        </p:nvSpPr>
+        <p:spPr>
+          <a:xfrm>
+            <a:off x="3352800" y="4248150"/>
+            <a:ext cx="914400" cy="914400"/>
+          </a:xfrm>
+          <a:prstGeom prst="arc">
+            <a:avLst>
+              <a:gd name="adj1" fmla="val 2067084"/>
+              <a:gd name="adj2" fmla="val 19032156"/>
+            </a:avLst>
+          </a:prstGeom>
+          <a:ln>
+            <a:solidFill>
+              <a:srgbClr val="FF0000"/>
+            </a:solidFill>
+            <a:headEnd type="none" w="med" len="med"/>
+            <a:tailEnd type="arrow" w="med" len="med"/>
+          </a:ln>
+        </p:spPr>
+        <p:style>
+          <a:lnRef idx="3">
+            <a:schemeClr val="accent1"/>
+          </a:lnRef>
+          <a:fillRef idx="0">
+            <a:schemeClr val="accent1"/>
+          </a:fillRef>
+          <a:effectRef idx="2">
+            <a:schemeClr val="accent1"/>
+          </a:effectRef>
+          <a:fontRef idx="minor">
+            <a:schemeClr val="tx1"/>
+          </a:fontRef>
+        </p:style>
+        <p:txBody>
+          <a:bodyPr rtlCol="0" anchor="ctr"/>
+          <a:lstStyle/>
+          <a:p>
+            <a:pPr algn="ctr"/>
+            <a:endParaRPr lang="en-US"/>
+          </a:p>
+        </p:txBody>
+      </p:sp>
+      <p:sp>
+        <p:nvSpPr>
+          <p:cNvPr id="11" name="Arc 10">
+            <a:extLst>
+              <a:ext uri="{FF2B5EF4-FFF2-40B4-BE49-F238E27FC236}">
+                <a16:creationId xmlns:a16="http://schemas.microsoft.com/office/drawing/2014/main" id="{87602787-3D8E-468E-8E06-E990847FE54F}"/>
+              </a:ext>
+            </a:extLst>
+          </p:cNvPr>
+          <p:cNvSpPr/>
+          <p:nvPr/>
+        </p:nvSpPr>
+        <p:spPr>
+          <a:xfrm>
+            <a:off x="5591175" y="3590925"/>
+            <a:ext cx="1143000" cy="1143000"/>
+          </a:xfrm>
+          <a:prstGeom prst="arc">
+            <a:avLst>
+              <a:gd name="adj1" fmla="val 17038570"/>
+              <a:gd name="adj2" fmla="val 9572006"/>
+            </a:avLst>
+          </a:prstGeom>
+          <a:ln>
+            <a:solidFill>
+              <a:srgbClr val="FF0000"/>
+            </a:solidFill>
+            <a:headEnd type="none" w="med" len="med"/>
+            <a:tailEnd type="arrow" w="med" len="med"/>
+          </a:ln>
+        </p:spPr>
+        <p:style>
+          <a:lnRef idx="3">
+            <a:schemeClr val="accent1"/>
+          </a:lnRef>
+          <a:fillRef idx="0">
+            <a:schemeClr val="accent1"/>
+          </a:fillRef>
+          <a:effectRef idx="2">
+            <a:schemeClr val="accent1"/>
+          </a:effectRef>
+          <a:fontRef idx="minor">
+            <a:schemeClr val="tx1"/>
+          </a:fontRef>
+        </p:style>
+        <p:txBody>
+          <a:bodyPr rtlCol="0" anchor="ctr"/>
+          <a:lstStyle/>
+          <a:p>
+            <a:pPr algn="ctr"/>
+            <a:endParaRPr lang="en-US"/>
+          </a:p>
+        </p:txBody>
+      </p:sp>
+      <p:sp>
+        <p:nvSpPr>
+          <p:cNvPr id="13" name="Arc 12">
+            <a:extLst>
+              <a:ext uri="{FF2B5EF4-FFF2-40B4-BE49-F238E27FC236}">
+                <a16:creationId xmlns:a16="http://schemas.microsoft.com/office/drawing/2014/main" id="{77115F67-089F-4316-9271-AF59D37C6B92}"/>
+              </a:ext>
+            </a:extLst>
+          </p:cNvPr>
+          <p:cNvSpPr/>
+          <p:nvPr/>
+        </p:nvSpPr>
+        <p:spPr>
+          <a:xfrm flipH="1">
+            <a:off x="6780571" y="4765168"/>
+            <a:ext cx="914400" cy="914400"/>
+          </a:xfrm>
+          <a:prstGeom prst="arc">
+            <a:avLst>
+              <a:gd name="adj1" fmla="val 6665699"/>
+              <a:gd name="adj2" fmla="val 21016191"/>
+            </a:avLst>
+          </a:prstGeom>
+          <a:ln>
+            <a:solidFill>
+              <a:srgbClr val="FF0000"/>
+            </a:solidFill>
+            <a:headEnd type="none" w="med" len="med"/>
+            <a:tailEnd type="arrow" w="med" len="med"/>
+          </a:ln>
+        </p:spPr>
+        <p:style>
+          <a:lnRef idx="3">
+            <a:schemeClr val="accent1"/>
+          </a:lnRef>
+          <a:fillRef idx="0">
+            <a:schemeClr val="accent1"/>
+          </a:fillRef>
+          <a:effectRef idx="2">
+            <a:schemeClr val="accent1"/>
+          </a:effectRef>
+          <a:fontRef idx="minor">
+            <a:schemeClr val="tx1"/>
+          </a:fontRef>
+        </p:style>
+        <p:txBody>
+          <a:bodyPr rtlCol="0" anchor="ctr"/>
+          <a:lstStyle/>
+          <a:p>
+            <a:pPr algn="ctr"/>
+            <a:endParaRPr lang="en-US"/>
+          </a:p>
+        </p:txBody>
+      </p:sp>
+      <mc:AlternateContent xmlns:mc="http://schemas.openxmlformats.org/markup-compatibility/2006" xmlns:a14="http://schemas.microsoft.com/office/drawing/2010/main">
+        <mc:Choice Requires="a14">
+          <p:sp>
+            <p:nvSpPr>
+              <p:cNvPr id="3" name="Content Placeholder 2">
+                <a:extLst>
+                  <a:ext uri="{FF2B5EF4-FFF2-40B4-BE49-F238E27FC236}">
+                    <a16:creationId xmlns:a16="http://schemas.microsoft.com/office/drawing/2014/main" id="{75117DF6-AD70-46FD-BC2F-165D02EB7D7C}"/>
+                  </a:ext>
+                </a:extLst>
+              </p:cNvPr>
+              <p:cNvSpPr>
+                <a:spLocks noGrp="1"/>
+              </p:cNvSpPr>
+              <p:nvPr>
+                <p:ph idx="1"/>
+              </p:nvPr>
+            </p:nvSpPr>
+            <p:spPr>
+              <a:xfrm>
+                <a:off x="457200" y="1373585"/>
+                <a:ext cx="8229600" cy="2054421"/>
+              </a:xfrm>
+            </p:spPr>
+            <p:txBody>
+              <a:bodyPr>
+                <a:normAutofit fontScale="70000" lnSpcReduction="20000"/>
+              </a:bodyPr>
+              <a:lstStyle/>
+              <a:p>
+                <a:r>
+                  <a:rPr lang="en-US" dirty="0"/>
+                  <a:t>Gears meshing with one another follow the same relationships, except the direct meshing of the gears without the belt or chain leads to a reversal in the direction of rotation </a:t>
+                </a:r>
+              </a:p>
+              <a:p>
+                <a:pPr marL="0" indent="0" algn="ctr">
+                  <a:buNone/>
+                </a:pPr>
+                <a14:m>
+                  <m:oMath xmlns:m="http://schemas.openxmlformats.org/officeDocument/2006/math">
+                    <m:sSub>
+                      <m:sSubPr>
+                        <m:ctrlPr>
+                          <a:rPr lang="en-US" i="1">
+                            <a:latin typeface="Cambria Math" panose="02040503050406030204" pitchFamily="18" charset="0"/>
+                          </a:rPr>
+                        </m:ctrlPr>
+                      </m:sSubPr>
+                      <m:e>
+                        <m:r>
+                          <m:rPr>
+                            <m:sty m:val="p"/>
+                          </m:rPr>
+                          <a:rPr lang="en-US">
+                            <a:latin typeface="Cambria Math"/>
+                          </a:rPr>
+                          <m:t>r</m:t>
+                        </m:r>
+                      </m:e>
+                      <m:sub>
+                        <m:r>
+                          <a:rPr lang="en-US" i="1">
+                            <a:latin typeface="Cambria Math"/>
+                          </a:rPr>
+                          <m:t>1</m:t>
+                        </m:r>
+                      </m:sub>
+                    </m:sSub>
+                    <m:sSub>
+                      <m:sSubPr>
+                        <m:ctrlPr>
+                          <a:rPr lang="en-US" i="1">
+                            <a:latin typeface="Cambria Math" panose="02040503050406030204" pitchFamily="18" charset="0"/>
+                          </a:rPr>
+                        </m:ctrlPr>
+                      </m:sSubPr>
+                      <m:e>
+                        <m:r>
+                          <m:rPr>
+                            <m:sty m:val="p"/>
+                          </m:rPr>
+                          <a:rPr lang="el-GR" i="1">
+                            <a:latin typeface="Cambria Math" panose="02040503050406030204" pitchFamily="18" charset="0"/>
+                            <a:ea typeface="Cambria Math" panose="02040503050406030204" pitchFamily="18" charset="0"/>
+                          </a:rPr>
+                          <m:t>ω</m:t>
+                        </m:r>
+                      </m:e>
+                      <m:sub>
+                        <m:r>
+                          <a:rPr lang="en-US" i="1">
+                            <a:latin typeface="Cambria Math"/>
+                          </a:rPr>
+                          <m:t>1</m:t>
+                        </m:r>
+                      </m:sub>
+                    </m:sSub>
+                    <m:r>
+                      <a:rPr lang="en-US" i="1">
+                        <a:latin typeface="Cambria Math"/>
+                      </a:rPr>
+                      <m:t>=</m:t>
+                    </m:r>
+                    <m:r>
+                      <a:rPr lang="en-US" b="0" i="1" smtClean="0">
+                        <a:latin typeface="Cambria Math" panose="02040503050406030204" pitchFamily="18" charset="0"/>
+                      </a:rPr>
+                      <m:t>−</m:t>
+                    </m:r>
+                    <m:sSub>
+                      <m:sSubPr>
+                        <m:ctrlPr>
+                          <a:rPr lang="en-US" i="1">
+                            <a:latin typeface="Cambria Math" panose="02040503050406030204" pitchFamily="18" charset="0"/>
+                          </a:rPr>
+                        </m:ctrlPr>
+                      </m:sSubPr>
+                      <m:e>
+                        <m:r>
+                          <m:rPr>
+                            <m:sty m:val="p"/>
+                          </m:rPr>
+                          <a:rPr lang="en-US">
+                            <a:latin typeface="Cambria Math"/>
+                          </a:rPr>
+                          <m:t>r</m:t>
+                        </m:r>
+                      </m:e>
+                      <m:sub>
+                        <m:r>
+                          <a:rPr lang="en-US" i="1">
+                            <a:latin typeface="Cambria Math"/>
+                          </a:rPr>
+                          <m:t>2</m:t>
+                        </m:r>
+                      </m:sub>
+                    </m:sSub>
+                    <m:sSub>
+                      <m:sSubPr>
+                        <m:ctrlPr>
+                          <a:rPr lang="en-US" i="1">
+                            <a:latin typeface="Cambria Math" panose="02040503050406030204" pitchFamily="18" charset="0"/>
+                          </a:rPr>
+                        </m:ctrlPr>
+                      </m:sSubPr>
+                      <m:e>
+                        <m:r>
+                          <m:rPr>
+                            <m:sty m:val="p"/>
+                          </m:rPr>
+                          <a:rPr lang="el-GR" i="1">
+                            <a:latin typeface="Cambria Math" panose="02040503050406030204" pitchFamily="18" charset="0"/>
+                            <a:ea typeface="Cambria Math" panose="02040503050406030204" pitchFamily="18" charset="0"/>
+                          </a:rPr>
+                          <m:t>ω</m:t>
+                        </m:r>
+                      </m:e>
+                      <m:sub>
+                        <m:r>
+                          <a:rPr lang="en-US" i="1">
+                            <a:latin typeface="Cambria Math"/>
+                            <a:ea typeface="Cambria Math"/>
+                          </a:rPr>
+                          <m:t>2</m:t>
+                        </m:r>
+                      </m:sub>
+                    </m:sSub>
+                  </m:oMath>
+                </a14:m>
+                <a:r>
+                  <a:rPr lang="en-US" dirty="0"/>
+                  <a:t>          </a:t>
+                </a:r>
+              </a:p>
+              <a:p>
+                <a:pPr marL="0" indent="0" algn="ctr">
+                  <a:buNone/>
+                </a:pPr>
+                <a14:m>
+                  <m:oMathPara xmlns:m="http://schemas.openxmlformats.org/officeDocument/2006/math">
+                    <m:oMathParaPr>
+                      <m:jc m:val="centerGroup"/>
+                    </m:oMathParaPr>
+                    <m:oMath xmlns:m="http://schemas.openxmlformats.org/officeDocument/2006/math">
+                      <m:sSub>
+                        <m:sSubPr>
+                          <m:ctrlPr>
+                            <a:rPr lang="en-US" i="1">
+                              <a:latin typeface="Cambria Math" panose="02040503050406030204" pitchFamily="18" charset="0"/>
+                            </a:rPr>
+                          </m:ctrlPr>
+                        </m:sSubPr>
+                        <m:e>
+                          <m:r>
+                            <m:rPr>
+                              <m:sty m:val="p"/>
+                            </m:rPr>
+                            <a:rPr lang="en-US">
+                              <a:latin typeface="Cambria Math"/>
+                            </a:rPr>
+                            <m:t>r</m:t>
+                          </m:r>
+                        </m:e>
+                        <m:sub>
+                          <m:r>
+                            <a:rPr lang="en-US" i="1">
+                              <a:latin typeface="Cambria Math"/>
+                            </a:rPr>
+                            <m:t>1</m:t>
+                          </m:r>
+                        </m:sub>
+                      </m:sSub>
+                      <m:sSub>
+                        <m:sSubPr>
+                          <m:ctrlPr>
+                            <a:rPr lang="en-US" i="1">
+                              <a:latin typeface="Cambria Math" panose="02040503050406030204" pitchFamily="18" charset="0"/>
+                            </a:rPr>
+                          </m:ctrlPr>
+                        </m:sSubPr>
+                        <m:e>
+                          <m:r>
+                            <a:rPr lang="el-GR" i="1">
+                              <a:latin typeface="Cambria Math" panose="02040503050406030204" pitchFamily="18" charset="0"/>
+                              <a:ea typeface="Cambria Math" panose="02040503050406030204" pitchFamily="18" charset="0"/>
+                            </a:rPr>
+                            <m:t>𝛼</m:t>
+                          </m:r>
+                        </m:e>
+                        <m:sub>
+                          <m:r>
+                            <a:rPr lang="en-US" i="1">
+                              <a:latin typeface="Cambria Math"/>
+                            </a:rPr>
+                            <m:t>1</m:t>
+                          </m:r>
+                        </m:sub>
+                      </m:sSub>
+                      <m:r>
+                        <a:rPr lang="en-US" i="1">
+                          <a:latin typeface="Cambria Math"/>
+                        </a:rPr>
+                        <m:t>=</m:t>
+                      </m:r>
+                      <m:r>
+                        <a:rPr lang="en-US" b="0" i="1" smtClean="0">
+                          <a:latin typeface="Cambria Math" panose="02040503050406030204" pitchFamily="18" charset="0"/>
+                        </a:rPr>
+                        <m:t>−</m:t>
+                      </m:r>
+                      <m:sSub>
+                        <m:sSubPr>
+                          <m:ctrlPr>
+                            <a:rPr lang="en-US" i="1">
+                              <a:latin typeface="Cambria Math" panose="02040503050406030204" pitchFamily="18" charset="0"/>
+                            </a:rPr>
+                          </m:ctrlPr>
+                        </m:sSubPr>
+                        <m:e>
+                          <m:r>
+                            <m:rPr>
+                              <m:sty m:val="p"/>
+                            </m:rPr>
+                            <a:rPr lang="en-US">
+                              <a:latin typeface="Cambria Math"/>
+                            </a:rPr>
+                            <m:t>r</m:t>
+                          </m:r>
+                        </m:e>
+                        <m:sub>
+                          <m:r>
+                            <a:rPr lang="en-US" i="1">
+                              <a:latin typeface="Cambria Math"/>
+                            </a:rPr>
+                            <m:t>2</m:t>
+                          </m:r>
+                        </m:sub>
+                      </m:sSub>
+                      <m:sSub>
+                        <m:sSubPr>
+                          <m:ctrlPr>
+                            <a:rPr lang="en-US" i="1">
+                              <a:latin typeface="Cambria Math" panose="02040503050406030204" pitchFamily="18" charset="0"/>
+                            </a:rPr>
+                          </m:ctrlPr>
+                        </m:sSubPr>
+                        <m:e>
+                          <m:r>
+                            <a:rPr lang="el-GR" i="1">
+                              <a:latin typeface="Cambria Math" panose="02040503050406030204" pitchFamily="18" charset="0"/>
+                              <a:ea typeface="Cambria Math" panose="02040503050406030204" pitchFamily="18" charset="0"/>
+                            </a:rPr>
+                            <m:t>𝛼</m:t>
+                          </m:r>
+                        </m:e>
+                        <m:sub>
+                          <m:r>
+                            <a:rPr lang="en-US" i="1">
+                              <a:latin typeface="Cambria Math"/>
+                              <a:ea typeface="Cambria Math"/>
+                            </a:rPr>
+                            <m:t>2</m:t>
+                          </m:r>
+                        </m:sub>
+                      </m:sSub>
+                    </m:oMath>
+                  </m:oMathPara>
+                </a14:m>
+                <a:endParaRPr lang="en-US" dirty="0"/>
+              </a:p>
+              <a:p>
+                <a:pPr marL="0" indent="0">
+                  <a:buNone/>
+                </a:pPr>
+                <a:endParaRPr lang="en-US" dirty="0"/>
+              </a:p>
+            </p:txBody>
+          </p:sp>
+        </mc:Choice>
+        <mc:Fallback xmlns="">
+          <p:sp>
+            <p:nvSpPr>
+              <p:cNvPr id="3" name="Content Placeholder 2">
+                <a:extLst>
+                  <a:ext uri="{FF2B5EF4-FFF2-40B4-BE49-F238E27FC236}">
+                    <a16:creationId xmlns:a16="http://schemas.microsoft.com/office/drawing/2014/main" id="{75117DF6-AD70-46FD-BC2F-165D02EB7D7C}"/>
+                  </a:ext>
+                </a:extLst>
+              </p:cNvPr>
+              <p:cNvSpPr>
+                <a:spLocks noGrp="1" noRot="1" noChangeAspect="1" noMove="1" noResize="1" noEditPoints="1" noAdjustHandles="1" noChangeArrowheads="1" noChangeShapeType="1" noTextEdit="1"/>
+              </p:cNvSpPr>
+              <p:nvPr>
+                <p:ph idx="1"/>
+              </p:nvPr>
+            </p:nvSpPr>
+            <p:spPr>
+              <a:xfrm>
+                <a:off x="457200" y="1373585"/>
+                <a:ext cx="8229600" cy="2054421"/>
+              </a:xfrm>
+              <a:blipFill>
+                <a:blip r:embed="rId4"/>
+                <a:stretch>
+                  <a:fillRect l="-815" t="-4748"/>
+                </a:stretch>
+              </a:blipFill>
+            </p:spPr>
+            <p:txBody>
+              <a:bodyPr/>
+              <a:lstStyle/>
+              <a:p>
+                <a:r>
+                  <a:rPr lang="en-US">
+                    <a:noFill/>
+                  </a:rPr>
+                  <a:t> </a:t>
+                </a:r>
+              </a:p>
+            </p:txBody>
+          </p:sp>
+        </mc:Fallback>
+      </mc:AlternateContent>
+    </p:spTree>
+    <p:extLst>
+      <p:ext uri="{BB962C8B-B14F-4D97-AF65-F5344CB8AC3E}">
+        <p14:creationId xmlns:p14="http://schemas.microsoft.com/office/powerpoint/2010/main" val="4132994357"/>
+      </p:ext>
+    </p:extLst>
+  </p:cSld>
+  <p:clrMapOvr>
+    <a:masterClrMapping/>
+  </p:clrMapOvr>
+  <p:timing>
+    <p:tnLst>
+      <p:par>
+        <p:cTn id="1" dur="indefinite" restart="never" nodeType="tmRoot">
+          <p:childTnLst>
+            <p:seq concurrent="1" nextAc="seek">
+              <p:cTn id="2" dur="indefinite" nodeType="mainSeq">
+                <p:childTnLst>
+                  <p:par>
+                    <p:cTn id="3" fill="hold">
+                      <p:stCondLst>
+                        <p:cond delay="indefinite"/>
+                      </p:stCondLst>
+                      <p:childTnLst>
+                        <p:par>
+                          <p:cTn id="4" fill="hold">
+                            <p:stCondLst>
+                              <p:cond delay="0"/>
+                            </p:stCondLst>
+                            <p:childTnLst>
+                              <p:par>
+                                <p:cTn id="5" presetID="1" presetClass="entr" presetSubtype="0" fill="hold" grpId="0" nodeType="clickEffect">
+                                  <p:stCondLst>
+                                    <p:cond delay="0"/>
+                                  </p:stCondLst>
+                                  <p:childTnLst>
+                                    <p:set>
+                                      <p:cBhvr>
+                                        <p:cTn id="6" dur="1" fill="hold">
+                                          <p:stCondLst>
+                                            <p:cond delay="0"/>
+                                          </p:stCondLst>
+                                        </p:cTn>
+                                        <p:tgtEl>
+                                          <p:spTgt spid="3">
+                                            <p:txEl>
+                                              <p:pRg st="0" end="0"/>
+                                            </p:txEl>
+                                          </p:spTgt>
+                                        </p:tgtEl>
+                                        <p:attrNameLst>
+                                          <p:attrName>style.visibility</p:attrName>
+                                        </p:attrNameLst>
+                                      </p:cBhvr>
+                                      <p:to>
+                                        <p:strVal val="visible"/>
+                                      </p:to>
+                                    </p:set>
+                                  </p:childTnLst>
+                                </p:cTn>
+                              </p:par>
+                            </p:childTnLst>
+                          </p:cTn>
+                        </p:par>
+                      </p:childTnLst>
+                    </p:cTn>
+                  </p:par>
+                  <p:par>
+                    <p:cTn id="7" fill="hold">
+                      <p:stCondLst>
+                        <p:cond delay="indefinite"/>
+                      </p:stCondLst>
+                      <p:childTnLst>
+                        <p:par>
+                          <p:cTn id="8" fill="hold">
+                            <p:stCondLst>
+                              <p:cond delay="0"/>
+                            </p:stCondLst>
+                            <p:childTnLst>
+                              <p:par>
+                                <p:cTn id="9" presetID="10" presetClass="entr" presetSubtype="0" fill="hold" nodeType="clickEffect">
+                                  <p:stCondLst>
+                                    <p:cond delay="0"/>
+                                  </p:stCondLst>
+                                  <p:childTnLst>
+                                    <p:set>
+                                      <p:cBhvr>
+                                        <p:cTn id="10" dur="1" fill="hold">
+                                          <p:stCondLst>
+                                            <p:cond delay="0"/>
+                                          </p:stCondLst>
+                                        </p:cTn>
+                                        <p:tgtEl>
+                                          <p:spTgt spid="4"/>
+                                        </p:tgtEl>
+                                        <p:attrNameLst>
+                                          <p:attrName>style.visibility</p:attrName>
+                                        </p:attrNameLst>
+                                      </p:cBhvr>
+                                      <p:to>
+                                        <p:strVal val="visible"/>
+                                      </p:to>
+                                    </p:set>
+                                    <p:animEffect transition="in" filter="fade">
+                                      <p:cBhvr>
+                                        <p:cTn id="11" dur="500"/>
+                                        <p:tgtEl>
+                                          <p:spTgt spid="4"/>
+                                        </p:tgtEl>
+                                      </p:cBhvr>
+                                    </p:animEffect>
+                                  </p:childTnLst>
+                                </p:cTn>
+                              </p:par>
+                              <p:par>
+                                <p:cTn id="12" presetID="10" presetClass="entr" presetSubtype="0" fill="hold" grpId="0" nodeType="withEffect">
+                                  <p:stCondLst>
+                                    <p:cond delay="0"/>
+                                  </p:stCondLst>
+                                  <p:childTnLst>
+                                    <p:set>
+                                      <p:cBhvr>
+                                        <p:cTn id="13" dur="1" fill="hold">
+                                          <p:stCondLst>
+                                            <p:cond delay="0"/>
+                                          </p:stCondLst>
+                                        </p:cTn>
+                                        <p:tgtEl>
+                                          <p:spTgt spid="8"/>
+                                        </p:tgtEl>
+                                        <p:attrNameLst>
+                                          <p:attrName>style.visibility</p:attrName>
+                                        </p:attrNameLst>
+                                      </p:cBhvr>
+                                      <p:to>
+                                        <p:strVal val="visible"/>
+                                      </p:to>
+                                    </p:set>
+                                    <p:animEffect transition="in" filter="fade">
+                                      <p:cBhvr>
+                                        <p:cTn id="14" dur="500"/>
+                                        <p:tgtEl>
+                                          <p:spTgt spid="8"/>
+                                        </p:tgtEl>
+                                      </p:cBhvr>
+                                    </p:animEffect>
+                                  </p:childTnLst>
+                                </p:cTn>
+                              </p:par>
+                              <p:par>
+                                <p:cTn id="15" presetID="10" presetClass="entr" presetSubtype="0" fill="hold" grpId="0" nodeType="withEffect">
+                                  <p:stCondLst>
+                                    <p:cond delay="0"/>
+                                  </p:stCondLst>
+                                  <p:childTnLst>
+                                    <p:set>
+                                      <p:cBhvr>
+                                        <p:cTn id="16" dur="1" fill="hold">
+                                          <p:stCondLst>
+                                            <p:cond delay="0"/>
+                                          </p:stCondLst>
+                                        </p:cTn>
+                                        <p:tgtEl>
+                                          <p:spTgt spid="6"/>
+                                        </p:tgtEl>
+                                        <p:attrNameLst>
+                                          <p:attrName>style.visibility</p:attrName>
+                                        </p:attrNameLst>
+                                      </p:cBhvr>
+                                      <p:to>
+                                        <p:strVal val="visible"/>
+                                      </p:to>
+                                    </p:set>
+                                    <p:animEffect transition="in" filter="fade">
+                                      <p:cBhvr>
+                                        <p:cTn id="17" dur="500"/>
+                                        <p:tgtEl>
+                                          <p:spTgt spid="6"/>
+                                        </p:tgtEl>
+                                      </p:cBhvr>
+                                    </p:animEffect>
+                                  </p:childTnLst>
+                                </p:cTn>
+                              </p:par>
+                              <p:par>
+                                <p:cTn id="18" presetID="10" presetClass="entr" presetSubtype="0" fill="hold" grpId="0" nodeType="withEffect">
+                                  <p:stCondLst>
+                                    <p:cond delay="0"/>
+                                  </p:stCondLst>
+                                  <p:childTnLst>
+                                    <p:set>
+                                      <p:cBhvr>
+                                        <p:cTn id="19" dur="1" fill="hold">
+                                          <p:stCondLst>
+                                            <p:cond delay="0"/>
+                                          </p:stCondLst>
+                                        </p:cTn>
+                                        <p:tgtEl>
+                                          <p:spTgt spid="10"/>
+                                        </p:tgtEl>
+                                        <p:attrNameLst>
+                                          <p:attrName>style.visibility</p:attrName>
+                                        </p:attrNameLst>
+                                      </p:cBhvr>
+                                      <p:to>
+                                        <p:strVal val="visible"/>
+                                      </p:to>
+                                    </p:set>
+                                    <p:animEffect transition="in" filter="fade">
+                                      <p:cBhvr>
+                                        <p:cTn id="20" dur="500"/>
+                                        <p:tgtEl>
+                                          <p:spTgt spid="10"/>
+                                        </p:tgtEl>
+                                      </p:cBhvr>
+                                    </p:animEffect>
+                                  </p:childTnLst>
+                                </p:cTn>
+                              </p:par>
+                            </p:childTnLst>
+                          </p:cTn>
+                        </p:par>
+                      </p:childTnLst>
+                    </p:cTn>
+                  </p:par>
+                  <p:par>
+                    <p:cTn id="21" fill="hold">
+                      <p:stCondLst>
+                        <p:cond delay="indefinite"/>
+                      </p:stCondLst>
+                      <p:childTnLst>
+                        <p:par>
+                          <p:cTn id="22" fill="hold">
+                            <p:stCondLst>
+                              <p:cond delay="0"/>
+                            </p:stCondLst>
+                            <p:childTnLst>
+                              <p:par>
+                                <p:cTn id="23" presetID="10" presetClass="entr" presetSubtype="0" fill="hold" nodeType="clickEffect">
+                                  <p:stCondLst>
+                                    <p:cond delay="0"/>
+                                  </p:stCondLst>
+                                  <p:childTnLst>
+                                    <p:set>
+                                      <p:cBhvr>
+                                        <p:cTn id="24" dur="1" fill="hold">
+                                          <p:stCondLst>
+                                            <p:cond delay="0"/>
+                                          </p:stCondLst>
+                                        </p:cTn>
+                                        <p:tgtEl>
+                                          <p:spTgt spid="3074"/>
+                                        </p:tgtEl>
+                                        <p:attrNameLst>
+                                          <p:attrName>style.visibility</p:attrName>
+                                        </p:attrNameLst>
+                                      </p:cBhvr>
+                                      <p:to>
+                                        <p:strVal val="visible"/>
+                                      </p:to>
+                                    </p:set>
+                                    <p:animEffect transition="in" filter="fade">
+                                      <p:cBhvr>
+                                        <p:cTn id="25" dur="500"/>
+                                        <p:tgtEl>
+                                          <p:spTgt spid="3074"/>
+                                        </p:tgtEl>
+                                      </p:cBhvr>
+                                    </p:animEffect>
+                                  </p:childTnLst>
+                                </p:cTn>
+                              </p:par>
+                              <p:par>
+                                <p:cTn id="26" presetID="10" presetClass="entr" presetSubtype="0" fill="hold" grpId="0" nodeType="withEffect">
+                                  <p:stCondLst>
+                                    <p:cond delay="0"/>
+                                  </p:stCondLst>
+                                  <p:childTnLst>
+                                    <p:set>
+                                      <p:cBhvr>
+                                        <p:cTn id="27" dur="1" fill="hold">
+                                          <p:stCondLst>
+                                            <p:cond delay="0"/>
+                                          </p:stCondLst>
+                                        </p:cTn>
+                                        <p:tgtEl>
+                                          <p:spTgt spid="7"/>
+                                        </p:tgtEl>
+                                        <p:attrNameLst>
+                                          <p:attrName>style.visibility</p:attrName>
+                                        </p:attrNameLst>
+                                      </p:cBhvr>
+                                      <p:to>
+                                        <p:strVal val="visible"/>
+                                      </p:to>
+                                    </p:set>
+                                    <p:animEffect transition="in" filter="fade">
+                                      <p:cBhvr>
+                                        <p:cTn id="28" dur="500"/>
+                                        <p:tgtEl>
+                                          <p:spTgt spid="7"/>
+                                        </p:tgtEl>
+                                      </p:cBhvr>
+                                    </p:animEffect>
+                                  </p:childTnLst>
+                                </p:cTn>
+                              </p:par>
+                              <p:par>
+                                <p:cTn id="29" presetID="10" presetClass="entr" presetSubtype="0" fill="hold" grpId="0" nodeType="withEffect">
+                                  <p:stCondLst>
+                                    <p:cond delay="0"/>
+                                  </p:stCondLst>
+                                  <p:childTnLst>
+                                    <p:set>
+                                      <p:cBhvr>
+                                        <p:cTn id="30" dur="1" fill="hold">
+                                          <p:stCondLst>
+                                            <p:cond delay="0"/>
+                                          </p:stCondLst>
+                                        </p:cTn>
+                                        <p:tgtEl>
+                                          <p:spTgt spid="11"/>
+                                        </p:tgtEl>
+                                        <p:attrNameLst>
+                                          <p:attrName>style.visibility</p:attrName>
+                                        </p:attrNameLst>
+                                      </p:cBhvr>
+                                      <p:to>
+                                        <p:strVal val="visible"/>
+                                      </p:to>
+                                    </p:set>
+                                    <p:animEffect transition="in" filter="fade">
+                                      <p:cBhvr>
+                                        <p:cTn id="31" dur="500"/>
+                                        <p:tgtEl>
+                                          <p:spTgt spid="11"/>
+                                        </p:tgtEl>
+                                      </p:cBhvr>
+                                    </p:animEffect>
+                                  </p:childTnLst>
+                                </p:cTn>
+                              </p:par>
+                              <p:par>
+                                <p:cTn id="32" presetID="10" presetClass="entr" presetSubtype="0" fill="hold" grpId="0" nodeType="withEffect">
+                                  <p:stCondLst>
+                                    <p:cond delay="0"/>
+                                  </p:stCondLst>
+                                  <p:childTnLst>
+                                    <p:set>
+                                      <p:cBhvr>
+                                        <p:cTn id="33" dur="1" fill="hold">
+                                          <p:stCondLst>
+                                            <p:cond delay="0"/>
+                                          </p:stCondLst>
+                                        </p:cTn>
+                                        <p:tgtEl>
+                                          <p:spTgt spid="13"/>
+                                        </p:tgtEl>
+                                        <p:attrNameLst>
+                                          <p:attrName>style.visibility</p:attrName>
+                                        </p:attrNameLst>
+                                      </p:cBhvr>
+                                      <p:to>
+                                        <p:strVal val="visible"/>
+                                      </p:to>
+                                    </p:set>
+                                    <p:animEffect transition="in" filter="fade">
+                                      <p:cBhvr>
+                                        <p:cTn id="34" dur="500"/>
+                                        <p:tgtEl>
+                                          <p:spTgt spid="13"/>
+                                        </p:tgtEl>
+                                      </p:cBhvr>
+                                    </p:animEffect>
+                                  </p:childTnLst>
+                                </p:cTn>
+                              </p:par>
+                            </p:childTnLst>
+                          </p:cTn>
+                        </p:par>
+                      </p:childTnLst>
+                    </p:cTn>
+                  </p:par>
+                  <p:par>
+                    <p:cTn id="35" fill="hold">
+                      <p:stCondLst>
+                        <p:cond delay="indefinite"/>
+                      </p:stCondLst>
+                      <p:childTnLst>
+                        <p:par>
+                          <p:cTn id="36" fill="hold">
+                            <p:stCondLst>
+                              <p:cond delay="0"/>
+                            </p:stCondLst>
+                            <p:childTnLst>
+                              <p:par>
+                                <p:cTn id="37" presetID="1" presetClass="entr" presetSubtype="0" fill="hold" grpId="0" nodeType="clickEffect">
+                                  <p:stCondLst>
+                                    <p:cond delay="0"/>
+                                  </p:stCondLst>
+                                  <p:childTnLst>
+                                    <p:set>
+                                      <p:cBhvr>
+                                        <p:cTn id="38" dur="1" fill="hold">
+                                          <p:stCondLst>
+                                            <p:cond delay="0"/>
+                                          </p:stCondLst>
+                                        </p:cTn>
+                                        <p:tgtEl>
+                                          <p:spTgt spid="3">
+                                            <p:txEl>
+                                              <p:pRg st="1" end="1"/>
+                                            </p:txEl>
+                                          </p:spTgt>
+                                        </p:tgtEl>
+                                        <p:attrNameLst>
+                                          <p:attrName>style.visibility</p:attrName>
+                                        </p:attrNameLst>
+                                      </p:cBhvr>
+                                      <p:to>
+                                        <p:strVal val="visible"/>
+                                      </p:to>
+                                    </p:set>
+                                  </p:childTnLst>
+                                </p:cTn>
+                              </p:par>
+                            </p:childTnLst>
+                          </p:cTn>
+                        </p:par>
+                      </p:childTnLst>
+                    </p:cTn>
+                  </p:par>
+                  <p:par>
+                    <p:cTn id="39" fill="hold">
+                      <p:stCondLst>
+                        <p:cond delay="indefinite"/>
+                      </p:stCondLst>
+                      <p:childTnLst>
+                        <p:par>
+                          <p:cTn id="40" fill="hold">
+                            <p:stCondLst>
+                              <p:cond delay="0"/>
+                            </p:stCondLst>
+                            <p:childTnLst>
+                              <p:par>
+                                <p:cTn id="41" presetID="1" presetClass="entr" presetSubtype="0" fill="hold" grpId="0" nodeType="clickEffect">
+                                  <p:stCondLst>
+                                    <p:cond delay="0"/>
+                                  </p:stCondLst>
+                                  <p:childTnLst>
+                                    <p:set>
+                                      <p:cBhvr>
+                                        <p:cTn id="42" dur="1" fill="hold">
+                                          <p:stCondLst>
+                                            <p:cond delay="0"/>
+                                          </p:stCondLst>
+                                        </p:cTn>
+                                        <p:tgtEl>
+                                          <p:spTgt spid="3">
+                                            <p:txEl>
+                                              <p:pRg st="2" end="2"/>
+                                            </p:txEl>
+                                          </p:spTgt>
+                                        </p:tgtEl>
+                                        <p:attrNameLst>
+                                          <p:attrName>style.visibility</p:attrName>
+                                        </p:attrNameLst>
+                                      </p:cBhvr>
+                                      <p:to>
+                                        <p:strVal val="visible"/>
+                                      </p:to>
+                                    </p:set>
+                                  </p:childTnLst>
+                                </p:cTn>
+                              </p:par>
+                            </p:childTnLst>
+                          </p:cTn>
+                        </p:par>
+                      </p:childTnLst>
+                    </p:cTn>
+                  </p:par>
+                </p:childTnLst>
+              </p:cTn>
+              <p:prevCondLst>
+                <p:cond evt="onPrev" delay="0">
+                  <p:tgtEl>
+                    <p:sldTgt/>
+                  </p:tgtEl>
+                </p:cond>
+              </p:prevCondLst>
+              <p:nextCondLst>
+                <p:cond evt="onNext" delay="0">
+                  <p:tgtEl>
+                    <p:sldTgt/>
+                  </p:tgtEl>
+                </p:cond>
+              </p:nextCondLst>
+            </p:seq>
+          </p:childTnLst>
+        </p:cTn>
+      </p:par>
+    </p:tnLst>
+    <p:bldLst>
+      <p:bldP spid="7" grpId="0"/>
+      <p:bldP spid="8" grpId="0"/>
+      <p:bldP spid="6" grpId="0" animBg="1"/>
+      <p:bldP spid="10" grpId="0" animBg="1"/>
+      <p:bldP spid="11" grpId="0" animBg="1"/>
+      <p:bldP spid="13" grpId="0" animBg="1"/>
+      <p:bldP spid="3" grpId="0" uiExpand="1" build="p"/>
+    </p:bldLst>
+  </p:timing>
+</p:sld>
+</file>
+
+<file path=ppt/slides/slide5.xml><?xml version="1.0" encoding="utf-8"?>
+<p:sld xmlns:a="http://schemas.openxmlformats.org/drawingml/2006/main" xmlns:r="http://schemas.openxmlformats.org/officeDocument/2006/relationships" xmlns:p="http://schemas.openxmlformats.org/presentationml/2006/main">
+  <p:cSld>
+    <p:spTree>
+      <p:nvGrpSpPr>
+        <p:cNvPr id="1" name=""/>
+        <p:cNvGrpSpPr/>
+        <p:nvPr/>
+      </p:nvGrpSpPr>
+      <p:grpSpPr>
+        <a:xfrm>
+          <a:off x="0" y="0"/>
+          <a:ext cx="0" cy="0"/>
+          <a:chOff x="0" y="0"/>
+          <a:chExt cx="0" cy="0"/>
+        </a:xfrm>
+      </p:grpSpPr>
+      <p:sp>
+        <p:nvSpPr>
+          <p:cNvPr id="2" name="Title 1">
+            <a:extLst>
+              <a:ext uri="{FF2B5EF4-FFF2-40B4-BE49-F238E27FC236}">
+                <a16:creationId xmlns:a16="http://schemas.microsoft.com/office/drawing/2014/main" id="{68AADCD8-CDB9-45B2-8792-56119B209F60}"/>
+              </a:ext>
+            </a:extLst>
+          </p:cNvPr>
+          <p:cNvSpPr>
+            <a:spLocks noGrp="1"/>
+          </p:cNvSpPr>
+          <p:nvPr>
+            <p:ph type="title"/>
+          </p:nvPr>
+        </p:nvSpPr>
+        <p:spPr/>
+        <p:txBody>
+          <a:bodyPr>
+            <a:normAutofit fontScale="90000"/>
+          </a:bodyPr>
+          <a:lstStyle/>
+          <a:p>
+            <a:r>
+              <a:rPr lang="en-US" dirty="0"/>
+              <a:t>Complex Belt and Gear Driven Systems</a:t>
+            </a:r>
+          </a:p>
+        </p:txBody>
+      </p:sp>
+      <p:sp>
+        <p:nvSpPr>
+          <p:cNvPr id="3" name="Content Placeholder 2">
+            <a:extLst>
+              <a:ext uri="{FF2B5EF4-FFF2-40B4-BE49-F238E27FC236}">
+                <a16:creationId xmlns:a16="http://schemas.microsoft.com/office/drawing/2014/main" id="{24FAC6F7-A80D-4429-806A-C4E965B4044F}"/>
+              </a:ext>
+            </a:extLst>
+          </p:cNvPr>
+          <p:cNvSpPr>
+            <a:spLocks noGrp="1"/>
+          </p:cNvSpPr>
+          <p:nvPr>
+            <p:ph idx="1"/>
+          </p:nvPr>
+        </p:nvSpPr>
+        <p:spPr>
+          <a:xfrm>
+            <a:off x="457200" y="1600200"/>
+            <a:ext cx="8229600" cy="3048000"/>
+          </a:xfrm>
+        </p:spPr>
+        <p:txBody>
+          <a:bodyPr>
+            <a:normAutofit fontScale="77500" lnSpcReduction="20000"/>
+          </a:bodyPr>
+          <a:lstStyle/>
+          <a:p>
+            <a:r>
+              <a:rPr lang="en-US" dirty="0"/>
+              <a:t>For larger changes in torque and in speed, we often run through a series of pulleys or gears rather than relying on one very big jump.</a:t>
+            </a:r>
+          </a:p>
+          <a:p>
+            <a:r>
+              <a:rPr lang="en-US" dirty="0"/>
+              <a:t>In these systems, any motion transferred </a:t>
+            </a:r>
+            <a:r>
+              <a:rPr lang="en-US" u="sng" dirty="0"/>
+              <a:t>via a belt or meshing teeth</a:t>
+            </a:r>
+            <a:r>
+              <a:rPr lang="en-US" dirty="0"/>
+              <a:t> will follow the relationships from the previous slides</a:t>
+            </a:r>
+          </a:p>
+          <a:p>
+            <a:r>
+              <a:rPr lang="en-US" dirty="0"/>
+              <a:t>In these systems, any two pulleys of gears </a:t>
+            </a:r>
+            <a:r>
+              <a:rPr lang="en-US" u="sng" dirty="0"/>
+              <a:t>on the same shaft</a:t>
+            </a:r>
+            <a:r>
+              <a:rPr lang="en-US" dirty="0"/>
+              <a:t> will have the same angular velocity and angular acceleration.</a:t>
+            </a:r>
+          </a:p>
+        </p:txBody>
+      </p:sp>
+      <p:pic>
+        <p:nvPicPr>
+          <p:cNvPr id="5" name="Picture 4">
+            <a:extLst>
+              <a:ext uri="{FF2B5EF4-FFF2-40B4-BE49-F238E27FC236}">
+                <a16:creationId xmlns:a16="http://schemas.microsoft.com/office/drawing/2014/main" id="{4AD377A7-6D17-4EAE-B033-09ADAB563BD2}"/>
+              </a:ext>
+            </a:extLst>
+          </p:cNvPr>
+          <p:cNvPicPr>
+            <a:picLocks noChangeAspect="1"/>
+          </p:cNvPicPr>
+          <p:nvPr/>
+        </p:nvPicPr>
+        <p:blipFill>
+          <a:blip r:embed="rId2">
+            <a:extLst>
+              <a:ext uri="{28A0092B-C50C-407E-A947-70E740481C1C}">
+                <a14:useLocalDpi xmlns:a14="http://schemas.microsoft.com/office/drawing/2010/main" val="0"/>
+              </a:ext>
+            </a:extLst>
+          </a:blip>
+          <a:stretch>
+            <a:fillRect/>
+          </a:stretch>
+        </p:blipFill>
+        <p:spPr>
+          <a:xfrm>
+            <a:off x="2557241" y="4572000"/>
+            <a:ext cx="4029518" cy="2077720"/>
+          </a:xfrm>
+          <a:prstGeom prst="rect">
+            <a:avLst/>
+          </a:prstGeom>
+        </p:spPr>
+      </p:pic>
+    </p:spTree>
+    <p:extLst>
+      <p:ext uri="{BB962C8B-B14F-4D97-AF65-F5344CB8AC3E}">
+        <p14:creationId xmlns:p14="http://schemas.microsoft.com/office/powerpoint/2010/main" val="2866929788"/>
+      </p:ext>
+    </p:extLst>
+  </p:cSld>
+  <p:clrMapOvr>
+    <a:masterClrMapping/>
+  </p:clrMapOvr>
+  <p:timing>
+    <p:tnLst>
+      <p:par>
+        <p:cTn id="1" dur="indefinite" restart="never" nodeType="tmRoot">
+          <p:childTnLst>
+            <p:seq concurrent="1" nextAc="seek">
+              <p:cTn id="2" dur="indefinite" nodeType="mainSeq">
+                <p:childTnLst>
+                  <p:par>
+                    <p:cTn id="3" fill="hold">
+                      <p:stCondLst>
+                        <p:cond delay="indefinite"/>
+                      </p:stCondLst>
+                      <p:childTnLst>
+                        <p:par>
+                          <p:cTn id="4" fill="hold">
+                            <p:stCondLst>
+                              <p:cond delay="0"/>
+                            </p:stCondLst>
+                            <p:childTnLst>
+                              <p:par>
+                                <p:cTn id="5" presetID="1" presetClass="entr" presetSubtype="0" fill="hold" grpId="0" nodeType="clickEffect">
+                                  <p:stCondLst>
+                                    <p:cond delay="0"/>
+                                  </p:stCondLst>
+                                  <p:childTnLst>
+                                    <p:set>
+                                      <p:cBhvr>
+                                        <p:cTn id="6" dur="1" fill="hold">
+                                          <p:stCondLst>
+                                            <p:cond delay="0"/>
+                                          </p:stCondLst>
+                                        </p:cTn>
+                                        <p:tgtEl>
+                                          <p:spTgt spid="3">
+                                            <p:txEl>
+                                              <p:pRg st="0" end="0"/>
+                                            </p:txEl>
+                                          </p:spTgt>
+                                        </p:tgtEl>
+                                        <p:attrNameLst>
+                                          <p:attrName>style.visibility</p:attrName>
+                                        </p:attrNameLst>
+                                      </p:cBhvr>
+                                      <p:to>
+                                        <p:strVal val="visible"/>
+                                      </p:to>
+                                    </p:set>
+                                  </p:childTnLst>
+                                </p:cTn>
+                              </p:par>
+                            </p:childTnLst>
+                          </p:cTn>
+                        </p:par>
+                      </p:childTnLst>
+                    </p:cTn>
+                  </p:par>
+                  <p:par>
+                    <p:cTn id="7" fill="hold">
+                      <p:stCondLst>
+                        <p:cond delay="indefinite"/>
+                      </p:stCondLst>
+                      <p:childTnLst>
+                        <p:par>
+                          <p:cTn id="8" fill="hold">
+                            <p:stCondLst>
+                              <p:cond delay="0"/>
+                            </p:stCondLst>
+                            <p:childTnLst>
+                              <p:par>
+                                <p:cTn id="9" presetID="10" presetClass="entr" presetSubtype="0" fill="hold" nodeType="clickEffect">
+                                  <p:stCondLst>
+                                    <p:cond delay="0"/>
+                                  </p:stCondLst>
+                                  <p:childTnLst>
+                                    <p:set>
+                                      <p:cBhvr>
+                                        <p:cTn id="10" dur="1" fill="hold">
+                                          <p:stCondLst>
+                                            <p:cond delay="0"/>
+                                          </p:stCondLst>
+                                        </p:cTn>
+                                        <p:tgtEl>
+                                          <p:spTgt spid="5"/>
+                                        </p:tgtEl>
+                                        <p:attrNameLst>
+                                          <p:attrName>style.visibility</p:attrName>
+                                        </p:attrNameLst>
+                                      </p:cBhvr>
+                                      <p:to>
+                                        <p:strVal val="visible"/>
+                                      </p:to>
+                                    </p:set>
+                                    <p:animEffect transition="in" filter="fade">
+                                      <p:cBhvr>
+                                        <p:cTn id="11" dur="500"/>
+                                        <p:tgtEl>
+                                          <p:spTgt spid="5"/>
+                                        </p:tgtEl>
+                                      </p:cBhvr>
+                                    </p:animEffect>
+                                  </p:childTnLst>
+                                </p:cTn>
+                              </p:par>
+                            </p:childTnLst>
+                          </p:cTn>
+                        </p:par>
+                      </p:childTnLst>
+                    </p:cTn>
+                  </p:par>
+                  <p:par>
+                    <p:cTn id="12" fill="hold">
+                      <p:stCondLst>
+                        <p:cond delay="indefinite"/>
+                      </p:stCondLst>
+                      <p:childTnLst>
+                        <p:par>
+                          <p:cTn id="13" fill="hold">
+                            <p:stCondLst>
+                              <p:cond delay="0"/>
+                            </p:stCondLst>
+                            <p:childTnLst>
+                              <p:par>
+                                <p:cTn id="14" presetID="1" presetClass="entr" presetSubtype="0" fill="hold" grpId="0" nodeType="clickEffect">
+                                  <p:stCondLst>
+                                    <p:cond delay="0"/>
+                                  </p:stCondLst>
+                                  <p:childTnLst>
+                                    <p:set>
+                                      <p:cBhvr>
+                                        <p:cTn id="15" dur="1" fill="hold">
+                                          <p:stCondLst>
+                                            <p:cond delay="0"/>
+                                          </p:stCondLst>
+                                        </p:cTn>
+                                        <p:tgtEl>
+                                          <p:spTgt spid="3">
+                                            <p:txEl>
+                                              <p:pRg st="1" end="1"/>
+                                            </p:txEl>
+                                          </p:spTgt>
+                                        </p:tgtEl>
+                                        <p:attrNameLst>
+                                          <p:attrName>style.visibility</p:attrName>
+                                        </p:attrNameLst>
+                                      </p:cBhvr>
+                                      <p:to>
+                                        <p:strVal val="visible"/>
+                                      </p:to>
+                                    </p:set>
+                                  </p:childTnLst>
+                                </p:cTn>
+                              </p:par>
+                            </p:childTnLst>
+                          </p:cTn>
+                        </p:par>
+                      </p:childTnLst>
+                    </p:cTn>
+                  </p:par>
+                  <p:par>
+                    <p:cTn id="16" fill="hold">
+                      <p:stCondLst>
+                        <p:cond delay="indefinite"/>
+                      </p:stCondLst>
+                      <p:childTnLst>
+                        <p:par>
+                          <p:cTn id="17" fill="hold">
+                            <p:stCondLst>
+                              <p:cond delay="0"/>
+                            </p:stCondLst>
+                            <p:childTnLst>
+                              <p:par>
+                                <p:cTn id="18" presetID="1" presetClass="entr" presetSubtype="0" fill="hold" grpId="0" nodeType="clickEffect">
+                                  <p:stCondLst>
+                                    <p:cond delay="0"/>
+                                  </p:stCondLst>
+                                  <p:childTnLst>
+                                    <p:set>
+                                      <p:cBhvr>
+                                        <p:cTn id="19" dur="1" fill="hold">
+                                          <p:stCondLst>
+                                            <p:cond delay="0"/>
+                                          </p:stCondLst>
+                                        </p:cTn>
+                                        <p:tgtEl>
+                                          <p:spTgt spid="3">
+                                            <p:txEl>
+                                              <p:pRg st="2" end="2"/>
+                                            </p:txEl>
+                                          </p:spTgt>
+                                        </p:tgtEl>
+                                        <p:attrNameLst>
+                                          <p:attrName>style.visibility</p:attrName>
+                                        </p:attrNameLst>
+                                      </p:cBhvr>
+                                      <p:to>
+                                        <p:strVal val="visible"/>
+                                      </p:to>
+                                    </p:set>
+                                  </p:childTnLst>
+                                </p:cTn>
+                              </p:par>
+                            </p:childTnLst>
+                          </p:cTn>
+                        </p:par>
+                      </p:childTnLst>
+                    </p:cTn>
+                  </p:par>
+                </p:childTnLst>
+              </p:cTn>
+              <p:prevCondLst>
+                <p:cond evt="onPrev" delay="0">
+                  <p:tgtEl>
+                    <p:sldTgt/>
+                  </p:tgtEl>
+                </p:cond>
+              </p:prevCondLst>
+              <p:nextCondLst>
+                <p:cond evt="onNext" delay="0">
+                  <p:tgtEl>
+                    <p:sldTgt/>
+                  </p:tgtEl>
+                </p:cond>
+              </p:nextCondLst>
+            </p:seq>
+          </p:childTnLst>
+        </p:cTn>
+      </p:par>
+    </p:tnLst>
+    <p:bldLst>
+      <p:bldP spid="3" grpId="0" uiExpand="1" build="p"/>
+    </p:bldLst>
+  </p:timing>
+</p:sld>
+</file>
+
+<file path=ppt/slides/slide6.xml><?xml version="1.0" encoding="utf-8"?>
+<p:sld xmlns:a="http://schemas.openxmlformats.org/drawingml/2006/main" xmlns:r="http://schemas.openxmlformats.org/officeDocument/2006/relationships" xmlns:p="http://schemas.openxmlformats.org/presentationml/2006/main">
+  <p:cSld>
+    <p:spTree>
+      <p:nvGrpSpPr>
+        <p:cNvPr id="1" name=""/>
+        <p:cNvGrpSpPr/>
+        <p:nvPr/>
+      </p:nvGrpSpPr>
+      <p:grpSpPr>
+        <a:xfrm>
+          <a:off x="0" y="0"/>
+          <a:ext cx="0" cy="0"/>
+          <a:chOff x="0" y="0"/>
+          <a:chExt cx="0" cy="0"/>
+        </a:xfrm>
+      </p:grpSpPr>
+      <p:sp>
+        <p:nvSpPr>
+          <p:cNvPr id="2" name="Title 1">
+            <a:extLst>
+              <a:ext uri="{FF2B5EF4-FFF2-40B4-BE49-F238E27FC236}">
+                <a16:creationId xmlns:a16="http://schemas.microsoft.com/office/drawing/2014/main" id="{4DE01B8C-099D-41BA-B572-68A9ECB284FF}"/>
+              </a:ext>
+            </a:extLst>
+          </p:cNvPr>
+          <p:cNvSpPr>
+            <a:spLocks noGrp="1"/>
+          </p:cNvSpPr>
+          <p:nvPr>
+            <p:ph type="title"/>
+          </p:nvPr>
+        </p:nvSpPr>
+        <p:spPr/>
+        <p:txBody>
+          <a:bodyPr/>
+          <a:lstStyle/>
+          <a:p>
+            <a:r>
+              <a:rPr lang="en-US" dirty="0"/>
+              <a:t>Gear Ratios</a:t>
+            </a:r>
+          </a:p>
+        </p:txBody>
+      </p:sp>
+      <mc:AlternateContent xmlns:mc="http://schemas.openxmlformats.org/markup-compatibility/2006" xmlns:a14="http://schemas.microsoft.com/office/drawing/2010/main">
+        <mc:Choice Requires="a14">
+          <p:sp>
+            <p:nvSpPr>
+              <p:cNvPr id="3" name="Content Placeholder 2">
+                <a:extLst>
+                  <a:ext uri="{FF2B5EF4-FFF2-40B4-BE49-F238E27FC236}">
+                    <a16:creationId xmlns:a16="http://schemas.microsoft.com/office/drawing/2014/main" id="{A4F9D5EE-8EC7-4280-96BD-1FA92620CB8F}"/>
+                  </a:ext>
+                </a:extLst>
+              </p:cNvPr>
+              <p:cNvSpPr>
+                <a:spLocks noGrp="1"/>
+              </p:cNvSpPr>
+              <p:nvPr>
+                <p:ph idx="1"/>
+              </p:nvPr>
+            </p:nvSpPr>
+            <p:spPr/>
+            <p:txBody>
+              <a:bodyPr>
+                <a:normAutofit fontScale="70000" lnSpcReduction="20000"/>
+              </a:bodyPr>
+              <a:lstStyle/>
+              <a:p>
+                <a:r>
+                  <a:rPr lang="en-US" dirty="0"/>
+                  <a:t>The gear ratio is a single number that is simplification of some of the math from previous slides.</a:t>
+                </a:r>
+              </a:p>
+              <a:p>
+                <a:r>
+                  <a:rPr lang="en-US" dirty="0"/>
+                  <a:t>For a single set of meshing gears, the gear ratio is defined as the radius of the output gear over the radius of the input gear, which will also be equal to the number of teeth on the output gear over the number of teeth on the input gear.</a:t>
+                </a:r>
+              </a:p>
+              <a:p>
+                <a:pPr marL="0" indent="0">
+                  <a:buNone/>
+                </a:pPr>
+                <a14:m>
+                  <m:oMathPara xmlns:m="http://schemas.openxmlformats.org/officeDocument/2006/math">
+                    <m:oMathParaPr>
+                      <m:jc m:val="centerGroup"/>
+                    </m:oMathParaPr>
+                    <m:oMath xmlns:m="http://schemas.openxmlformats.org/officeDocument/2006/math">
+                      <m:r>
+                        <a:rPr lang="en-US" b="0" i="1" smtClean="0">
+                          <a:latin typeface="Cambria Math" panose="02040503050406030204" pitchFamily="18" charset="0"/>
+                        </a:rPr>
+                        <m:t>𝐺𝑅</m:t>
+                      </m:r>
+                      <m:r>
+                        <a:rPr lang="en-US" b="0" i="1" smtClean="0">
+                          <a:latin typeface="Cambria Math" panose="02040503050406030204" pitchFamily="18" charset="0"/>
+                        </a:rPr>
+                        <m:t>=</m:t>
+                      </m:r>
+                      <m:f>
+                        <m:fPr>
+                          <m:ctrlPr>
+                            <a:rPr lang="en-US" b="0" i="1" smtClean="0">
+                              <a:latin typeface="Cambria Math" panose="02040503050406030204" pitchFamily="18" charset="0"/>
+                            </a:rPr>
+                          </m:ctrlPr>
+                        </m:fPr>
+                        <m:num>
+                          <m:sSub>
+                            <m:sSubPr>
+                              <m:ctrlPr>
+                                <a:rPr lang="en-US" b="0" i="1" smtClean="0">
+                                  <a:latin typeface="Cambria Math" panose="02040503050406030204" pitchFamily="18" charset="0"/>
+                                </a:rPr>
+                              </m:ctrlPr>
+                            </m:sSubPr>
+                            <m:e>
+                              <m:r>
+                                <a:rPr lang="en-US" b="0" i="1" smtClean="0">
+                                  <a:latin typeface="Cambria Math" panose="02040503050406030204" pitchFamily="18" charset="0"/>
+                                </a:rPr>
+                                <m:t>𝑟</m:t>
+                              </m:r>
+                            </m:e>
+                            <m:sub>
+                              <m:r>
+                                <a:rPr lang="en-US" b="0" i="1" smtClean="0">
+                                  <a:latin typeface="Cambria Math" panose="02040503050406030204" pitchFamily="18" charset="0"/>
+                                </a:rPr>
+                                <m:t>𝑜𝑢𝑡𝑝𝑢𝑡</m:t>
+                              </m:r>
+                            </m:sub>
+                          </m:sSub>
+                        </m:num>
+                        <m:den>
+                          <m:sSub>
+                            <m:sSubPr>
+                              <m:ctrlPr>
+                                <a:rPr lang="en-US" i="1">
+                                  <a:latin typeface="Cambria Math" panose="02040503050406030204" pitchFamily="18" charset="0"/>
+                                </a:rPr>
+                              </m:ctrlPr>
+                            </m:sSubPr>
+                            <m:e>
+                              <m:r>
+                                <a:rPr lang="en-US" i="1">
+                                  <a:latin typeface="Cambria Math" panose="02040503050406030204" pitchFamily="18" charset="0"/>
+                                </a:rPr>
+                                <m:t>𝑟</m:t>
+                              </m:r>
+                            </m:e>
+                            <m:sub>
+                              <m:r>
+                                <a:rPr lang="en-US" b="0" i="1" smtClean="0">
+                                  <a:latin typeface="Cambria Math" panose="02040503050406030204" pitchFamily="18" charset="0"/>
+                                </a:rPr>
+                                <m:t>𝑖𝑛𝑝𝑢𝑡</m:t>
+                              </m:r>
+                            </m:sub>
+                          </m:sSub>
+                        </m:den>
+                      </m:f>
+                      <m:r>
+                        <a:rPr lang="en-US" b="0" i="1" smtClean="0">
+                          <a:latin typeface="Cambria Math" panose="02040503050406030204" pitchFamily="18" charset="0"/>
+                        </a:rPr>
+                        <m:t>=</m:t>
+                      </m:r>
+                      <m:f>
+                        <m:fPr>
+                          <m:ctrlPr>
+                            <a:rPr lang="en-US" i="1">
+                              <a:latin typeface="Cambria Math" panose="02040503050406030204" pitchFamily="18" charset="0"/>
+                            </a:rPr>
+                          </m:ctrlPr>
+                        </m:fPr>
+                        <m:num>
+                          <m:sSub>
+                            <m:sSubPr>
+                              <m:ctrlPr>
+                                <a:rPr lang="en-US" i="1">
+                                  <a:latin typeface="Cambria Math" panose="02040503050406030204" pitchFamily="18" charset="0"/>
+                                </a:rPr>
+                              </m:ctrlPr>
+                            </m:sSubPr>
+                            <m:e>
+                              <m:r>
+                                <a:rPr lang="en-US" b="0" i="1" smtClean="0">
+                                  <a:latin typeface="Cambria Math" panose="02040503050406030204" pitchFamily="18" charset="0"/>
+                                </a:rPr>
+                                <m:t>𝑁</m:t>
+                              </m:r>
+                            </m:e>
+                            <m:sub>
+                              <m:r>
+                                <a:rPr lang="en-US" i="1">
+                                  <a:latin typeface="Cambria Math" panose="02040503050406030204" pitchFamily="18" charset="0"/>
+                                </a:rPr>
+                                <m:t>𝑜𝑢𝑡𝑝𝑢𝑡</m:t>
+                              </m:r>
+                            </m:sub>
+                          </m:sSub>
+                        </m:num>
+                        <m:den>
+                          <m:sSub>
+                            <m:sSubPr>
+                              <m:ctrlPr>
+                                <a:rPr lang="en-US" i="1">
+                                  <a:latin typeface="Cambria Math" panose="02040503050406030204" pitchFamily="18" charset="0"/>
+                                </a:rPr>
+                              </m:ctrlPr>
+                            </m:sSubPr>
+                            <m:e>
+                              <m:r>
+                                <a:rPr lang="en-US" b="0" i="1" smtClean="0">
+                                  <a:latin typeface="Cambria Math" panose="02040503050406030204" pitchFamily="18" charset="0"/>
+                                </a:rPr>
+                                <m:t>𝑁</m:t>
+                              </m:r>
+                            </m:e>
+                            <m:sub>
+                              <m:r>
+                                <a:rPr lang="en-US" i="1">
+                                  <a:latin typeface="Cambria Math" panose="02040503050406030204" pitchFamily="18" charset="0"/>
+                                </a:rPr>
+                                <m:t>𝑖𝑛𝑝𝑢𝑡</m:t>
+                              </m:r>
+                            </m:sub>
+                          </m:sSub>
+                        </m:den>
+                      </m:f>
+                    </m:oMath>
+                  </m:oMathPara>
+                </a14:m>
+                <a:endParaRPr lang="en-US" dirty="0"/>
+              </a:p>
+              <a:p>
+                <a:r>
+                  <a:rPr lang="en-US" dirty="0"/>
+                  <a:t>Looking back at our equations we can see that this will be the inverse (input over output) for the relationship for angular velocities and accelerations (as well as angular displacements.</a:t>
+                </a:r>
+              </a:p>
+              <a:p>
+                <a:pPr marL="0" indent="0">
+                  <a:buNone/>
+                </a:pPr>
+                <a14:m>
+                  <m:oMathPara xmlns:m="http://schemas.openxmlformats.org/officeDocument/2006/math">
+                    <m:oMathParaPr>
+                      <m:jc m:val="centerGroup"/>
+                    </m:oMathParaPr>
+                    <m:oMath xmlns:m="http://schemas.openxmlformats.org/officeDocument/2006/math">
+                      <m:r>
+                        <a:rPr lang="en-US" i="1">
+                          <a:latin typeface="Cambria Math" panose="02040503050406030204" pitchFamily="18" charset="0"/>
+                        </a:rPr>
+                        <m:t>𝐺𝑅</m:t>
+                      </m:r>
+                      <m:r>
+                        <a:rPr lang="en-US" i="1">
+                          <a:latin typeface="Cambria Math" panose="02040503050406030204" pitchFamily="18" charset="0"/>
+                        </a:rPr>
+                        <m:t>=</m:t>
+                      </m:r>
+                      <m:f>
+                        <m:fPr>
+                          <m:ctrlPr>
+                            <a:rPr lang="en-US" i="1">
+                              <a:latin typeface="Cambria Math" panose="02040503050406030204" pitchFamily="18" charset="0"/>
+                            </a:rPr>
+                          </m:ctrlPr>
+                        </m:fPr>
+                        <m:num>
+                          <m:sSub>
+                            <m:sSubPr>
+                              <m:ctrlPr>
+                                <a:rPr lang="en-US" i="1">
+                                  <a:latin typeface="Cambria Math" panose="02040503050406030204" pitchFamily="18" charset="0"/>
+                                </a:rPr>
+                              </m:ctrlPr>
+                            </m:sSubPr>
+                            <m:e>
+                              <m:r>
+                                <a:rPr lang="en-US" i="1" smtClean="0">
+                                  <a:latin typeface="Cambria Math" panose="02040503050406030204" pitchFamily="18" charset="0"/>
+                                  <a:ea typeface="Cambria Math" panose="02040503050406030204" pitchFamily="18" charset="0"/>
+                                </a:rPr>
+                                <m:t>𝜔</m:t>
+                              </m:r>
+                            </m:e>
+                            <m:sub>
+                              <m:r>
+                                <a:rPr lang="en-US" b="0" i="1" smtClean="0">
+                                  <a:latin typeface="Cambria Math" panose="02040503050406030204" pitchFamily="18" charset="0"/>
+                                </a:rPr>
+                                <m:t>𝑖𝑛</m:t>
+                              </m:r>
+                              <m:r>
+                                <a:rPr lang="en-US" i="1">
+                                  <a:latin typeface="Cambria Math" panose="02040503050406030204" pitchFamily="18" charset="0"/>
+                                </a:rPr>
+                                <m:t>𝑝𝑢𝑡</m:t>
+                              </m:r>
+                            </m:sub>
+                          </m:sSub>
+                        </m:num>
+                        <m:den>
+                          <m:sSub>
+                            <m:sSubPr>
+                              <m:ctrlPr>
+                                <a:rPr lang="en-US" i="1">
+                                  <a:latin typeface="Cambria Math" panose="02040503050406030204" pitchFamily="18" charset="0"/>
+                                </a:rPr>
+                              </m:ctrlPr>
+                            </m:sSubPr>
+                            <m:e>
+                              <m:r>
+                                <a:rPr lang="en-US" i="1">
+                                  <a:latin typeface="Cambria Math" panose="02040503050406030204" pitchFamily="18" charset="0"/>
+                                  <a:ea typeface="Cambria Math" panose="02040503050406030204" pitchFamily="18" charset="0"/>
+                                </a:rPr>
+                                <m:t>𝜔</m:t>
+                              </m:r>
+                            </m:e>
+                            <m:sub>
+                              <m:r>
+                                <a:rPr lang="en-US" b="0" i="1" smtClean="0">
+                                  <a:latin typeface="Cambria Math" panose="02040503050406030204" pitchFamily="18" charset="0"/>
+                                  <a:ea typeface="Cambria Math" panose="02040503050406030204" pitchFamily="18" charset="0"/>
+                                </a:rPr>
+                                <m:t>𝑜𝑢𝑡</m:t>
+                              </m:r>
+                              <m:r>
+                                <a:rPr lang="en-US" i="1">
+                                  <a:latin typeface="Cambria Math" panose="02040503050406030204" pitchFamily="18" charset="0"/>
+                                </a:rPr>
+                                <m:t>𝑝𝑢𝑡</m:t>
+                              </m:r>
+                            </m:sub>
+                          </m:sSub>
+                        </m:den>
+                      </m:f>
+                      <m:r>
+                        <a:rPr lang="en-US" i="1">
+                          <a:latin typeface="Cambria Math" panose="02040503050406030204" pitchFamily="18" charset="0"/>
+                        </a:rPr>
+                        <m:t>=</m:t>
+                      </m:r>
+                      <m:f>
+                        <m:fPr>
+                          <m:ctrlPr>
+                            <a:rPr lang="en-US" i="1">
+                              <a:latin typeface="Cambria Math" panose="02040503050406030204" pitchFamily="18" charset="0"/>
+                            </a:rPr>
+                          </m:ctrlPr>
+                        </m:fPr>
+                        <m:num>
+                          <m:sSub>
+                            <m:sSubPr>
+                              <m:ctrlPr>
+                                <a:rPr lang="en-US" i="1">
+                                  <a:latin typeface="Cambria Math" panose="02040503050406030204" pitchFamily="18" charset="0"/>
+                                </a:rPr>
+                              </m:ctrlPr>
+                            </m:sSubPr>
+                            <m:e>
+                              <m:r>
+                                <a:rPr lang="en-US" i="1" smtClean="0">
+                                  <a:latin typeface="Cambria Math" panose="02040503050406030204" pitchFamily="18" charset="0"/>
+                                  <a:ea typeface="Cambria Math" panose="02040503050406030204" pitchFamily="18" charset="0"/>
+                                </a:rPr>
+                                <m:t>𝛼</m:t>
+                              </m:r>
+                            </m:e>
+                            <m:sub>
+                              <m:r>
+                                <a:rPr lang="en-US" i="1">
+                                  <a:latin typeface="Cambria Math" panose="02040503050406030204" pitchFamily="18" charset="0"/>
+                                </a:rPr>
+                                <m:t>𝑖𝑛𝑝𝑢𝑡</m:t>
+                              </m:r>
+                            </m:sub>
+                          </m:sSub>
+                        </m:num>
+                        <m:den>
+                          <m:sSub>
+                            <m:sSubPr>
+                              <m:ctrlPr>
+                                <a:rPr lang="en-US" i="1">
+                                  <a:latin typeface="Cambria Math" panose="02040503050406030204" pitchFamily="18" charset="0"/>
+                                </a:rPr>
+                              </m:ctrlPr>
+                            </m:sSubPr>
+                            <m:e>
+                              <m:r>
+                                <a:rPr lang="en-US" i="1" smtClean="0">
+                                  <a:latin typeface="Cambria Math" panose="02040503050406030204" pitchFamily="18" charset="0"/>
+                                  <a:ea typeface="Cambria Math" panose="02040503050406030204" pitchFamily="18" charset="0"/>
+                                </a:rPr>
+                                <m:t>𝛼</m:t>
+                              </m:r>
+                            </m:e>
+                            <m:sub>
+                              <m:r>
+                                <a:rPr lang="en-US" i="1">
+                                  <a:latin typeface="Cambria Math" panose="02040503050406030204" pitchFamily="18" charset="0"/>
+                                  <a:ea typeface="Cambria Math" panose="02040503050406030204" pitchFamily="18" charset="0"/>
+                                </a:rPr>
+                                <m:t>𝑜𝑢𝑡</m:t>
+                              </m:r>
+                              <m:r>
+                                <a:rPr lang="en-US" i="1">
+                                  <a:latin typeface="Cambria Math" panose="02040503050406030204" pitchFamily="18" charset="0"/>
+                                </a:rPr>
+                                <m:t>𝑝𝑢𝑡</m:t>
+                              </m:r>
+                            </m:sub>
+                          </m:sSub>
+                        </m:den>
+                      </m:f>
+                      <m:r>
+                        <a:rPr lang="en-US" b="0" i="1" smtClean="0">
+                          <a:latin typeface="Cambria Math" panose="02040503050406030204" pitchFamily="18" charset="0"/>
+                        </a:rPr>
+                        <m:t>=</m:t>
+                      </m:r>
+                      <m:f>
+                        <m:fPr>
+                          <m:ctrlPr>
+                            <a:rPr lang="en-US" i="1">
+                              <a:latin typeface="Cambria Math" panose="02040503050406030204" pitchFamily="18" charset="0"/>
+                            </a:rPr>
+                          </m:ctrlPr>
+                        </m:fPr>
+                        <m:num>
+                          <m:sSub>
+                            <m:sSubPr>
+                              <m:ctrlPr>
+                                <a:rPr lang="en-US" i="1">
+                                  <a:latin typeface="Cambria Math" panose="02040503050406030204" pitchFamily="18" charset="0"/>
+                                </a:rPr>
+                              </m:ctrlPr>
+                            </m:sSubPr>
+                            <m:e>
+                              <m:r>
+                                <a:rPr lang="en-US" i="1" smtClean="0">
+                                  <a:latin typeface="Cambria Math" panose="02040503050406030204" pitchFamily="18" charset="0"/>
+                                  <a:ea typeface="Cambria Math" panose="02040503050406030204" pitchFamily="18" charset="0"/>
+                                </a:rPr>
+                                <m:t>∆</m:t>
+                              </m:r>
+                              <m:r>
+                                <a:rPr lang="en-US" i="1" smtClean="0">
+                                  <a:latin typeface="Cambria Math" panose="02040503050406030204" pitchFamily="18" charset="0"/>
+                                  <a:ea typeface="Cambria Math" panose="02040503050406030204" pitchFamily="18" charset="0"/>
+                                </a:rPr>
+                                <m:t>𝜃</m:t>
+                              </m:r>
+                            </m:e>
+                            <m:sub>
+                              <m:r>
+                                <a:rPr lang="en-US" i="1">
+                                  <a:latin typeface="Cambria Math" panose="02040503050406030204" pitchFamily="18" charset="0"/>
+                                </a:rPr>
+                                <m:t>𝑖𝑛𝑝𝑢𝑡</m:t>
+                              </m:r>
+                            </m:sub>
+                          </m:sSub>
+                        </m:num>
+                        <m:den>
+                          <m:sSub>
+                            <m:sSubPr>
+                              <m:ctrlPr>
+                                <a:rPr lang="en-US" i="1">
+                                  <a:latin typeface="Cambria Math" panose="02040503050406030204" pitchFamily="18" charset="0"/>
+                                </a:rPr>
+                              </m:ctrlPr>
+                            </m:sSubPr>
+                            <m:e>
+                              <m:r>
+                                <a:rPr lang="en-US" i="1">
+                                  <a:latin typeface="Cambria Math" panose="02040503050406030204" pitchFamily="18" charset="0"/>
+                                  <a:ea typeface="Cambria Math" panose="02040503050406030204" pitchFamily="18" charset="0"/>
+                                </a:rPr>
+                                <m:t>∆</m:t>
+                              </m:r>
+                              <m:r>
+                                <a:rPr lang="en-US" i="1">
+                                  <a:latin typeface="Cambria Math" panose="02040503050406030204" pitchFamily="18" charset="0"/>
+                                  <a:ea typeface="Cambria Math" panose="02040503050406030204" pitchFamily="18" charset="0"/>
+                                </a:rPr>
+                                <m:t>𝜃</m:t>
+                              </m:r>
+                            </m:e>
+                            <m:sub>
+                              <m:r>
+                                <a:rPr lang="en-US" i="1">
+                                  <a:latin typeface="Cambria Math" panose="02040503050406030204" pitchFamily="18" charset="0"/>
+                                  <a:ea typeface="Cambria Math" panose="02040503050406030204" pitchFamily="18" charset="0"/>
+                                </a:rPr>
+                                <m:t>𝑜𝑢𝑡</m:t>
+                              </m:r>
+                              <m:r>
+                                <a:rPr lang="en-US" i="1">
+                                  <a:latin typeface="Cambria Math" panose="02040503050406030204" pitchFamily="18" charset="0"/>
+                                </a:rPr>
+                                <m:t>𝑝𝑢𝑡</m:t>
+                              </m:r>
+                            </m:sub>
+                          </m:sSub>
+                        </m:den>
+                      </m:f>
+                    </m:oMath>
+                  </m:oMathPara>
+                </a14:m>
+                <a:endParaRPr lang="en-US" dirty="0"/>
+              </a:p>
+            </p:txBody>
+          </p:sp>
+        </mc:Choice>
+        <mc:Fallback xmlns="">
+          <p:sp>
+            <p:nvSpPr>
+              <p:cNvPr id="3" name="Content Placeholder 2">
+                <a:extLst>
+                  <a:ext uri="{FF2B5EF4-FFF2-40B4-BE49-F238E27FC236}">
+                    <a16:creationId xmlns:a16="http://schemas.microsoft.com/office/drawing/2014/main" id="{A4F9D5EE-8EC7-4280-96BD-1FA92620CB8F}"/>
+                  </a:ext>
+                </a:extLst>
+              </p:cNvPr>
+              <p:cNvSpPr>
+                <a:spLocks noGrp="1" noRot="1" noChangeAspect="1" noMove="1" noResize="1" noEditPoints="1" noAdjustHandles="1" noChangeArrowheads="1" noChangeShapeType="1" noTextEdit="1"/>
+              </p:cNvSpPr>
+              <p:nvPr>
+                <p:ph idx="1"/>
+              </p:nvPr>
+            </p:nvSpPr>
+            <p:spPr>
+              <a:blipFill>
+                <a:blip r:embed="rId2"/>
+                <a:stretch>
+                  <a:fillRect l="-815" t="-2291"/>
+                </a:stretch>
+              </a:blipFill>
+            </p:spPr>
+            <p:txBody>
+              <a:bodyPr/>
+              <a:lstStyle/>
+              <a:p>
+                <a:r>
+                  <a:rPr lang="en-US">
+                    <a:noFill/>
+                  </a:rPr>
+                  <a:t> </a:t>
+                </a:r>
+              </a:p>
+            </p:txBody>
+          </p:sp>
+        </mc:Fallback>
+      </mc:AlternateContent>
+    </p:spTree>
+    <p:extLst>
+      <p:ext uri="{BB962C8B-B14F-4D97-AF65-F5344CB8AC3E}">
+        <p14:creationId xmlns:p14="http://schemas.microsoft.com/office/powerpoint/2010/main" val="877781543"/>
       </p:ext>
     </p:extLst>
   </p:cSld>
@@ -4283,55 +8179,6 @@
                       </p:childTnLst>
                     </p:cTn>
                   </p:par>
-                  <p:par>
-                    <p:cTn id="23" fill="hold">
-                      <p:stCondLst>
-                        <p:cond delay="indefinite"/>
-                      </p:stCondLst>
-                      <p:childTnLst>
-                        <p:par>
-                          <p:cTn id="24" fill="hold">
-                            <p:stCondLst>
-                              <p:cond delay="0"/>
-                            </p:stCondLst>
-                            <p:childTnLst>
-                              <p:par>
-                                <p:cTn id="25" presetID="1" presetClass="entr" presetSubtype="0" fill="hold" grpId="0" nodeType="clickEffect">
-                                  <p:stCondLst>
-                                    <p:cond delay="0"/>
-                                  </p:stCondLst>
-                                  <p:childTnLst>
-                                    <p:set>
-                                      <p:cBhvr>
-                                        <p:cTn id="26" dur="1" fill="hold">
-                                          <p:stCondLst>
-                                            <p:cond delay="0"/>
-                                          </p:stCondLst>
-                                        </p:cTn>
-                                        <p:tgtEl>
-                                          <p:spTgt spid="3">
-                                            <p:txEl>
-                                              <p:pRg st="5" end="5"/>
-                                            </p:txEl>
-                                          </p:spTgt>
-                                        </p:tgtEl>
-                                        <p:attrNameLst>
-                                          <p:attrName>style.visibility</p:attrName>
-                                        </p:attrNameLst>
-                                      </p:cBhvr>
-                                      <p:to>
-                                        <p:strVal val="visible"/>
-                                      </p:to>
-                                    </p:set>
-                                  </p:childTnLst>
-                                </p:cTn>
-                              </p:par>
-                            </p:childTnLst>
-                          </p:cTn>
-                        </p:par>
-                      </p:childTnLst>
-                    </p:cTn>
-                  </p:par>
                 </p:childTnLst>
               </p:cTn>
               <p:prevCondLst>
@@ -4360,7 +8207,7 @@
 </p:sld>
 </file>
 
-<file path=ppt/slides/slide3.xml><?xml version="1.0" encoding="utf-8"?>
+<file path=ppt/slides/slide7.xml><?xml version="1.0" encoding="utf-8"?>
 <p:sld xmlns:a="http://schemas.openxmlformats.org/drawingml/2006/main" xmlns:r="http://schemas.openxmlformats.org/officeDocument/2006/relationships" xmlns:p="http://schemas.openxmlformats.org/presentationml/2006/main">
   <p:cSld>
     <p:spTree>
@@ -4382,7 +8229,7 @@
           <p:cNvPr id="2" name="Title 1">
             <a:extLst>
               <a:ext uri="{FF2B5EF4-FFF2-40B4-BE49-F238E27FC236}">
-                <a16:creationId xmlns:a16="http://schemas.microsoft.com/office/drawing/2014/main" id="{560E3DDD-F3EE-48A3-9DC0-B786CD622315}"/>
+                <a16:creationId xmlns:a16="http://schemas.microsoft.com/office/drawing/2014/main" id="{980521E5-81D0-4251-89EA-A7BD7BDB0BA9}"/>
               </a:ext>
             </a:extLst>
           </p:cNvPr>
@@ -4395,26 +8242,24 @@
         </p:nvSpPr>
         <p:spPr/>
         <p:txBody>
-          <a:bodyPr>
-            <a:normAutofit fontScale="90000"/>
-          </a:bodyPr>
+          <a:bodyPr/>
           <a:lstStyle/>
           <a:p>
             <a:r>
               <a:rPr lang="en-US" dirty="0"/>
-              <a:t>Fixed Axis Rotation and the Mass Moment of Inertia</a:t>
+              <a:t>Gear Ratio</a:t>
             </a:r>
           </a:p>
         </p:txBody>
       </p:sp>
-      <mc:AlternateContent xmlns:mc="http://schemas.openxmlformats.org/markup-compatibility/2006">
-        <mc:Choice xmlns:a14="http://schemas.microsoft.com/office/drawing/2010/main" Requires="a14">
+      <mc:AlternateContent xmlns:mc="http://schemas.openxmlformats.org/markup-compatibility/2006" xmlns:a14="http://schemas.microsoft.com/office/drawing/2010/main">
+        <mc:Choice Requires="a14">
           <p:sp>
             <p:nvSpPr>
               <p:cNvPr id="3" name="Content Placeholder 2">
                 <a:extLst>
                   <a:ext uri="{FF2B5EF4-FFF2-40B4-BE49-F238E27FC236}">
-                    <a16:creationId xmlns:a16="http://schemas.microsoft.com/office/drawing/2014/main" id="{8B90CC87-1C81-4600-B095-F211CF6AEA67}"/>
+                    <a16:creationId xmlns:a16="http://schemas.microsoft.com/office/drawing/2014/main" id="{87937CE0-2D92-4C48-9497-D4E840AD3CCC}"/>
                   </a:ext>
                 </a:extLst>
               </p:cNvPr>
@@ -4427,100 +8272,232 @@
             </p:nvSpPr>
             <p:spPr>
               <a:xfrm>
-                <a:off x="457200" y="1600199"/>
-                <a:ext cx="8229600" cy="2782419"/>
+                <a:off x="457200" y="1600200"/>
+                <a:ext cx="8229600" cy="3048000"/>
               </a:xfrm>
             </p:spPr>
             <p:txBody>
               <a:bodyPr>
-                <a:normAutofit fontScale="77500" lnSpcReduction="20000"/>
+                <a:normAutofit fontScale="62500" lnSpcReduction="20000"/>
               </a:bodyPr>
               <a:lstStyle/>
               <a:p>
                 <a:r>
                   <a:rPr lang="en-US" dirty="0"/>
-                  <a:t>Despite its simplicity, fixed axis rotation very common in engineered systems.</a:t>
+                  <a:t>Beyond a simple one-input-one-output gear system, the gear ratio can also be used to simplify across a compound set of gears or pulleys.</a:t>
                 </a:r>
               </a:p>
               <a:p>
                 <a:r>
                   <a:rPr lang="en-US" dirty="0"/>
-                  <a:t>Within the moment equation (</a:t>
+                  <a:t>In this case the radius (or tooth) relationship is the product of all individual interactions created via a belt or meshing teeth. </a:t>
                 </a:r>
+              </a:p>
+              <a:p>
+                <a:pPr marL="0" indent="0">
+                  <a:buNone/>
+                </a:pPr>
                 <a14:m>
-                  <m:oMath xmlns:m="http://schemas.openxmlformats.org/officeDocument/2006/math">
-                    <m:acc>
-                      <m:accPr>
-                        <m:chr m:val="⃑"/>
-                        <m:ctrlPr>
-                          <a:rPr lang="en-US" i="1">
-                            <a:latin typeface="Cambria Math" panose="02040503050406030204" pitchFamily="18" charset="0"/>
-                          </a:rPr>
-                        </m:ctrlPr>
-                      </m:accPr>
-                      <m:e>
-                        <m:r>
-                          <a:rPr lang="en-US" i="1">
-                            <a:latin typeface="Cambria Math" panose="02040503050406030204" pitchFamily="18" charset="0"/>
-                          </a:rPr>
-                          <m:t>𝑀</m:t>
-                        </m:r>
-                      </m:e>
-                    </m:acc>
-                    <m:r>
-                      <a:rPr lang="en-US" i="1">
-                        <a:latin typeface="Cambria Math"/>
-                      </a:rPr>
-                      <m:t>=</m:t>
-                    </m:r>
-                    <m:r>
-                      <a:rPr lang="en-US" i="1">
-                        <a:latin typeface="Cambria Math" panose="02040503050406030204" pitchFamily="18" charset="0"/>
-                      </a:rPr>
-                      <m:t>𝐼</m:t>
-                    </m:r>
-                    <m:acc>
-                      <m:accPr>
-                        <m:chr m:val="⃑"/>
-                        <m:ctrlPr>
-                          <a:rPr lang="en-US" i="1">
-                            <a:latin typeface="Cambria Math" panose="02040503050406030204" pitchFamily="18" charset="0"/>
-                          </a:rPr>
-                        </m:ctrlPr>
-                      </m:accPr>
-                      <m:e>
-                        <m:r>
-                          <a:rPr lang="en-US" i="1">
-                            <a:latin typeface="Cambria Math" panose="02040503050406030204" pitchFamily="18" charset="0"/>
-                            <a:ea typeface="Cambria Math" panose="02040503050406030204" pitchFamily="18" charset="0"/>
-                          </a:rPr>
-                          <m:t>𝛼</m:t>
-                        </m:r>
-                      </m:e>
-                    </m:acc>
-                  </m:oMath>
+                  <m:oMathPara xmlns:m="http://schemas.openxmlformats.org/officeDocument/2006/math">
+                    <m:oMathParaPr>
+                      <m:jc m:val="centerGroup"/>
+                    </m:oMathParaPr>
+                    <m:oMath xmlns:m="http://schemas.openxmlformats.org/officeDocument/2006/math">
+                      <m:r>
+                        <a:rPr lang="en-US" i="1">
+                          <a:latin typeface="Cambria Math" panose="02040503050406030204" pitchFamily="18" charset="0"/>
+                        </a:rPr>
+                        <m:t>𝐺𝑅</m:t>
+                      </m:r>
+                      <m:r>
+                        <a:rPr lang="en-US" i="1">
+                          <a:latin typeface="Cambria Math" panose="02040503050406030204" pitchFamily="18" charset="0"/>
+                        </a:rPr>
+                        <m:t>=</m:t>
+                      </m:r>
+                      <m:d>
+                        <m:dPr>
+                          <m:ctrlPr>
+                            <a:rPr lang="en-US" i="1" smtClean="0">
+                              <a:latin typeface="Cambria Math" panose="02040503050406030204" pitchFamily="18" charset="0"/>
+                            </a:rPr>
+                          </m:ctrlPr>
+                        </m:dPr>
+                        <m:e>
+                          <m:f>
+                            <m:fPr>
+                              <m:ctrlPr>
+                                <a:rPr lang="en-US" i="1">
+                                  <a:latin typeface="Cambria Math" panose="02040503050406030204" pitchFamily="18" charset="0"/>
+                                </a:rPr>
+                              </m:ctrlPr>
+                            </m:fPr>
+                            <m:num>
+                              <m:sSub>
+                                <m:sSubPr>
+                                  <m:ctrlPr>
+                                    <a:rPr lang="en-US" i="1">
+                                      <a:latin typeface="Cambria Math" panose="02040503050406030204" pitchFamily="18" charset="0"/>
+                                    </a:rPr>
+                                  </m:ctrlPr>
+                                </m:sSubPr>
+                                <m:e>
+                                  <m:r>
+                                    <a:rPr lang="en-US" i="1">
+                                      <a:latin typeface="Cambria Math" panose="02040503050406030204" pitchFamily="18" charset="0"/>
+                                    </a:rPr>
+                                    <m:t>𝑟</m:t>
+                                  </m:r>
+                                </m:e>
+                                <m:sub>
+                                  <m:r>
+                                    <a:rPr lang="en-US" b="0" i="1" smtClean="0">
+                                      <a:latin typeface="Cambria Math" panose="02040503050406030204" pitchFamily="18" charset="0"/>
+                                    </a:rPr>
+                                    <m:t>𝐵</m:t>
+                                  </m:r>
+                                </m:sub>
+                              </m:sSub>
+                            </m:num>
+                            <m:den>
+                              <m:sSub>
+                                <m:sSubPr>
+                                  <m:ctrlPr>
+                                    <a:rPr lang="en-US" i="1">
+                                      <a:latin typeface="Cambria Math" panose="02040503050406030204" pitchFamily="18" charset="0"/>
+                                    </a:rPr>
+                                  </m:ctrlPr>
+                                </m:sSubPr>
+                                <m:e>
+                                  <m:r>
+                                    <a:rPr lang="en-US" i="1">
+                                      <a:latin typeface="Cambria Math" panose="02040503050406030204" pitchFamily="18" charset="0"/>
+                                    </a:rPr>
+                                    <m:t>𝑟</m:t>
+                                  </m:r>
+                                </m:e>
+                                <m:sub>
+                                  <m:r>
+                                    <a:rPr lang="en-US" b="0" i="1" smtClean="0">
+                                      <a:latin typeface="Cambria Math" panose="02040503050406030204" pitchFamily="18" charset="0"/>
+                                    </a:rPr>
+                                    <m:t>𝐴</m:t>
+                                  </m:r>
+                                </m:sub>
+                              </m:sSub>
+                            </m:den>
+                          </m:f>
+                        </m:e>
+                      </m:d>
+                      <m:d>
+                        <m:dPr>
+                          <m:ctrlPr>
+                            <a:rPr lang="en-US" i="1">
+                              <a:latin typeface="Cambria Math" panose="02040503050406030204" pitchFamily="18" charset="0"/>
+                            </a:rPr>
+                          </m:ctrlPr>
+                        </m:dPr>
+                        <m:e>
+                          <m:f>
+                            <m:fPr>
+                              <m:ctrlPr>
+                                <a:rPr lang="en-US" i="1">
+                                  <a:latin typeface="Cambria Math" panose="02040503050406030204" pitchFamily="18" charset="0"/>
+                                </a:rPr>
+                              </m:ctrlPr>
+                            </m:fPr>
+                            <m:num>
+                              <m:sSub>
+                                <m:sSubPr>
+                                  <m:ctrlPr>
+                                    <a:rPr lang="en-US" i="1">
+                                      <a:latin typeface="Cambria Math" panose="02040503050406030204" pitchFamily="18" charset="0"/>
+                                    </a:rPr>
+                                  </m:ctrlPr>
+                                </m:sSubPr>
+                                <m:e>
+                                  <m:r>
+                                    <a:rPr lang="en-US" i="1">
+                                      <a:latin typeface="Cambria Math" panose="02040503050406030204" pitchFamily="18" charset="0"/>
+                                    </a:rPr>
+                                    <m:t>𝑟</m:t>
+                                  </m:r>
+                                </m:e>
+                                <m:sub>
+                                  <m:r>
+                                    <a:rPr lang="en-US" b="0" i="1" smtClean="0">
+                                      <a:latin typeface="Cambria Math" panose="02040503050406030204" pitchFamily="18" charset="0"/>
+                                    </a:rPr>
+                                    <m:t>𝐷</m:t>
+                                  </m:r>
+                                </m:sub>
+                              </m:sSub>
+                            </m:num>
+                            <m:den>
+                              <m:sSub>
+                                <m:sSubPr>
+                                  <m:ctrlPr>
+                                    <a:rPr lang="en-US" i="1">
+                                      <a:latin typeface="Cambria Math" panose="02040503050406030204" pitchFamily="18" charset="0"/>
+                                    </a:rPr>
+                                  </m:ctrlPr>
+                                </m:sSubPr>
+                                <m:e>
+                                  <m:r>
+                                    <a:rPr lang="en-US" i="1">
+                                      <a:latin typeface="Cambria Math" panose="02040503050406030204" pitchFamily="18" charset="0"/>
+                                    </a:rPr>
+                                    <m:t>𝑟</m:t>
+                                  </m:r>
+                                </m:e>
+                                <m:sub>
+                                  <m:r>
+                                    <a:rPr lang="en-US" b="0" i="1" smtClean="0">
+                                      <a:latin typeface="Cambria Math" panose="02040503050406030204" pitchFamily="18" charset="0"/>
+                                    </a:rPr>
+                                    <m:t>𝐶</m:t>
+                                  </m:r>
+                                </m:sub>
+                              </m:sSub>
+                            </m:den>
+                          </m:f>
+                        </m:e>
+                      </m:d>
+                    </m:oMath>
+                  </m:oMathPara>
                 </a14:m>
+                <a:endParaRPr lang="en-US" dirty="0"/>
+              </a:p>
+              <a:p>
                 <a:r>
                   <a:rPr lang="en-US" dirty="0"/>
-                  <a:t>) the new term is the mass moment of inertia, where the mass moment of inertia represents an objects resistance to rotation about a given axis.</a:t>
+                  <a:t>The gear ratio can then be used as normal to relate angular velocities, angular accelerations, and angular displacements</a:t>
                 </a:r>
               </a:p>
               <a:p>
                 <a:r>
                   <a:rPr lang="en-US" dirty="0"/>
-                  <a:t>Details on how to calculate the mass moment of inertia are in Appendix 2</a:t>
+                  <a:t>Gear ratios also generally </a:t>
+                </a:r>
+                <a:r>
+                  <a:rPr lang="en-US" u="sng" dirty="0"/>
+                  <a:t>do not include a direction of rotation</a:t>
+                </a:r>
+                <a:r>
+                  <a:rPr lang="en-US" dirty="0"/>
+                  <a:t>, so you will need to figure that out on your own.</a:t>
                 </a:r>
               </a:p>
             </p:txBody>
           </p:sp>
         </mc:Choice>
-        <mc:Fallback>
+        <mc:Fallback xmlns="">
           <p:sp>
             <p:nvSpPr>
               <p:cNvPr id="3" name="Content Placeholder 2">
                 <a:extLst>
                   <a:ext uri="{FF2B5EF4-FFF2-40B4-BE49-F238E27FC236}">
-                    <a16:creationId xmlns:a16="http://schemas.microsoft.com/office/drawing/2014/main" id="{8B90CC87-1C81-4600-B095-F211CF6AEA67}"/>
+                    <a16:creationId xmlns:a16="http://schemas.microsoft.com/office/drawing/2014/main" id="{87937CE0-2D92-4C48-9497-D4E840AD3CCC}"/>
                   </a:ext>
                 </a:extLst>
               </p:cNvPr>
@@ -4533,13 +8510,13 @@
             </p:nvSpPr>
             <p:spPr>
               <a:xfrm>
-                <a:off x="457200" y="1600199"/>
-                <a:ext cx="8229600" cy="2782419"/>
+                <a:off x="457200" y="1600200"/>
+                <a:ext cx="8229600" cy="3048000"/>
               </a:xfrm>
               <a:blipFill>
                 <a:blip r:embed="rId2"/>
                 <a:stretch>
-                  <a:fillRect l="-1037" t="-3939" r="-1926" b="-3501"/>
+                  <a:fillRect l="-667" t="-3000" r="-1259"/>
                 </a:stretch>
               </a:blipFill>
             </p:spPr>
@@ -4560,10 +8537,10 @@
       </mc:AlternateContent>
       <p:pic>
         <p:nvPicPr>
-          <p:cNvPr id="1026" name="Picture 2" descr="A pitching machine">
+          <p:cNvPr id="4098" name="Picture 2" descr="A series of belts and pulleys. Pulleys A and B are connected via a belt, then B and C are on the same shaft, then C and D are connected via pulleys.">
             <a:extLst>
               <a:ext uri="{FF2B5EF4-FFF2-40B4-BE49-F238E27FC236}">
-                <a16:creationId xmlns:a16="http://schemas.microsoft.com/office/drawing/2014/main" id="{61DA4B69-2555-47EF-B41F-290C551A40E9}"/>
+                <a16:creationId xmlns:a16="http://schemas.microsoft.com/office/drawing/2014/main" id="{73928173-B51B-4737-9676-CDCB422DEF04}"/>
               </a:ext>
             </a:extLst>
           </p:cNvPr>
@@ -4587,100 +8564,8 @@
         </p:blipFill>
         <p:spPr bwMode="auto">
           <a:xfrm>
-            <a:off x="304800" y="4695825"/>
-            <a:ext cx="2842676" cy="1887537"/>
-          </a:xfrm>
-          <a:prstGeom prst="rect">
-            <a:avLst/>
-          </a:prstGeom>
-          <a:noFill/>
-          <a:extLst>
-            <a:ext uri="{909E8E84-426E-40DD-AFC4-6F175D3DCCD1}">
-              <a14:hiddenFill xmlns:a14="http://schemas.microsoft.com/office/drawing/2010/main">
-                <a:solidFill>
-                  <a:srgbClr val="FFFFFF"/>
-                </a:solidFill>
-              </a14:hiddenFill>
-            </a:ext>
-          </a:extLst>
-        </p:spPr>
-      </p:pic>
-      <p:pic>
-        <p:nvPicPr>
-          <p:cNvPr id="5" name="Picture 4" descr="computer writing technology equipment memory product flash electronics digital memories usb connection accessory portable open hard drive data transfer storage hardware tray and visible playhead external hard drive external hard disk drive hard disk drive electronic device data storage device">
-            <a:extLst>
-              <a:ext uri="{FF2B5EF4-FFF2-40B4-BE49-F238E27FC236}">
-                <a16:creationId xmlns:a16="http://schemas.microsoft.com/office/drawing/2014/main" id="{A3FE679E-9C90-42AE-B534-A9210A88D09D}"/>
-              </a:ext>
-            </a:extLst>
-          </p:cNvPr>
-          <p:cNvPicPr>
-            <a:picLocks noChangeAspect="1" noChangeArrowheads="1"/>
-          </p:cNvPicPr>
-          <p:nvPr/>
-        </p:nvPicPr>
-        <p:blipFill>
-          <a:blip r:embed="rId4" cstate="print">
-            <a:extLst>
-              <a:ext uri="{28A0092B-C50C-407E-A947-70E740481C1C}">
-                <a14:useLocalDpi xmlns:a14="http://schemas.microsoft.com/office/drawing/2010/main" val="0"/>
-              </a:ext>
-            </a:extLst>
-          </a:blip>
-          <a:srcRect/>
-          <a:stretch>
-            <a:fillRect/>
-          </a:stretch>
-        </p:blipFill>
-        <p:spPr bwMode="auto">
-          <a:xfrm>
-            <a:off x="3185576" y="4382619"/>
-            <a:ext cx="2842677" cy="2475381"/>
-          </a:xfrm>
-          <a:prstGeom prst="rect">
-            <a:avLst/>
-          </a:prstGeom>
-          <a:noFill/>
-          <a:extLst>
-            <a:ext uri="{909E8E84-426E-40DD-AFC4-6F175D3DCCD1}">
-              <a14:hiddenFill xmlns:a14="http://schemas.microsoft.com/office/drawing/2010/main">
-                <a:solidFill>
-                  <a:srgbClr val="FFFFFF"/>
-                </a:solidFill>
-              </a14:hiddenFill>
-            </a:ext>
-          </a:extLst>
-        </p:spPr>
-      </p:pic>
-      <p:pic>
-        <p:nvPicPr>
-          <p:cNvPr id="6" name="Picture 2" descr="washing machine clothes dryer major appliance home appliances">
-            <a:extLst>
-              <a:ext uri="{FF2B5EF4-FFF2-40B4-BE49-F238E27FC236}">
-                <a16:creationId xmlns:a16="http://schemas.microsoft.com/office/drawing/2014/main" id="{3E4962FF-7DC4-47C3-98AD-7177324C357B}"/>
-              </a:ext>
-            </a:extLst>
-          </p:cNvPr>
-          <p:cNvPicPr>
-            <a:picLocks noChangeAspect="1" noChangeArrowheads="1"/>
-          </p:cNvPicPr>
-          <p:nvPr/>
-        </p:nvPicPr>
-        <p:blipFill rotWithShape="1">
-          <a:blip r:embed="rId5" cstate="print">
-            <a:extLst>
-              <a:ext uri="{28A0092B-C50C-407E-A947-70E740481C1C}">
-                <a14:useLocalDpi xmlns:a14="http://schemas.microsoft.com/office/drawing/2010/main" val="0"/>
-              </a:ext>
-            </a:extLst>
-          </a:blip>
-          <a:srcRect l="4075" t="8888" b="22223"/>
-          <a:stretch/>
-        </p:blipFill>
-        <p:spPr bwMode="auto">
-          <a:xfrm>
-            <a:off x="6353175" y="4267200"/>
-            <a:ext cx="2505075" cy="2398682"/>
+            <a:off x="2152650" y="4419600"/>
+            <a:ext cx="4838700" cy="2332253"/>
           </a:xfrm>
           <a:prstGeom prst="rect">
             <a:avLst/>
@@ -4700,2709 +8585,7 @@
     </p:spTree>
     <p:extLst>
       <p:ext uri="{BB962C8B-B14F-4D97-AF65-F5344CB8AC3E}">
-        <p14:creationId xmlns:p14="http://schemas.microsoft.com/office/powerpoint/2010/main" val="1932397424"/>
-      </p:ext>
-    </p:extLst>
-  </p:cSld>
-  <p:clrMapOvr>
-    <a:masterClrMapping/>
-  </p:clrMapOvr>
-  <p:timing>
-    <p:tnLst>
-      <p:par>
-        <p:cTn id="1" dur="indefinite" restart="never" nodeType="tmRoot">
-          <p:childTnLst>
-            <p:seq concurrent="1" nextAc="seek">
-              <p:cTn id="2" dur="indefinite" nodeType="mainSeq">
-                <p:childTnLst>
-                  <p:par>
-                    <p:cTn id="3" fill="hold">
-                      <p:stCondLst>
-                        <p:cond delay="indefinite"/>
-                      </p:stCondLst>
-                      <p:childTnLst>
-                        <p:par>
-                          <p:cTn id="4" fill="hold">
-                            <p:stCondLst>
-                              <p:cond delay="0"/>
-                            </p:stCondLst>
-                            <p:childTnLst>
-                              <p:par>
-                                <p:cTn id="5" presetID="1" presetClass="entr" presetSubtype="0" fill="hold" grpId="0" nodeType="clickEffect">
-                                  <p:stCondLst>
-                                    <p:cond delay="0"/>
-                                  </p:stCondLst>
-                                  <p:childTnLst>
-                                    <p:set>
-                                      <p:cBhvr>
-                                        <p:cTn id="6" dur="1" fill="hold">
-                                          <p:stCondLst>
-                                            <p:cond delay="0"/>
-                                          </p:stCondLst>
-                                        </p:cTn>
-                                        <p:tgtEl>
-                                          <p:spTgt spid="3">
-                                            <p:txEl>
-                                              <p:pRg st="0" end="0"/>
-                                            </p:txEl>
-                                          </p:spTgt>
-                                        </p:tgtEl>
-                                        <p:attrNameLst>
-                                          <p:attrName>style.visibility</p:attrName>
-                                        </p:attrNameLst>
-                                      </p:cBhvr>
-                                      <p:to>
-                                        <p:strVal val="visible"/>
-                                      </p:to>
-                                    </p:set>
-                                  </p:childTnLst>
-                                </p:cTn>
-                              </p:par>
-                            </p:childTnLst>
-                          </p:cTn>
-                        </p:par>
-                      </p:childTnLst>
-                    </p:cTn>
-                  </p:par>
-                  <p:par>
-                    <p:cTn id="7" fill="hold">
-                      <p:stCondLst>
-                        <p:cond delay="indefinite"/>
-                      </p:stCondLst>
-                      <p:childTnLst>
-                        <p:par>
-                          <p:cTn id="8" fill="hold">
-                            <p:stCondLst>
-                              <p:cond delay="0"/>
-                            </p:stCondLst>
-                            <p:childTnLst>
-                              <p:par>
-                                <p:cTn id="9" presetID="10" presetClass="entr" presetSubtype="0" fill="hold" nodeType="clickEffect">
-                                  <p:stCondLst>
-                                    <p:cond delay="0"/>
-                                  </p:stCondLst>
-                                  <p:childTnLst>
-                                    <p:set>
-                                      <p:cBhvr>
-                                        <p:cTn id="10" dur="1" fill="hold">
-                                          <p:stCondLst>
-                                            <p:cond delay="0"/>
-                                          </p:stCondLst>
-                                        </p:cTn>
-                                        <p:tgtEl>
-                                          <p:spTgt spid="1026"/>
-                                        </p:tgtEl>
-                                        <p:attrNameLst>
-                                          <p:attrName>style.visibility</p:attrName>
-                                        </p:attrNameLst>
-                                      </p:cBhvr>
-                                      <p:to>
-                                        <p:strVal val="visible"/>
-                                      </p:to>
-                                    </p:set>
-                                    <p:animEffect transition="in" filter="fade">
-                                      <p:cBhvr>
-                                        <p:cTn id="11" dur="500"/>
-                                        <p:tgtEl>
-                                          <p:spTgt spid="1026"/>
-                                        </p:tgtEl>
-                                      </p:cBhvr>
-                                    </p:animEffect>
-                                  </p:childTnLst>
-                                </p:cTn>
-                              </p:par>
-                            </p:childTnLst>
-                          </p:cTn>
-                        </p:par>
-                      </p:childTnLst>
-                    </p:cTn>
-                  </p:par>
-                  <p:par>
-                    <p:cTn id="12" fill="hold">
-                      <p:stCondLst>
-                        <p:cond delay="indefinite"/>
-                      </p:stCondLst>
-                      <p:childTnLst>
-                        <p:par>
-                          <p:cTn id="13" fill="hold">
-                            <p:stCondLst>
-                              <p:cond delay="0"/>
-                            </p:stCondLst>
-                            <p:childTnLst>
-                              <p:par>
-                                <p:cTn id="14" presetID="10" presetClass="entr" presetSubtype="0" fill="hold" nodeType="clickEffect">
-                                  <p:stCondLst>
-                                    <p:cond delay="0"/>
-                                  </p:stCondLst>
-                                  <p:childTnLst>
-                                    <p:set>
-                                      <p:cBhvr>
-                                        <p:cTn id="15" dur="1" fill="hold">
-                                          <p:stCondLst>
-                                            <p:cond delay="0"/>
-                                          </p:stCondLst>
-                                        </p:cTn>
-                                        <p:tgtEl>
-                                          <p:spTgt spid="5"/>
-                                        </p:tgtEl>
-                                        <p:attrNameLst>
-                                          <p:attrName>style.visibility</p:attrName>
-                                        </p:attrNameLst>
-                                      </p:cBhvr>
-                                      <p:to>
-                                        <p:strVal val="visible"/>
-                                      </p:to>
-                                    </p:set>
-                                    <p:animEffect transition="in" filter="fade">
-                                      <p:cBhvr>
-                                        <p:cTn id="16" dur="500"/>
-                                        <p:tgtEl>
-                                          <p:spTgt spid="5"/>
-                                        </p:tgtEl>
-                                      </p:cBhvr>
-                                    </p:animEffect>
-                                  </p:childTnLst>
-                                </p:cTn>
-                              </p:par>
-                            </p:childTnLst>
-                          </p:cTn>
-                        </p:par>
-                      </p:childTnLst>
-                    </p:cTn>
-                  </p:par>
-                  <p:par>
-                    <p:cTn id="17" fill="hold">
-                      <p:stCondLst>
-                        <p:cond delay="indefinite"/>
-                      </p:stCondLst>
-                      <p:childTnLst>
-                        <p:par>
-                          <p:cTn id="18" fill="hold">
-                            <p:stCondLst>
-                              <p:cond delay="0"/>
-                            </p:stCondLst>
-                            <p:childTnLst>
-                              <p:par>
-                                <p:cTn id="19" presetID="10" presetClass="entr" presetSubtype="0" fill="hold" nodeType="clickEffect">
-                                  <p:stCondLst>
-                                    <p:cond delay="0"/>
-                                  </p:stCondLst>
-                                  <p:childTnLst>
-                                    <p:set>
-                                      <p:cBhvr>
-                                        <p:cTn id="20" dur="1" fill="hold">
-                                          <p:stCondLst>
-                                            <p:cond delay="0"/>
-                                          </p:stCondLst>
-                                        </p:cTn>
-                                        <p:tgtEl>
-                                          <p:spTgt spid="6"/>
-                                        </p:tgtEl>
-                                        <p:attrNameLst>
-                                          <p:attrName>style.visibility</p:attrName>
-                                        </p:attrNameLst>
-                                      </p:cBhvr>
-                                      <p:to>
-                                        <p:strVal val="visible"/>
-                                      </p:to>
-                                    </p:set>
-                                    <p:animEffect transition="in" filter="fade">
-                                      <p:cBhvr>
-                                        <p:cTn id="21" dur="500"/>
-                                        <p:tgtEl>
-                                          <p:spTgt spid="6"/>
-                                        </p:tgtEl>
-                                      </p:cBhvr>
-                                    </p:animEffect>
-                                  </p:childTnLst>
-                                </p:cTn>
-                              </p:par>
-                            </p:childTnLst>
-                          </p:cTn>
-                        </p:par>
-                      </p:childTnLst>
-                    </p:cTn>
-                  </p:par>
-                  <p:par>
-                    <p:cTn id="22" fill="hold">
-                      <p:stCondLst>
-                        <p:cond delay="indefinite"/>
-                      </p:stCondLst>
-                      <p:childTnLst>
-                        <p:par>
-                          <p:cTn id="23" fill="hold">
-                            <p:stCondLst>
-                              <p:cond delay="0"/>
-                            </p:stCondLst>
-                            <p:childTnLst>
-                              <p:par>
-                                <p:cTn id="24" presetID="1" presetClass="entr" presetSubtype="0" fill="hold" grpId="0" nodeType="clickEffect">
-                                  <p:stCondLst>
-                                    <p:cond delay="0"/>
-                                  </p:stCondLst>
-                                  <p:childTnLst>
-                                    <p:set>
-                                      <p:cBhvr>
-                                        <p:cTn id="25" dur="1" fill="hold">
-                                          <p:stCondLst>
-                                            <p:cond delay="0"/>
-                                          </p:stCondLst>
-                                        </p:cTn>
-                                        <p:tgtEl>
-                                          <p:spTgt spid="3">
-                                            <p:txEl>
-                                              <p:pRg st="1" end="1"/>
-                                            </p:txEl>
-                                          </p:spTgt>
-                                        </p:tgtEl>
-                                        <p:attrNameLst>
-                                          <p:attrName>style.visibility</p:attrName>
-                                        </p:attrNameLst>
-                                      </p:cBhvr>
-                                      <p:to>
-                                        <p:strVal val="visible"/>
-                                      </p:to>
-                                    </p:set>
-                                  </p:childTnLst>
-                                </p:cTn>
-                              </p:par>
-                            </p:childTnLst>
-                          </p:cTn>
-                        </p:par>
-                      </p:childTnLst>
-                    </p:cTn>
-                  </p:par>
-                  <p:par>
-                    <p:cTn id="26" fill="hold">
-                      <p:stCondLst>
-                        <p:cond delay="indefinite"/>
-                      </p:stCondLst>
-                      <p:childTnLst>
-                        <p:par>
-                          <p:cTn id="27" fill="hold">
-                            <p:stCondLst>
-                              <p:cond delay="0"/>
-                            </p:stCondLst>
-                            <p:childTnLst>
-                              <p:par>
-                                <p:cTn id="28" presetID="1" presetClass="entr" presetSubtype="0" fill="hold" grpId="0" nodeType="clickEffect">
-                                  <p:stCondLst>
-                                    <p:cond delay="0"/>
-                                  </p:stCondLst>
-                                  <p:childTnLst>
-                                    <p:set>
-                                      <p:cBhvr>
-                                        <p:cTn id="29" dur="1" fill="hold">
-                                          <p:stCondLst>
-                                            <p:cond delay="0"/>
-                                          </p:stCondLst>
-                                        </p:cTn>
-                                        <p:tgtEl>
-                                          <p:spTgt spid="3">
-                                            <p:txEl>
-                                              <p:pRg st="2" end="2"/>
-                                            </p:txEl>
-                                          </p:spTgt>
-                                        </p:tgtEl>
-                                        <p:attrNameLst>
-                                          <p:attrName>style.visibility</p:attrName>
-                                        </p:attrNameLst>
-                                      </p:cBhvr>
-                                      <p:to>
-                                        <p:strVal val="visible"/>
-                                      </p:to>
-                                    </p:set>
-                                  </p:childTnLst>
-                                </p:cTn>
-                              </p:par>
-                            </p:childTnLst>
-                          </p:cTn>
-                        </p:par>
-                      </p:childTnLst>
-                    </p:cTn>
-                  </p:par>
-                </p:childTnLst>
-              </p:cTn>
-              <p:prevCondLst>
-                <p:cond evt="onPrev" delay="0">
-                  <p:tgtEl>
-                    <p:sldTgt/>
-                  </p:tgtEl>
-                </p:cond>
-              </p:prevCondLst>
-              <p:nextCondLst>
-                <p:cond evt="onNext" delay="0">
-                  <p:tgtEl>
-                    <p:sldTgt/>
-                  </p:tgtEl>
-                </p:cond>
-              </p:nextCondLst>
-            </p:seq>
-          </p:childTnLst>
-        </p:cTn>
-      </p:par>
-    </p:tnLst>
-    <p:bldLst>
-      <p:bldP spid="3" grpId="0" uiExpand="1" build="p"/>
-    </p:bldLst>
-  </p:timing>
-</p:sld>
-</file>
-
-<file path=ppt/slides/slide4.xml><?xml version="1.0" encoding="utf-8"?>
-<p:sld xmlns:a="http://schemas.openxmlformats.org/drawingml/2006/main" xmlns:r="http://schemas.openxmlformats.org/officeDocument/2006/relationships" xmlns:p="http://schemas.openxmlformats.org/presentationml/2006/main">
-  <p:cSld>
-    <p:spTree>
-      <p:nvGrpSpPr>
-        <p:cNvPr id="1" name=""/>
-        <p:cNvGrpSpPr/>
-        <p:nvPr/>
-      </p:nvGrpSpPr>
-      <p:grpSpPr>
-        <a:xfrm>
-          <a:off x="0" y="0"/>
-          <a:ext cx="0" cy="0"/>
-          <a:chOff x="0" y="0"/>
-          <a:chExt cx="0" cy="0"/>
-        </a:xfrm>
-      </p:grpSpPr>
-      <p:sp>
-        <p:nvSpPr>
-          <p:cNvPr id="2" name="Title 1"/>
-          <p:cNvSpPr>
-            <a:spLocks noGrp="1"/>
-          </p:cNvSpPr>
-          <p:nvPr>
-            <p:ph type="title"/>
-          </p:nvPr>
-        </p:nvSpPr>
-        <p:spPr/>
-        <p:txBody>
-          <a:bodyPr>
-            <a:normAutofit fontScale="90000"/>
-          </a:bodyPr>
-          <a:lstStyle/>
-          <a:p>
-            <a:r>
-              <a:rPr lang="en-US" dirty="0"/>
-              <a:t>Balanced Fixed Axis Rotation Systems</a:t>
-            </a:r>
-          </a:p>
-        </p:txBody>
-      </p:sp>
-      <mc:AlternateContent xmlns:mc="http://schemas.openxmlformats.org/markup-compatibility/2006">
-        <mc:Choice xmlns:a14="http://schemas.microsoft.com/office/drawing/2010/main" Requires="a14">
-          <p:sp>
-            <p:nvSpPr>
-              <p:cNvPr id="3" name="Content Placeholder 2"/>
-              <p:cNvSpPr>
-                <a:spLocks noGrp="1"/>
-              </p:cNvSpPr>
-              <p:nvPr>
-                <p:ph idx="1"/>
-              </p:nvPr>
-            </p:nvSpPr>
-            <p:spPr>
-              <a:xfrm>
-                <a:off x="457200" y="1600200"/>
-                <a:ext cx="6172200" cy="4800600"/>
-              </a:xfrm>
-            </p:spPr>
-            <p:txBody>
-              <a:bodyPr>
-                <a:normAutofit fontScale="55000" lnSpcReduction="20000"/>
-              </a:bodyPr>
-              <a:lstStyle/>
-              <a:p>
-                <a:r>
-                  <a:rPr lang="en-US" dirty="0"/>
-                  <a:t>In instances where a body is rotating about some </a:t>
-                </a:r>
-                <a:r>
-                  <a:rPr lang="en-US" b="1" dirty="0"/>
-                  <a:t>fixed axis at its center of mass</a:t>
-                </a:r>
-                <a:r>
-                  <a:rPr lang="en-US" dirty="0"/>
-                  <a:t>, we will have moments and angular accelerations at play while the sum of the forces will be equal to zero.</a:t>
-                </a:r>
-              </a:p>
-              <a:p>
-                <a:pPr marL="457200" lvl="1" indent="0">
-                  <a:buNone/>
-                </a:pPr>
-                <a14:m>
-                  <m:oMathPara xmlns:m="http://schemas.openxmlformats.org/officeDocument/2006/math">
-                    <m:oMathParaPr>
-                      <m:jc m:val="centerGroup"/>
-                    </m:oMathParaPr>
-                    <m:oMath xmlns:m="http://schemas.openxmlformats.org/officeDocument/2006/math">
-                      <m:nary>
-                        <m:naryPr>
-                          <m:chr m:val="∑"/>
-                          <m:subHide m:val="on"/>
-                          <m:supHide m:val="on"/>
-                          <m:ctrlPr>
-                            <a:rPr lang="en-US" sz="3800" b="0" i="1" smtClean="0">
-                              <a:latin typeface="Cambria Math" panose="02040503050406030204" pitchFamily="18" charset="0"/>
-                            </a:rPr>
-                          </m:ctrlPr>
-                        </m:naryPr>
-                        <m:sub/>
-                        <m:sup/>
-                        <m:e>
-                          <m:sSub>
-                            <m:sSubPr>
-                              <m:ctrlPr>
-                                <a:rPr lang="en-US" sz="3800" b="0" i="1" smtClean="0">
-                                  <a:latin typeface="Cambria Math" panose="02040503050406030204" pitchFamily="18" charset="0"/>
-                                </a:rPr>
-                              </m:ctrlPr>
-                            </m:sSubPr>
-                            <m:e>
-                              <m:r>
-                                <a:rPr lang="en-US" sz="3800" b="0" i="1" smtClean="0">
-                                  <a:latin typeface="Cambria Math" panose="02040503050406030204" pitchFamily="18" charset="0"/>
-                                </a:rPr>
-                                <m:t>𝐹</m:t>
-                              </m:r>
-                            </m:e>
-                            <m:sub>
-                              <m:r>
-                                <a:rPr lang="en-US" sz="3800" b="0" i="1" smtClean="0">
-                                  <a:latin typeface="Cambria Math" panose="02040503050406030204" pitchFamily="18" charset="0"/>
-                                </a:rPr>
-                                <m:t>𝑥</m:t>
-                              </m:r>
-                            </m:sub>
-                          </m:sSub>
-                        </m:e>
-                      </m:nary>
-                      <m:r>
-                        <a:rPr lang="en-US" sz="3800" b="0" i="1" smtClean="0">
-                          <a:latin typeface="Cambria Math" panose="02040503050406030204" pitchFamily="18" charset="0"/>
-                        </a:rPr>
-                        <m:t>=0</m:t>
-                      </m:r>
-                    </m:oMath>
-                  </m:oMathPara>
-                </a14:m>
-                <a:endParaRPr lang="en-US" sz="3800" dirty="0"/>
-              </a:p>
-              <a:p>
-                <a:pPr marL="457200" lvl="1" indent="0">
-                  <a:buNone/>
-                </a:pPr>
-                <a14:m>
-                  <m:oMathPara xmlns:m="http://schemas.openxmlformats.org/officeDocument/2006/math">
-                    <m:oMathParaPr>
-                      <m:jc m:val="centerGroup"/>
-                    </m:oMathParaPr>
-                    <m:oMath xmlns:m="http://schemas.openxmlformats.org/officeDocument/2006/math">
-                      <m:nary>
-                        <m:naryPr>
-                          <m:chr m:val="∑"/>
-                          <m:subHide m:val="on"/>
-                          <m:supHide m:val="on"/>
-                          <m:ctrlPr>
-                            <a:rPr lang="en-US" sz="3800" i="1" smtClean="0">
-                              <a:latin typeface="Cambria Math" panose="02040503050406030204" pitchFamily="18" charset="0"/>
-                            </a:rPr>
-                          </m:ctrlPr>
-                        </m:naryPr>
-                        <m:sub/>
-                        <m:sup/>
-                        <m:e>
-                          <m:sSub>
-                            <m:sSubPr>
-                              <m:ctrlPr>
-                                <a:rPr lang="en-US" sz="3800" i="1">
-                                  <a:latin typeface="Cambria Math" panose="02040503050406030204" pitchFamily="18" charset="0"/>
-                                </a:rPr>
-                              </m:ctrlPr>
-                            </m:sSubPr>
-                            <m:e>
-                              <m:r>
-                                <a:rPr lang="en-US" sz="3800" i="1">
-                                  <a:latin typeface="Cambria Math" panose="02040503050406030204" pitchFamily="18" charset="0"/>
-                                </a:rPr>
-                                <m:t>𝐹</m:t>
-                              </m:r>
-                            </m:e>
-                            <m:sub>
-                              <m:r>
-                                <a:rPr lang="en-US" sz="3800" b="0" i="1" smtClean="0">
-                                  <a:latin typeface="Cambria Math" panose="02040503050406030204" pitchFamily="18" charset="0"/>
-                                </a:rPr>
-                                <m:t>𝑦</m:t>
-                              </m:r>
-                            </m:sub>
-                          </m:sSub>
-                        </m:e>
-                      </m:nary>
-                      <m:r>
-                        <a:rPr lang="en-US" sz="3800" i="1">
-                          <a:latin typeface="Cambria Math" panose="02040503050406030204" pitchFamily="18" charset="0"/>
-                        </a:rPr>
-                        <m:t>=</m:t>
-                      </m:r>
-                      <m:r>
-                        <a:rPr lang="en-US" sz="3800" i="1" smtClean="0">
-                          <a:latin typeface="Cambria Math" panose="02040503050406030204" pitchFamily="18" charset="0"/>
-                        </a:rPr>
-                        <m:t>0</m:t>
-                      </m:r>
-                    </m:oMath>
-                  </m:oMathPara>
-                </a14:m>
-                <a:endParaRPr lang="en-US" sz="3800" i="1" dirty="0">
-                  <a:latin typeface="Cambria Math" panose="02040503050406030204" pitchFamily="18" charset="0"/>
-                </a:endParaRPr>
-              </a:p>
-              <a:p>
-                <a:pPr marL="457200" lvl="1" indent="0">
-                  <a:buNone/>
-                </a:pPr>
-                <a14:m>
-                  <m:oMathPara xmlns:m="http://schemas.openxmlformats.org/officeDocument/2006/math">
-                    <m:oMathParaPr>
-                      <m:jc m:val="centerGroup"/>
-                    </m:oMathParaPr>
-                    <m:oMath xmlns:m="http://schemas.openxmlformats.org/officeDocument/2006/math">
-                      <m:nary>
-                        <m:naryPr>
-                          <m:chr m:val="∑"/>
-                          <m:subHide m:val="on"/>
-                          <m:supHide m:val="on"/>
-                          <m:ctrlPr>
-                            <a:rPr lang="en-US" sz="4000" i="1" smtClean="0">
-                              <a:latin typeface="Cambria Math" panose="02040503050406030204" pitchFamily="18" charset="0"/>
-                            </a:rPr>
-                          </m:ctrlPr>
-                        </m:naryPr>
-                        <m:sub/>
-                        <m:sup/>
-                        <m:e>
-                          <m:sSub>
-                            <m:sSubPr>
-                              <m:ctrlPr>
-                                <a:rPr lang="en-US" sz="4000" b="0" i="1" smtClean="0">
-                                  <a:latin typeface="Cambria Math" panose="02040503050406030204" pitchFamily="18" charset="0"/>
-                                </a:rPr>
-                              </m:ctrlPr>
-                            </m:sSubPr>
-                            <m:e>
-                              <m:r>
-                                <a:rPr lang="en-US" sz="4000" b="0" i="1" smtClean="0">
-                                  <a:latin typeface="Cambria Math" panose="02040503050406030204" pitchFamily="18" charset="0"/>
-                                </a:rPr>
-                                <m:t>𝑀</m:t>
-                              </m:r>
-                            </m:e>
-                            <m:sub>
-                              <m:r>
-                                <a:rPr lang="en-US" sz="4000" b="0" i="1" smtClean="0">
-                                  <a:latin typeface="Cambria Math" panose="02040503050406030204" pitchFamily="18" charset="0"/>
-                                </a:rPr>
-                                <m:t>𝑂</m:t>
-                              </m:r>
-                            </m:sub>
-                          </m:sSub>
-                        </m:e>
-                      </m:nary>
-                      <m:r>
-                        <a:rPr lang="en-US" sz="4000" i="1">
-                          <a:latin typeface="Cambria Math" panose="02040503050406030204" pitchFamily="18" charset="0"/>
-                        </a:rPr>
-                        <m:t>=</m:t>
-                      </m:r>
-                      <m:sSub>
-                        <m:sSubPr>
-                          <m:ctrlPr>
-                            <a:rPr lang="en-US" sz="4000" i="1" smtClean="0">
-                              <a:latin typeface="Cambria Math" panose="02040503050406030204" pitchFamily="18" charset="0"/>
-                            </a:rPr>
-                          </m:ctrlPr>
-                        </m:sSubPr>
-                        <m:e>
-                          <m:r>
-                            <a:rPr lang="en-US" sz="4000" b="0" i="1" smtClean="0">
-                              <a:latin typeface="Cambria Math" panose="02040503050406030204" pitchFamily="18" charset="0"/>
-                            </a:rPr>
-                            <m:t>𝐼</m:t>
-                          </m:r>
-                        </m:e>
-                        <m:sub>
-                          <m:r>
-                            <a:rPr lang="en-US" sz="4000" b="0" i="1" smtClean="0">
-                              <a:latin typeface="Cambria Math" panose="02040503050406030204" pitchFamily="18" charset="0"/>
-                            </a:rPr>
-                            <m:t>𝑂</m:t>
-                          </m:r>
-                        </m:sub>
-                      </m:sSub>
-                      <m:r>
-                        <a:rPr lang="en-US" sz="4000" b="0" i="1" smtClean="0">
-                          <a:latin typeface="Cambria Math" panose="02040503050406030204" pitchFamily="18" charset="0"/>
-                        </a:rPr>
-                        <m:t>∗</m:t>
-                      </m:r>
-                      <m:r>
-                        <a:rPr lang="en-US" sz="4000" i="1" smtClean="0">
-                          <a:latin typeface="Cambria Math" panose="02040503050406030204" pitchFamily="18" charset="0"/>
-                          <a:ea typeface="Cambria Math" panose="02040503050406030204" pitchFamily="18" charset="0"/>
-                        </a:rPr>
-                        <m:t>𝛼</m:t>
-                      </m:r>
-                    </m:oMath>
-                  </m:oMathPara>
-                </a14:m>
-                <a:endParaRPr lang="en-US" sz="4000" dirty="0"/>
-              </a:p>
-              <a:p>
-                <a:r>
-                  <a:rPr lang="en-US" dirty="0"/>
-                  <a:t>In instances of balanced fixed axis rotation, we can sum the moments about the </a:t>
-                </a:r>
-                <a:r>
-                  <a:rPr lang="en-US" b="1" dirty="0"/>
-                  <a:t>fixed axis</a:t>
-                </a:r>
-                <a:r>
-                  <a:rPr lang="en-US" dirty="0"/>
-                  <a:t> of rotation (which is also the center of mass).</a:t>
-                </a:r>
-              </a:p>
-              <a:p>
-                <a:pPr lvl="1"/>
-                <a:r>
-                  <a:rPr lang="en-US" dirty="0"/>
-                  <a:t>Make sure both the moments and the mass moment of inertia are taken about this point.</a:t>
-                </a:r>
-              </a:p>
-            </p:txBody>
-          </p:sp>
-        </mc:Choice>
-        <mc:Fallback>
-          <p:sp>
-            <p:nvSpPr>
-              <p:cNvPr id="3" name="Content Placeholder 2"/>
-              <p:cNvSpPr>
-                <a:spLocks noGrp="1" noRot="1" noChangeAspect="1" noMove="1" noResize="1" noEditPoints="1" noAdjustHandles="1" noChangeArrowheads="1" noChangeShapeType="1" noTextEdit="1"/>
-              </p:cNvSpPr>
-              <p:nvPr>
-                <p:ph idx="1"/>
-              </p:nvPr>
-            </p:nvSpPr>
-            <p:spPr>
-              <a:xfrm>
-                <a:off x="457200" y="1600200"/>
-                <a:ext cx="6172200" cy="4800600"/>
-              </a:xfrm>
-              <a:blipFill>
-                <a:blip r:embed="rId2"/>
-                <a:stretch>
-                  <a:fillRect l="-592" t="-1779"/>
-                </a:stretch>
-              </a:blipFill>
-            </p:spPr>
-            <p:txBody>
-              <a:bodyPr/>
-              <a:lstStyle/>
-              <a:p>
-                <a:r>
-                  <a:rPr lang="en-US">
-                    <a:noFill/>
-                  </a:rPr>
-                  <a:t> </a:t>
-                </a:r>
-              </a:p>
-            </p:txBody>
-          </p:sp>
-        </mc:Fallback>
-      </mc:AlternateContent>
-      <p:pic>
-        <p:nvPicPr>
-          <p:cNvPr id="4" name="Picture 2" descr="A pitching machine">
-            <a:extLst>
-              <a:ext uri="{FF2B5EF4-FFF2-40B4-BE49-F238E27FC236}">
-                <a16:creationId xmlns:a16="http://schemas.microsoft.com/office/drawing/2014/main" id="{C224D263-7330-441C-AF94-55152C9424AB}"/>
-              </a:ext>
-            </a:extLst>
-          </p:cNvPr>
-          <p:cNvPicPr>
-            <a:picLocks noChangeAspect="1" noChangeArrowheads="1"/>
-          </p:cNvPicPr>
-          <p:nvPr/>
-        </p:nvPicPr>
-        <p:blipFill>
-          <a:blip r:embed="rId3">
-            <a:extLst>
-              <a:ext uri="{28A0092B-C50C-407E-A947-70E740481C1C}">
-                <a14:useLocalDpi xmlns:a14="http://schemas.microsoft.com/office/drawing/2010/main" val="0"/>
-              </a:ext>
-            </a:extLst>
-          </a:blip>
-          <a:srcRect/>
-          <a:stretch>
-            <a:fillRect/>
-          </a:stretch>
-        </p:blipFill>
-        <p:spPr bwMode="auto">
-          <a:xfrm>
-            <a:off x="6477000" y="2058272"/>
-            <a:ext cx="2639458" cy="1752600"/>
-          </a:xfrm>
-          <a:prstGeom prst="rect">
-            <a:avLst/>
-          </a:prstGeom>
-          <a:noFill/>
-          <a:extLst>
-            <a:ext uri="{909E8E84-426E-40DD-AFC4-6F175D3DCCD1}">
-              <a14:hiddenFill xmlns:a14="http://schemas.microsoft.com/office/drawing/2010/main">
-                <a:solidFill>
-                  <a:srgbClr val="FFFFFF"/>
-                </a:solidFill>
-              </a14:hiddenFill>
-            </a:ext>
-          </a:extLst>
-        </p:spPr>
-      </p:pic>
-      <p:pic>
-        <p:nvPicPr>
-          <p:cNvPr id="5" name="Picture 4" descr="computer writing technology equipment memory product flash electronics digital memories usb connection accessory portable open hard drive data transfer storage hardware tray and visible playhead external hard drive external hard disk drive hard disk drive electronic device data storage device">
-            <a:extLst>
-              <a:ext uri="{FF2B5EF4-FFF2-40B4-BE49-F238E27FC236}">
-                <a16:creationId xmlns:a16="http://schemas.microsoft.com/office/drawing/2014/main" id="{E86F79AD-0873-4D78-ABFA-D6F3BD82BE3B}"/>
-              </a:ext>
-            </a:extLst>
-          </p:cNvPr>
-          <p:cNvPicPr>
-            <a:picLocks noChangeAspect="1" noChangeArrowheads="1"/>
-          </p:cNvPicPr>
-          <p:nvPr/>
-        </p:nvPicPr>
-        <p:blipFill>
-          <a:blip r:embed="rId4" cstate="print">
-            <a:extLst>
-              <a:ext uri="{28A0092B-C50C-407E-A947-70E740481C1C}">
-                <a14:useLocalDpi xmlns:a14="http://schemas.microsoft.com/office/drawing/2010/main" val="0"/>
-              </a:ext>
-            </a:extLst>
-          </a:blip>
-          <a:srcRect/>
-          <a:stretch>
-            <a:fillRect/>
-          </a:stretch>
-        </p:blipFill>
-        <p:spPr bwMode="auto">
-          <a:xfrm>
-            <a:off x="6629401" y="4107981"/>
-            <a:ext cx="2283000" cy="1988019"/>
-          </a:xfrm>
-          <a:prstGeom prst="rect">
-            <a:avLst/>
-          </a:prstGeom>
-          <a:noFill/>
-          <a:extLst>
-            <a:ext uri="{909E8E84-426E-40DD-AFC4-6F175D3DCCD1}">
-              <a14:hiddenFill xmlns:a14="http://schemas.microsoft.com/office/drawing/2010/main">
-                <a:solidFill>
-                  <a:srgbClr val="FFFFFF"/>
-                </a:solidFill>
-              </a14:hiddenFill>
-            </a:ext>
-          </a:extLst>
-        </p:spPr>
-      </p:pic>
-    </p:spTree>
-    <p:extLst>
-      <p:ext uri="{BB962C8B-B14F-4D97-AF65-F5344CB8AC3E}">
-        <p14:creationId xmlns:p14="http://schemas.microsoft.com/office/powerpoint/2010/main" val="3549325292"/>
-      </p:ext>
-    </p:extLst>
-  </p:cSld>
-  <p:clrMapOvr>
-    <a:masterClrMapping/>
-  </p:clrMapOvr>
-  <p:timing>
-    <p:tnLst>
-      <p:par>
-        <p:cTn id="1" dur="indefinite" restart="never" nodeType="tmRoot">
-          <p:childTnLst>
-            <p:seq concurrent="1" nextAc="seek">
-              <p:cTn id="2" dur="indefinite" nodeType="mainSeq">
-                <p:childTnLst>
-                  <p:par>
-                    <p:cTn id="3" fill="hold">
-                      <p:stCondLst>
-                        <p:cond delay="indefinite"/>
-                      </p:stCondLst>
-                      <p:childTnLst>
-                        <p:par>
-                          <p:cTn id="4" fill="hold">
-                            <p:stCondLst>
-                              <p:cond delay="0"/>
-                            </p:stCondLst>
-                            <p:childTnLst>
-                              <p:par>
-                                <p:cTn id="5" presetID="1" presetClass="entr" presetSubtype="0" fill="hold" grpId="0" nodeType="clickEffect">
-                                  <p:stCondLst>
-                                    <p:cond delay="0"/>
-                                  </p:stCondLst>
-                                  <p:childTnLst>
-                                    <p:set>
-                                      <p:cBhvr>
-                                        <p:cTn id="6" dur="1" fill="hold">
-                                          <p:stCondLst>
-                                            <p:cond delay="0"/>
-                                          </p:stCondLst>
-                                        </p:cTn>
-                                        <p:tgtEl>
-                                          <p:spTgt spid="3">
-                                            <p:txEl>
-                                              <p:pRg st="0" end="0"/>
-                                            </p:txEl>
-                                          </p:spTgt>
-                                        </p:tgtEl>
-                                        <p:attrNameLst>
-                                          <p:attrName>style.visibility</p:attrName>
-                                        </p:attrNameLst>
-                                      </p:cBhvr>
-                                      <p:to>
-                                        <p:strVal val="visible"/>
-                                      </p:to>
-                                    </p:set>
-                                  </p:childTnLst>
-                                </p:cTn>
-                              </p:par>
-                            </p:childTnLst>
-                          </p:cTn>
-                        </p:par>
-                      </p:childTnLst>
-                    </p:cTn>
-                  </p:par>
-                  <p:par>
-                    <p:cTn id="7" fill="hold">
-                      <p:stCondLst>
-                        <p:cond delay="indefinite"/>
-                      </p:stCondLst>
-                      <p:childTnLst>
-                        <p:par>
-                          <p:cTn id="8" fill="hold">
-                            <p:stCondLst>
-                              <p:cond delay="0"/>
-                            </p:stCondLst>
-                            <p:childTnLst>
-                              <p:par>
-                                <p:cTn id="9" presetID="10" presetClass="entr" presetSubtype="0" fill="hold" nodeType="clickEffect">
-                                  <p:stCondLst>
-                                    <p:cond delay="0"/>
-                                  </p:stCondLst>
-                                  <p:childTnLst>
-                                    <p:set>
-                                      <p:cBhvr>
-                                        <p:cTn id="10" dur="1" fill="hold">
-                                          <p:stCondLst>
-                                            <p:cond delay="0"/>
-                                          </p:stCondLst>
-                                        </p:cTn>
-                                        <p:tgtEl>
-                                          <p:spTgt spid="4"/>
-                                        </p:tgtEl>
-                                        <p:attrNameLst>
-                                          <p:attrName>style.visibility</p:attrName>
-                                        </p:attrNameLst>
-                                      </p:cBhvr>
-                                      <p:to>
-                                        <p:strVal val="visible"/>
-                                      </p:to>
-                                    </p:set>
-                                    <p:animEffect transition="in" filter="fade">
-                                      <p:cBhvr>
-                                        <p:cTn id="11" dur="500"/>
-                                        <p:tgtEl>
-                                          <p:spTgt spid="4"/>
-                                        </p:tgtEl>
-                                      </p:cBhvr>
-                                    </p:animEffect>
-                                  </p:childTnLst>
-                                </p:cTn>
-                              </p:par>
-                            </p:childTnLst>
-                          </p:cTn>
-                        </p:par>
-                      </p:childTnLst>
-                    </p:cTn>
-                  </p:par>
-                  <p:par>
-                    <p:cTn id="12" fill="hold">
-                      <p:stCondLst>
-                        <p:cond delay="indefinite"/>
-                      </p:stCondLst>
-                      <p:childTnLst>
-                        <p:par>
-                          <p:cTn id="13" fill="hold">
-                            <p:stCondLst>
-                              <p:cond delay="0"/>
-                            </p:stCondLst>
-                            <p:childTnLst>
-                              <p:par>
-                                <p:cTn id="14" presetID="10" presetClass="entr" presetSubtype="0" fill="hold" nodeType="clickEffect">
-                                  <p:stCondLst>
-                                    <p:cond delay="0"/>
-                                  </p:stCondLst>
-                                  <p:childTnLst>
-                                    <p:set>
-                                      <p:cBhvr>
-                                        <p:cTn id="15" dur="1" fill="hold">
-                                          <p:stCondLst>
-                                            <p:cond delay="0"/>
-                                          </p:stCondLst>
-                                        </p:cTn>
-                                        <p:tgtEl>
-                                          <p:spTgt spid="5"/>
-                                        </p:tgtEl>
-                                        <p:attrNameLst>
-                                          <p:attrName>style.visibility</p:attrName>
-                                        </p:attrNameLst>
-                                      </p:cBhvr>
-                                      <p:to>
-                                        <p:strVal val="visible"/>
-                                      </p:to>
-                                    </p:set>
-                                    <p:animEffect transition="in" filter="fade">
-                                      <p:cBhvr>
-                                        <p:cTn id="16" dur="500"/>
-                                        <p:tgtEl>
-                                          <p:spTgt spid="5"/>
-                                        </p:tgtEl>
-                                      </p:cBhvr>
-                                    </p:animEffect>
-                                  </p:childTnLst>
-                                </p:cTn>
-                              </p:par>
-                            </p:childTnLst>
-                          </p:cTn>
-                        </p:par>
-                      </p:childTnLst>
-                    </p:cTn>
-                  </p:par>
-                  <p:par>
-                    <p:cTn id="17" fill="hold">
-                      <p:stCondLst>
-                        <p:cond delay="indefinite"/>
-                      </p:stCondLst>
-                      <p:childTnLst>
-                        <p:par>
-                          <p:cTn id="18" fill="hold">
-                            <p:stCondLst>
-                              <p:cond delay="0"/>
-                            </p:stCondLst>
-                            <p:childTnLst>
-                              <p:par>
-                                <p:cTn id="19" presetID="1" presetClass="entr" presetSubtype="0" fill="hold" grpId="0" nodeType="clickEffect">
-                                  <p:stCondLst>
-                                    <p:cond delay="0"/>
-                                  </p:stCondLst>
-                                  <p:childTnLst>
-                                    <p:set>
-                                      <p:cBhvr>
-                                        <p:cTn id="20" dur="1" fill="hold">
-                                          <p:stCondLst>
-                                            <p:cond delay="0"/>
-                                          </p:stCondLst>
-                                        </p:cTn>
-                                        <p:tgtEl>
-                                          <p:spTgt spid="3">
-                                            <p:txEl>
-                                              <p:pRg st="1" end="1"/>
-                                            </p:txEl>
-                                          </p:spTgt>
-                                        </p:tgtEl>
-                                        <p:attrNameLst>
-                                          <p:attrName>style.visibility</p:attrName>
-                                        </p:attrNameLst>
-                                      </p:cBhvr>
-                                      <p:to>
-                                        <p:strVal val="visible"/>
-                                      </p:to>
-                                    </p:set>
-                                  </p:childTnLst>
-                                </p:cTn>
-                              </p:par>
-                            </p:childTnLst>
-                          </p:cTn>
-                        </p:par>
-                      </p:childTnLst>
-                    </p:cTn>
-                  </p:par>
-                  <p:par>
-                    <p:cTn id="21" fill="hold">
-                      <p:stCondLst>
-                        <p:cond delay="indefinite"/>
-                      </p:stCondLst>
-                      <p:childTnLst>
-                        <p:par>
-                          <p:cTn id="22" fill="hold">
-                            <p:stCondLst>
-                              <p:cond delay="0"/>
-                            </p:stCondLst>
-                            <p:childTnLst>
-                              <p:par>
-                                <p:cTn id="23" presetID="1" presetClass="entr" presetSubtype="0" fill="hold" grpId="0" nodeType="clickEffect">
-                                  <p:stCondLst>
-                                    <p:cond delay="0"/>
-                                  </p:stCondLst>
-                                  <p:childTnLst>
-                                    <p:set>
-                                      <p:cBhvr>
-                                        <p:cTn id="24" dur="1" fill="hold">
-                                          <p:stCondLst>
-                                            <p:cond delay="0"/>
-                                          </p:stCondLst>
-                                        </p:cTn>
-                                        <p:tgtEl>
-                                          <p:spTgt spid="3">
-                                            <p:txEl>
-                                              <p:pRg st="2" end="2"/>
-                                            </p:txEl>
-                                          </p:spTgt>
-                                        </p:tgtEl>
-                                        <p:attrNameLst>
-                                          <p:attrName>style.visibility</p:attrName>
-                                        </p:attrNameLst>
-                                      </p:cBhvr>
-                                      <p:to>
-                                        <p:strVal val="visible"/>
-                                      </p:to>
-                                    </p:set>
-                                  </p:childTnLst>
-                                </p:cTn>
-                              </p:par>
-                            </p:childTnLst>
-                          </p:cTn>
-                        </p:par>
-                      </p:childTnLst>
-                    </p:cTn>
-                  </p:par>
-                  <p:par>
-                    <p:cTn id="25" fill="hold">
-                      <p:stCondLst>
-                        <p:cond delay="indefinite"/>
-                      </p:stCondLst>
-                      <p:childTnLst>
-                        <p:par>
-                          <p:cTn id="26" fill="hold">
-                            <p:stCondLst>
-                              <p:cond delay="0"/>
-                            </p:stCondLst>
-                            <p:childTnLst>
-                              <p:par>
-                                <p:cTn id="27" presetID="1" presetClass="entr" presetSubtype="0" fill="hold" grpId="0" nodeType="clickEffect">
-                                  <p:stCondLst>
-                                    <p:cond delay="0"/>
-                                  </p:stCondLst>
-                                  <p:childTnLst>
-                                    <p:set>
-                                      <p:cBhvr>
-                                        <p:cTn id="28" dur="1" fill="hold">
-                                          <p:stCondLst>
-                                            <p:cond delay="0"/>
-                                          </p:stCondLst>
-                                        </p:cTn>
-                                        <p:tgtEl>
-                                          <p:spTgt spid="3">
-                                            <p:txEl>
-                                              <p:pRg st="3" end="3"/>
-                                            </p:txEl>
-                                          </p:spTgt>
-                                        </p:tgtEl>
-                                        <p:attrNameLst>
-                                          <p:attrName>style.visibility</p:attrName>
-                                        </p:attrNameLst>
-                                      </p:cBhvr>
-                                      <p:to>
-                                        <p:strVal val="visible"/>
-                                      </p:to>
-                                    </p:set>
-                                  </p:childTnLst>
-                                </p:cTn>
-                              </p:par>
-                            </p:childTnLst>
-                          </p:cTn>
-                        </p:par>
-                      </p:childTnLst>
-                    </p:cTn>
-                  </p:par>
-                  <p:par>
-                    <p:cTn id="29" fill="hold">
-                      <p:stCondLst>
-                        <p:cond delay="indefinite"/>
-                      </p:stCondLst>
-                      <p:childTnLst>
-                        <p:par>
-                          <p:cTn id="30" fill="hold">
-                            <p:stCondLst>
-                              <p:cond delay="0"/>
-                            </p:stCondLst>
-                            <p:childTnLst>
-                              <p:par>
-                                <p:cTn id="31" presetID="1" presetClass="entr" presetSubtype="0" fill="hold" grpId="0" nodeType="clickEffect">
-                                  <p:stCondLst>
-                                    <p:cond delay="0"/>
-                                  </p:stCondLst>
-                                  <p:childTnLst>
-                                    <p:set>
-                                      <p:cBhvr>
-                                        <p:cTn id="32" dur="1" fill="hold">
-                                          <p:stCondLst>
-                                            <p:cond delay="0"/>
-                                          </p:stCondLst>
-                                        </p:cTn>
-                                        <p:tgtEl>
-                                          <p:spTgt spid="3">
-                                            <p:txEl>
-                                              <p:pRg st="4" end="4"/>
-                                            </p:txEl>
-                                          </p:spTgt>
-                                        </p:tgtEl>
-                                        <p:attrNameLst>
-                                          <p:attrName>style.visibility</p:attrName>
-                                        </p:attrNameLst>
-                                      </p:cBhvr>
-                                      <p:to>
-                                        <p:strVal val="visible"/>
-                                      </p:to>
-                                    </p:set>
-                                  </p:childTnLst>
-                                </p:cTn>
-                              </p:par>
-                              <p:par>
-                                <p:cTn id="33" presetID="1" presetClass="entr" presetSubtype="0" fill="hold" grpId="0" nodeType="withEffect">
-                                  <p:stCondLst>
-                                    <p:cond delay="0"/>
-                                  </p:stCondLst>
-                                  <p:childTnLst>
-                                    <p:set>
-                                      <p:cBhvr>
-                                        <p:cTn id="34" dur="1" fill="hold">
-                                          <p:stCondLst>
-                                            <p:cond delay="0"/>
-                                          </p:stCondLst>
-                                        </p:cTn>
-                                        <p:tgtEl>
-                                          <p:spTgt spid="3">
-                                            <p:txEl>
-                                              <p:pRg st="5" end="5"/>
-                                            </p:txEl>
-                                          </p:spTgt>
-                                        </p:tgtEl>
-                                        <p:attrNameLst>
-                                          <p:attrName>style.visibility</p:attrName>
-                                        </p:attrNameLst>
-                                      </p:cBhvr>
-                                      <p:to>
-                                        <p:strVal val="visible"/>
-                                      </p:to>
-                                    </p:set>
-                                  </p:childTnLst>
-                                </p:cTn>
-                              </p:par>
-                            </p:childTnLst>
-                          </p:cTn>
-                        </p:par>
-                      </p:childTnLst>
-                    </p:cTn>
-                  </p:par>
-                </p:childTnLst>
-              </p:cTn>
-              <p:prevCondLst>
-                <p:cond evt="onPrev" delay="0">
-                  <p:tgtEl>
-                    <p:sldTgt/>
-                  </p:tgtEl>
-                </p:cond>
-              </p:prevCondLst>
-              <p:nextCondLst>
-                <p:cond evt="onNext" delay="0">
-                  <p:tgtEl>
-                    <p:sldTgt/>
-                  </p:tgtEl>
-                </p:cond>
-              </p:nextCondLst>
-            </p:seq>
-          </p:childTnLst>
-        </p:cTn>
-      </p:par>
-    </p:tnLst>
-    <p:bldLst>
-      <p:bldP spid="3" grpId="0" uiExpand="1" build="p"/>
-    </p:bldLst>
-  </p:timing>
-</p:sld>
-</file>
-
-<file path=ppt/slides/slide5.xml><?xml version="1.0" encoding="utf-8"?>
-<p:sld xmlns:a="http://schemas.openxmlformats.org/drawingml/2006/main" xmlns:r="http://schemas.openxmlformats.org/officeDocument/2006/relationships" xmlns:p="http://schemas.openxmlformats.org/presentationml/2006/main">
-  <p:cSld>
-    <p:spTree>
-      <p:nvGrpSpPr>
-        <p:cNvPr id="1" name=""/>
-        <p:cNvGrpSpPr/>
-        <p:nvPr/>
-      </p:nvGrpSpPr>
-      <p:grpSpPr>
-        <a:xfrm>
-          <a:off x="0" y="0"/>
-          <a:ext cx="0" cy="0"/>
-          <a:chOff x="0" y="0"/>
-          <a:chExt cx="0" cy="0"/>
-        </a:xfrm>
-      </p:grpSpPr>
-      <p:sp>
-        <p:nvSpPr>
-          <p:cNvPr id="2" name="Title 1"/>
-          <p:cNvSpPr>
-            <a:spLocks noGrp="1"/>
-          </p:cNvSpPr>
-          <p:nvPr>
-            <p:ph type="title"/>
-          </p:nvPr>
-        </p:nvSpPr>
-        <p:spPr/>
-        <p:txBody>
-          <a:bodyPr>
-            <a:normAutofit fontScale="90000"/>
-          </a:bodyPr>
-          <a:lstStyle/>
-          <a:p>
-            <a:r>
-              <a:rPr lang="en-US" dirty="0"/>
-              <a:t>Unbalanced Fixed Axis Rotation Systems</a:t>
-            </a:r>
-          </a:p>
-        </p:txBody>
-      </p:sp>
-      <mc:AlternateContent xmlns:mc="http://schemas.openxmlformats.org/markup-compatibility/2006">
-        <mc:Choice xmlns:a14="http://schemas.microsoft.com/office/drawing/2010/main" Requires="a14">
-          <p:sp>
-            <p:nvSpPr>
-              <p:cNvPr id="3" name="Content Placeholder 2"/>
-              <p:cNvSpPr>
-                <a:spLocks noGrp="1"/>
-              </p:cNvSpPr>
-              <p:nvPr>
-                <p:ph idx="1"/>
-              </p:nvPr>
-            </p:nvSpPr>
-            <p:spPr>
-              <a:xfrm>
-                <a:off x="457200" y="1600200"/>
-                <a:ext cx="6172200" cy="4800600"/>
-              </a:xfrm>
-            </p:spPr>
-            <p:txBody>
-              <a:bodyPr>
-                <a:normAutofit fontScale="62500" lnSpcReduction="20000"/>
-              </a:bodyPr>
-              <a:lstStyle/>
-              <a:p>
-                <a:r>
-                  <a:rPr lang="en-US" dirty="0"/>
-                  <a:t>In instances where a body is rotating about some </a:t>
-                </a:r>
-                <a:r>
-                  <a:rPr lang="en-US" b="1" dirty="0"/>
-                  <a:t>fixed axis that is not it’s center of mass</a:t>
-                </a:r>
-                <a:r>
-                  <a:rPr lang="en-US" dirty="0"/>
-                  <a:t>, we will have forces and moments at play.</a:t>
-                </a:r>
-              </a:p>
-              <a:p>
-                <a:pPr marL="457200" lvl="1" indent="0">
-                  <a:buNone/>
-                </a:pPr>
-                <a14:m>
-                  <m:oMathPara xmlns:m="http://schemas.openxmlformats.org/officeDocument/2006/math">
-                    <m:oMathParaPr>
-                      <m:jc m:val="centerGroup"/>
-                    </m:oMathParaPr>
-                    <m:oMath xmlns:m="http://schemas.openxmlformats.org/officeDocument/2006/math">
-                      <m:nary>
-                        <m:naryPr>
-                          <m:chr m:val="∑"/>
-                          <m:subHide m:val="on"/>
-                          <m:supHide m:val="on"/>
-                          <m:ctrlPr>
-                            <a:rPr lang="en-US" sz="3800" b="0" i="1" smtClean="0">
-                              <a:latin typeface="Cambria Math" panose="02040503050406030204" pitchFamily="18" charset="0"/>
-                            </a:rPr>
-                          </m:ctrlPr>
-                        </m:naryPr>
-                        <m:sub/>
-                        <m:sup/>
-                        <m:e>
-                          <m:sSub>
-                            <m:sSubPr>
-                              <m:ctrlPr>
-                                <a:rPr lang="en-US" sz="3800" b="0" i="1" smtClean="0">
-                                  <a:latin typeface="Cambria Math" panose="02040503050406030204" pitchFamily="18" charset="0"/>
-                                </a:rPr>
-                              </m:ctrlPr>
-                            </m:sSubPr>
-                            <m:e>
-                              <m:r>
-                                <a:rPr lang="en-US" sz="3800" b="0" i="1" smtClean="0">
-                                  <a:latin typeface="Cambria Math" panose="02040503050406030204" pitchFamily="18" charset="0"/>
-                                </a:rPr>
-                                <m:t>𝐹</m:t>
-                              </m:r>
-                            </m:e>
-                            <m:sub>
-                              <m:r>
-                                <a:rPr lang="en-US" sz="3800" b="0" i="1" smtClean="0">
-                                  <a:latin typeface="Cambria Math" panose="02040503050406030204" pitchFamily="18" charset="0"/>
-                                </a:rPr>
-                                <m:t>𝑟</m:t>
-                              </m:r>
-                            </m:sub>
-                          </m:sSub>
-                        </m:e>
-                      </m:nary>
-                      <m:r>
-                        <a:rPr lang="en-US" sz="3800" b="0" i="1" smtClean="0">
-                          <a:latin typeface="Cambria Math" panose="02040503050406030204" pitchFamily="18" charset="0"/>
-                        </a:rPr>
-                        <m:t>=</m:t>
-                      </m:r>
-                      <m:r>
-                        <a:rPr lang="en-US" sz="3800" b="0" i="1" smtClean="0">
-                          <a:latin typeface="Cambria Math" panose="02040503050406030204" pitchFamily="18" charset="0"/>
-                        </a:rPr>
-                        <m:t>𝑚</m:t>
-                      </m:r>
-                      <m:sSub>
-                        <m:sSubPr>
-                          <m:ctrlPr>
-                            <a:rPr lang="en-US" sz="3800" i="1" smtClean="0">
-                              <a:latin typeface="Cambria Math" panose="02040503050406030204" pitchFamily="18" charset="0"/>
-                            </a:rPr>
-                          </m:ctrlPr>
-                        </m:sSubPr>
-                        <m:e>
-                          <m:r>
-                            <a:rPr lang="en-US" sz="3800" b="0" i="1" smtClean="0">
-                              <a:latin typeface="Cambria Math" panose="02040503050406030204" pitchFamily="18" charset="0"/>
-                            </a:rPr>
-                            <m:t>𝑎</m:t>
-                          </m:r>
-                        </m:e>
-                        <m:sub>
-                          <m:r>
-                            <a:rPr lang="en-US" sz="3800" i="1">
-                              <a:latin typeface="Cambria Math" panose="02040503050406030204" pitchFamily="18" charset="0"/>
-                            </a:rPr>
-                            <m:t>𝑟</m:t>
-                          </m:r>
-                        </m:sub>
-                      </m:sSub>
-                      <m:r>
-                        <a:rPr lang="en-US" sz="3800" b="0" i="1" smtClean="0">
-                          <a:latin typeface="Cambria Math" panose="02040503050406030204" pitchFamily="18" charset="0"/>
-                        </a:rPr>
-                        <m:t>=</m:t>
-                      </m:r>
-                      <m:r>
-                        <a:rPr lang="en-US" sz="3800" b="0" i="1" smtClean="0">
-                          <a:latin typeface="Cambria Math" panose="02040503050406030204" pitchFamily="18" charset="0"/>
-                        </a:rPr>
-                        <m:t>𝑚</m:t>
-                      </m:r>
-                      <m:r>
-                        <a:rPr lang="en-US" sz="3800" b="0" i="1" smtClean="0">
-                          <a:latin typeface="Cambria Math" panose="02040503050406030204" pitchFamily="18" charset="0"/>
-                        </a:rPr>
-                        <m:t>(−</m:t>
-                      </m:r>
-                      <m:r>
-                        <a:rPr lang="en-US" sz="3800" b="0" i="1" smtClean="0">
-                          <a:latin typeface="Cambria Math" panose="02040503050406030204" pitchFamily="18" charset="0"/>
-                        </a:rPr>
-                        <m:t>𝑟</m:t>
-                      </m:r>
-                      <m:sSup>
-                        <m:sSupPr>
-                          <m:ctrlPr>
-                            <a:rPr lang="en-US" sz="3800" b="0" i="1" smtClean="0">
-                              <a:latin typeface="Cambria Math" panose="02040503050406030204" pitchFamily="18" charset="0"/>
-                              <a:ea typeface="Cambria Math" panose="02040503050406030204" pitchFamily="18" charset="0"/>
-                            </a:rPr>
-                          </m:ctrlPr>
-                        </m:sSupPr>
-                        <m:e>
-                          <m:r>
-                            <a:rPr lang="en-US" sz="3800" i="1">
-                              <a:latin typeface="Cambria Math" panose="02040503050406030204" pitchFamily="18" charset="0"/>
-                              <a:ea typeface="Cambria Math" panose="02040503050406030204" pitchFamily="18" charset="0"/>
-                            </a:rPr>
-                            <m:t>𝜔</m:t>
-                          </m:r>
-                        </m:e>
-                        <m:sup>
-                          <m:r>
-                            <a:rPr lang="en-US" sz="3800" b="0" i="1" smtClean="0">
-                              <a:latin typeface="Cambria Math" panose="02040503050406030204" pitchFamily="18" charset="0"/>
-                              <a:ea typeface="Cambria Math" panose="02040503050406030204" pitchFamily="18" charset="0"/>
-                            </a:rPr>
-                            <m:t>2</m:t>
-                          </m:r>
-                        </m:sup>
-                      </m:sSup>
-                      <m:r>
-                        <a:rPr lang="en-US" sz="3800" b="0" i="1" smtClean="0">
-                          <a:latin typeface="Cambria Math" panose="02040503050406030204" pitchFamily="18" charset="0"/>
-                        </a:rPr>
-                        <m:t>)</m:t>
-                      </m:r>
-                    </m:oMath>
-                  </m:oMathPara>
-                </a14:m>
-                <a:endParaRPr lang="en-US" sz="3800" dirty="0"/>
-              </a:p>
-              <a:p>
-                <a:pPr marL="457200" lvl="1" indent="0">
-                  <a:buNone/>
-                </a:pPr>
-                <a14:m>
-                  <m:oMathPara xmlns:m="http://schemas.openxmlformats.org/officeDocument/2006/math">
-                    <m:oMathParaPr>
-                      <m:jc m:val="centerGroup"/>
-                    </m:oMathParaPr>
-                    <m:oMath xmlns:m="http://schemas.openxmlformats.org/officeDocument/2006/math">
-                      <m:nary>
-                        <m:naryPr>
-                          <m:chr m:val="∑"/>
-                          <m:subHide m:val="on"/>
-                          <m:supHide m:val="on"/>
-                          <m:ctrlPr>
-                            <a:rPr lang="en-US" sz="3800" i="1" smtClean="0">
-                              <a:latin typeface="Cambria Math" panose="02040503050406030204" pitchFamily="18" charset="0"/>
-                            </a:rPr>
-                          </m:ctrlPr>
-                        </m:naryPr>
-                        <m:sub/>
-                        <m:sup/>
-                        <m:e>
-                          <m:sSub>
-                            <m:sSubPr>
-                              <m:ctrlPr>
-                                <a:rPr lang="en-US" sz="3800" i="1">
-                                  <a:latin typeface="Cambria Math" panose="02040503050406030204" pitchFamily="18" charset="0"/>
-                                </a:rPr>
-                              </m:ctrlPr>
-                            </m:sSubPr>
-                            <m:e>
-                              <m:r>
-                                <a:rPr lang="en-US" sz="3800" i="1">
-                                  <a:latin typeface="Cambria Math" panose="02040503050406030204" pitchFamily="18" charset="0"/>
-                                </a:rPr>
-                                <m:t>𝐹</m:t>
-                              </m:r>
-                            </m:e>
-                            <m:sub>
-                              <m:r>
-                                <a:rPr lang="en-US" sz="3800" i="1" smtClean="0">
-                                  <a:latin typeface="Cambria Math" panose="02040503050406030204" pitchFamily="18" charset="0"/>
-                                  <a:ea typeface="Cambria Math" panose="02040503050406030204" pitchFamily="18" charset="0"/>
-                                </a:rPr>
-                                <m:t>𝜃</m:t>
-                              </m:r>
-                            </m:sub>
-                          </m:sSub>
-                        </m:e>
-                      </m:nary>
-                      <m:r>
-                        <a:rPr lang="en-US" sz="3800" i="1">
-                          <a:latin typeface="Cambria Math" panose="02040503050406030204" pitchFamily="18" charset="0"/>
-                        </a:rPr>
-                        <m:t>=</m:t>
-                      </m:r>
-                      <m:r>
-                        <a:rPr lang="en-US" sz="3800" b="0" i="1" smtClean="0">
-                          <a:latin typeface="Cambria Math" panose="02040503050406030204" pitchFamily="18" charset="0"/>
-                        </a:rPr>
-                        <m:t>𝑚</m:t>
-                      </m:r>
-                      <m:sSub>
-                        <m:sSubPr>
-                          <m:ctrlPr>
-                            <a:rPr lang="en-US" sz="3800" i="1">
-                              <a:latin typeface="Cambria Math" panose="02040503050406030204" pitchFamily="18" charset="0"/>
-                            </a:rPr>
-                          </m:ctrlPr>
-                        </m:sSubPr>
-                        <m:e>
-                          <m:r>
-                            <a:rPr lang="en-US" sz="3800" i="1">
-                              <a:latin typeface="Cambria Math" panose="02040503050406030204" pitchFamily="18" charset="0"/>
-                            </a:rPr>
-                            <m:t>𝑎</m:t>
-                          </m:r>
-                        </m:e>
-                        <m:sub>
-                          <m:r>
-                            <a:rPr lang="en-US" sz="3800" i="1" smtClean="0">
-                              <a:latin typeface="Cambria Math" panose="02040503050406030204" pitchFamily="18" charset="0"/>
-                              <a:ea typeface="Cambria Math" panose="02040503050406030204" pitchFamily="18" charset="0"/>
-                            </a:rPr>
-                            <m:t>𝜃</m:t>
-                          </m:r>
-                        </m:sub>
-                      </m:sSub>
-                      <m:r>
-                        <a:rPr lang="en-US" sz="3800" i="1">
-                          <a:latin typeface="Cambria Math" panose="02040503050406030204" pitchFamily="18" charset="0"/>
-                        </a:rPr>
-                        <m:t>=</m:t>
-                      </m:r>
-                      <m:r>
-                        <a:rPr lang="en-US" sz="3800" i="1">
-                          <a:latin typeface="Cambria Math" panose="02040503050406030204" pitchFamily="18" charset="0"/>
-                        </a:rPr>
-                        <m:t>𝑚</m:t>
-                      </m:r>
-                      <m:r>
-                        <a:rPr lang="en-US" sz="3800" i="1">
-                          <a:latin typeface="Cambria Math" panose="02040503050406030204" pitchFamily="18" charset="0"/>
-                        </a:rPr>
-                        <m:t>(</m:t>
-                      </m:r>
-                      <m:r>
-                        <a:rPr lang="en-US" sz="3800" i="1">
-                          <a:latin typeface="Cambria Math" panose="02040503050406030204" pitchFamily="18" charset="0"/>
-                        </a:rPr>
-                        <m:t>𝑟</m:t>
-                      </m:r>
-                      <m:r>
-                        <a:rPr lang="en-US" sz="3800" i="1" smtClean="0">
-                          <a:latin typeface="Cambria Math" panose="02040503050406030204" pitchFamily="18" charset="0"/>
-                          <a:ea typeface="Cambria Math" panose="02040503050406030204" pitchFamily="18" charset="0"/>
-                        </a:rPr>
-                        <m:t>𝛼</m:t>
-                      </m:r>
-                      <m:r>
-                        <a:rPr lang="en-US" sz="3800" i="1">
-                          <a:latin typeface="Cambria Math" panose="02040503050406030204" pitchFamily="18" charset="0"/>
-                        </a:rPr>
-                        <m:t>)</m:t>
-                      </m:r>
-                    </m:oMath>
-                  </m:oMathPara>
-                </a14:m>
-                <a:endParaRPr lang="en-US" sz="3800" i="1" dirty="0">
-                  <a:latin typeface="Cambria Math" panose="02040503050406030204" pitchFamily="18" charset="0"/>
-                </a:endParaRPr>
-              </a:p>
-              <a:p>
-                <a:pPr marL="457200" lvl="1" indent="0">
-                  <a:buNone/>
-                </a:pPr>
-                <a14:m>
-                  <m:oMath xmlns:m="http://schemas.openxmlformats.org/officeDocument/2006/math">
-                    <m:nary>
-                      <m:naryPr>
-                        <m:chr m:val="∑"/>
-                        <m:subHide m:val="on"/>
-                        <m:supHide m:val="on"/>
-                        <m:ctrlPr>
-                          <a:rPr lang="en-US" sz="4000" i="1" smtClean="0">
-                            <a:latin typeface="Cambria Math" panose="02040503050406030204" pitchFamily="18" charset="0"/>
-                          </a:rPr>
-                        </m:ctrlPr>
-                      </m:naryPr>
-                      <m:sub/>
-                      <m:sup/>
-                      <m:e>
-                        <m:sSub>
-                          <m:sSubPr>
-                            <m:ctrlPr>
-                              <a:rPr lang="en-US" sz="4000" b="0" i="1" smtClean="0">
-                                <a:latin typeface="Cambria Math" panose="02040503050406030204" pitchFamily="18" charset="0"/>
-                              </a:rPr>
-                            </m:ctrlPr>
-                          </m:sSubPr>
-                          <m:e>
-                            <m:r>
-                              <a:rPr lang="en-US" sz="4000" b="0" i="1" smtClean="0">
-                                <a:latin typeface="Cambria Math" panose="02040503050406030204" pitchFamily="18" charset="0"/>
-                              </a:rPr>
-                              <m:t>𝑀</m:t>
-                            </m:r>
-                          </m:e>
-                          <m:sub>
-                            <m:r>
-                              <a:rPr lang="en-US" sz="4000" b="0" i="1" smtClean="0">
-                                <a:latin typeface="Cambria Math" panose="02040503050406030204" pitchFamily="18" charset="0"/>
-                              </a:rPr>
-                              <m:t>𝑂</m:t>
-                            </m:r>
-                          </m:sub>
-                        </m:sSub>
-                      </m:e>
-                    </m:nary>
-                    <m:r>
-                      <a:rPr lang="en-US" sz="4000" i="1">
-                        <a:latin typeface="Cambria Math" panose="02040503050406030204" pitchFamily="18" charset="0"/>
-                      </a:rPr>
-                      <m:t>=</m:t>
-                    </m:r>
-                    <m:sSub>
-                      <m:sSubPr>
-                        <m:ctrlPr>
-                          <a:rPr lang="en-US" sz="4000" i="1" smtClean="0">
-                            <a:latin typeface="Cambria Math" panose="02040503050406030204" pitchFamily="18" charset="0"/>
-                          </a:rPr>
-                        </m:ctrlPr>
-                      </m:sSubPr>
-                      <m:e>
-                        <m:r>
-                          <a:rPr lang="en-US" sz="4000" b="0" i="1" smtClean="0">
-                            <a:latin typeface="Cambria Math" panose="02040503050406030204" pitchFamily="18" charset="0"/>
-                          </a:rPr>
-                          <m:t>𝐼</m:t>
-                        </m:r>
-                      </m:e>
-                      <m:sub>
-                        <m:r>
-                          <a:rPr lang="en-US" sz="4000" b="0" i="1" smtClean="0">
-                            <a:latin typeface="Cambria Math" panose="02040503050406030204" pitchFamily="18" charset="0"/>
-                          </a:rPr>
-                          <m:t>𝑂</m:t>
-                        </m:r>
-                      </m:sub>
-                    </m:sSub>
-                    <m:r>
-                      <a:rPr lang="en-US" sz="4000" b="0" i="1" smtClean="0">
-                        <a:latin typeface="Cambria Math" panose="02040503050406030204" pitchFamily="18" charset="0"/>
-                      </a:rPr>
-                      <m:t>∗</m:t>
-                    </m:r>
-                    <m:r>
-                      <a:rPr lang="en-US" sz="4000" i="1" smtClean="0">
-                        <a:latin typeface="Cambria Math" panose="02040503050406030204" pitchFamily="18" charset="0"/>
-                        <a:ea typeface="Cambria Math" panose="02040503050406030204" pitchFamily="18" charset="0"/>
-                      </a:rPr>
-                      <m:t>𝛼</m:t>
-                    </m:r>
-                  </m:oMath>
-                </a14:m>
-                <a:r>
-                  <a:rPr lang="en-US" sz="4000" dirty="0"/>
-                  <a:t>    or     </a:t>
-                </a:r>
-                <a14:m>
-                  <m:oMath xmlns:m="http://schemas.openxmlformats.org/officeDocument/2006/math">
-                    <m:nary>
-                      <m:naryPr>
-                        <m:chr m:val="∑"/>
-                        <m:subHide m:val="on"/>
-                        <m:supHide m:val="on"/>
-                        <m:ctrlPr>
-                          <a:rPr lang="en-US" sz="4000" i="1">
-                            <a:latin typeface="Cambria Math" panose="02040503050406030204" pitchFamily="18" charset="0"/>
-                          </a:rPr>
-                        </m:ctrlPr>
-                      </m:naryPr>
-                      <m:sub/>
-                      <m:sup/>
-                      <m:e>
-                        <m:sSub>
-                          <m:sSubPr>
-                            <m:ctrlPr>
-                              <a:rPr lang="en-US" sz="4000" i="1">
-                                <a:latin typeface="Cambria Math" panose="02040503050406030204" pitchFamily="18" charset="0"/>
-                              </a:rPr>
-                            </m:ctrlPr>
-                          </m:sSubPr>
-                          <m:e>
-                            <m:r>
-                              <a:rPr lang="en-US" sz="4000" i="1">
-                                <a:latin typeface="Cambria Math" panose="02040503050406030204" pitchFamily="18" charset="0"/>
-                              </a:rPr>
-                              <m:t>𝑀</m:t>
-                            </m:r>
-                          </m:e>
-                          <m:sub>
-                            <m:r>
-                              <a:rPr lang="en-US" sz="4000" b="0" i="1" smtClean="0">
-                                <a:latin typeface="Cambria Math" panose="02040503050406030204" pitchFamily="18" charset="0"/>
-                              </a:rPr>
-                              <m:t>𝐺</m:t>
-                            </m:r>
-                          </m:sub>
-                        </m:sSub>
-                      </m:e>
-                    </m:nary>
-                    <m:r>
-                      <a:rPr lang="en-US" sz="4000" i="1">
-                        <a:latin typeface="Cambria Math" panose="02040503050406030204" pitchFamily="18" charset="0"/>
-                      </a:rPr>
-                      <m:t>=</m:t>
-                    </m:r>
-                    <m:sSub>
-                      <m:sSubPr>
-                        <m:ctrlPr>
-                          <a:rPr lang="en-US" sz="4000" i="1">
-                            <a:latin typeface="Cambria Math" panose="02040503050406030204" pitchFamily="18" charset="0"/>
-                          </a:rPr>
-                        </m:ctrlPr>
-                      </m:sSubPr>
-                      <m:e>
-                        <m:r>
-                          <a:rPr lang="en-US" sz="4000" i="1">
-                            <a:latin typeface="Cambria Math" panose="02040503050406030204" pitchFamily="18" charset="0"/>
-                          </a:rPr>
-                          <m:t>𝐼</m:t>
-                        </m:r>
-                      </m:e>
-                      <m:sub>
-                        <m:r>
-                          <a:rPr lang="en-US" sz="4000" b="0" i="1" smtClean="0">
-                            <a:latin typeface="Cambria Math" panose="02040503050406030204" pitchFamily="18" charset="0"/>
-                          </a:rPr>
-                          <m:t>𝐺</m:t>
-                        </m:r>
-                      </m:sub>
-                    </m:sSub>
-                    <m:r>
-                      <a:rPr lang="en-US" sz="4000" i="1">
-                        <a:latin typeface="Cambria Math" panose="02040503050406030204" pitchFamily="18" charset="0"/>
-                      </a:rPr>
-                      <m:t>∗</m:t>
-                    </m:r>
-                    <m:r>
-                      <a:rPr lang="en-US" sz="4000" i="1">
-                        <a:latin typeface="Cambria Math" panose="02040503050406030204" pitchFamily="18" charset="0"/>
-                        <a:ea typeface="Cambria Math" panose="02040503050406030204" pitchFamily="18" charset="0"/>
-                      </a:rPr>
-                      <m:t>𝛼</m:t>
-                    </m:r>
-                  </m:oMath>
-                </a14:m>
-                <a:endParaRPr lang="en-US" sz="4000" dirty="0"/>
-              </a:p>
-              <a:p>
-                <a:pPr marL="457200" lvl="1" indent="0">
-                  <a:buNone/>
-                </a:pPr>
-                <a:r>
-                  <a:rPr lang="en-US" sz="4000" dirty="0"/>
-                  <a:t> </a:t>
-                </a:r>
-              </a:p>
-              <a:p>
-                <a:r>
-                  <a:rPr lang="en-US" dirty="0"/>
-                  <a:t>In instances of unbalanced fixed axis rotation, we can sum the moments about the </a:t>
-                </a:r>
-                <a:r>
-                  <a:rPr lang="en-US" b="1" dirty="0"/>
-                  <a:t>fixed axis </a:t>
-                </a:r>
-                <a:r>
-                  <a:rPr lang="en-US" dirty="0"/>
-                  <a:t>of rotation or about the </a:t>
-                </a:r>
-                <a:r>
-                  <a:rPr lang="en-US" b="1" dirty="0"/>
-                  <a:t>center of mass</a:t>
-                </a:r>
-                <a:r>
-                  <a:rPr lang="en-US" dirty="0"/>
-                  <a:t>.</a:t>
-                </a:r>
-              </a:p>
-              <a:p>
-                <a:pPr lvl="1"/>
-                <a:r>
-                  <a:rPr lang="en-US" dirty="0"/>
-                  <a:t>Just make sure you are consistent</a:t>
-                </a:r>
-              </a:p>
-            </p:txBody>
-          </p:sp>
-        </mc:Choice>
-        <mc:Fallback>
-          <p:sp>
-            <p:nvSpPr>
-              <p:cNvPr id="3" name="Content Placeholder 2"/>
-              <p:cNvSpPr>
-                <a:spLocks noGrp="1" noRot="1" noChangeAspect="1" noMove="1" noResize="1" noEditPoints="1" noAdjustHandles="1" noChangeArrowheads="1" noChangeShapeType="1" noTextEdit="1"/>
-              </p:cNvSpPr>
-              <p:nvPr>
-                <p:ph idx="1"/>
-              </p:nvPr>
-            </p:nvSpPr>
-            <p:spPr>
-              <a:xfrm>
-                <a:off x="457200" y="1600200"/>
-                <a:ext cx="6172200" cy="4800600"/>
-              </a:xfrm>
-              <a:blipFill>
-                <a:blip r:embed="rId2"/>
-                <a:stretch>
-                  <a:fillRect l="-888" t="-1906" r="-1579"/>
-                </a:stretch>
-              </a:blipFill>
-            </p:spPr>
-            <p:txBody>
-              <a:bodyPr/>
-              <a:lstStyle/>
-              <a:p>
-                <a:r>
-                  <a:rPr lang="en-US">
-                    <a:noFill/>
-                  </a:rPr>
-                  <a:t> </a:t>
-                </a:r>
-              </a:p>
-            </p:txBody>
-          </p:sp>
-        </mc:Fallback>
-      </mc:AlternateContent>
-      <p:pic>
-        <p:nvPicPr>
-          <p:cNvPr id="6" name="Picture 2" descr="washing machine clothes dryer major appliance home appliances">
-            <a:extLst>
-              <a:ext uri="{FF2B5EF4-FFF2-40B4-BE49-F238E27FC236}">
-                <a16:creationId xmlns:a16="http://schemas.microsoft.com/office/drawing/2014/main" id="{66E7E9B5-A263-49DE-AF74-7312EC886F0A}"/>
-              </a:ext>
-            </a:extLst>
-          </p:cNvPr>
-          <p:cNvPicPr>
-            <a:picLocks noChangeAspect="1" noChangeArrowheads="1"/>
-          </p:cNvPicPr>
-          <p:nvPr/>
-        </p:nvPicPr>
-        <p:blipFill rotWithShape="1">
-          <a:blip r:embed="rId3" cstate="print">
-            <a:extLst>
-              <a:ext uri="{28A0092B-C50C-407E-A947-70E740481C1C}">
-                <a14:useLocalDpi xmlns:a14="http://schemas.microsoft.com/office/drawing/2010/main" val="0"/>
-              </a:ext>
-            </a:extLst>
-          </a:blip>
-          <a:srcRect l="4075" t="8888" b="22223"/>
-          <a:stretch/>
-        </p:blipFill>
-        <p:spPr bwMode="auto">
-          <a:xfrm>
-            <a:off x="6728176" y="990600"/>
-            <a:ext cx="2041115" cy="1954427"/>
-          </a:xfrm>
-          <a:prstGeom prst="rect">
-            <a:avLst/>
-          </a:prstGeom>
-          <a:noFill/>
-          <a:extLst>
-            <a:ext uri="{909E8E84-426E-40DD-AFC4-6F175D3DCCD1}">
-              <a14:hiddenFill xmlns:a14="http://schemas.microsoft.com/office/drawing/2010/main">
-                <a:solidFill>
-                  <a:srgbClr val="FFFFFF"/>
-                </a:solidFill>
-              </a14:hiddenFill>
-            </a:ext>
-          </a:extLst>
-        </p:spPr>
-      </p:pic>
-      <p:pic>
-        <p:nvPicPr>
-          <p:cNvPr id="1028" name="Picture 4" descr="A video game controller">
-            <a:extLst>
-              <a:ext uri="{FF2B5EF4-FFF2-40B4-BE49-F238E27FC236}">
-                <a16:creationId xmlns:a16="http://schemas.microsoft.com/office/drawing/2014/main" id="{6E7EC846-C563-4AA0-8836-6AA74F18CF23}"/>
-              </a:ext>
-            </a:extLst>
-          </p:cNvPr>
-          <p:cNvPicPr>
-            <a:picLocks noChangeAspect="1" noChangeArrowheads="1"/>
-          </p:cNvPicPr>
-          <p:nvPr/>
-        </p:nvPicPr>
-        <p:blipFill>
-          <a:blip r:embed="rId4">
-            <a:extLst>
-              <a:ext uri="{28A0092B-C50C-407E-A947-70E740481C1C}">
-                <a14:useLocalDpi xmlns:a14="http://schemas.microsoft.com/office/drawing/2010/main" val="0"/>
-              </a:ext>
-            </a:extLst>
-          </a:blip>
-          <a:srcRect/>
-          <a:stretch>
-            <a:fillRect/>
-          </a:stretch>
-        </p:blipFill>
-        <p:spPr bwMode="auto">
-          <a:xfrm>
-            <a:off x="6629400" y="4579736"/>
-            <a:ext cx="2296727" cy="2036431"/>
-          </a:xfrm>
-          <a:prstGeom prst="rect">
-            <a:avLst/>
-          </a:prstGeom>
-          <a:noFill/>
-          <a:extLst>
-            <a:ext uri="{909E8E84-426E-40DD-AFC4-6F175D3DCCD1}">
-              <a14:hiddenFill xmlns:a14="http://schemas.microsoft.com/office/drawing/2010/main">
-                <a:solidFill>
-                  <a:srgbClr val="FFFFFF"/>
-                </a:solidFill>
-              </a14:hiddenFill>
-            </a:ext>
-          </a:extLst>
-        </p:spPr>
-      </p:pic>
-      <p:pic>
-        <p:nvPicPr>
-          <p:cNvPr id="1026" name="Picture 2" descr="A point on a rotating fixed axis">
-            <a:extLst>
-              <a:ext uri="{FF2B5EF4-FFF2-40B4-BE49-F238E27FC236}">
-                <a16:creationId xmlns:a16="http://schemas.microsoft.com/office/drawing/2014/main" id="{E3AC7BAE-6C09-4A21-BF43-8798C1B72B4A}"/>
-              </a:ext>
-            </a:extLst>
-          </p:cNvPr>
-          <p:cNvPicPr>
-            <a:picLocks noChangeAspect="1" noChangeArrowheads="1"/>
-          </p:cNvPicPr>
-          <p:nvPr/>
-        </p:nvPicPr>
-        <p:blipFill>
-          <a:blip r:embed="rId5">
-            <a:extLst>
-              <a:ext uri="{28A0092B-C50C-407E-A947-70E740481C1C}">
-                <a14:useLocalDpi xmlns:a14="http://schemas.microsoft.com/office/drawing/2010/main" val="0"/>
-              </a:ext>
-            </a:extLst>
-          </a:blip>
-          <a:srcRect/>
-          <a:stretch>
-            <a:fillRect/>
-          </a:stretch>
-        </p:blipFill>
-        <p:spPr bwMode="auto">
-          <a:xfrm>
-            <a:off x="6472565" y="2617619"/>
-            <a:ext cx="2296726" cy="2086740"/>
-          </a:xfrm>
-          <a:prstGeom prst="rect">
-            <a:avLst/>
-          </a:prstGeom>
-          <a:noFill/>
-          <a:extLst>
-            <a:ext uri="{909E8E84-426E-40DD-AFC4-6F175D3DCCD1}">
-              <a14:hiddenFill xmlns:a14="http://schemas.microsoft.com/office/drawing/2010/main">
-                <a:solidFill>
-                  <a:srgbClr val="FFFFFF"/>
-                </a:solidFill>
-              </a14:hiddenFill>
-            </a:ext>
-          </a:extLst>
-        </p:spPr>
-      </p:pic>
-    </p:spTree>
-    <p:extLst>
-      <p:ext uri="{BB962C8B-B14F-4D97-AF65-F5344CB8AC3E}">
-        <p14:creationId xmlns:p14="http://schemas.microsoft.com/office/powerpoint/2010/main" val="1605433896"/>
-      </p:ext>
-    </p:extLst>
-  </p:cSld>
-  <p:clrMapOvr>
-    <a:masterClrMapping/>
-  </p:clrMapOvr>
-  <p:timing>
-    <p:tnLst>
-      <p:par>
-        <p:cTn id="1" dur="indefinite" restart="never" nodeType="tmRoot">
-          <p:childTnLst>
-            <p:seq concurrent="1" nextAc="seek">
-              <p:cTn id="2" dur="indefinite" nodeType="mainSeq">
-                <p:childTnLst>
-                  <p:par>
-                    <p:cTn id="3" fill="hold">
-                      <p:stCondLst>
-                        <p:cond delay="indefinite"/>
-                      </p:stCondLst>
-                      <p:childTnLst>
-                        <p:par>
-                          <p:cTn id="4" fill="hold">
-                            <p:stCondLst>
-                              <p:cond delay="0"/>
-                            </p:stCondLst>
-                            <p:childTnLst>
-                              <p:par>
-                                <p:cTn id="5" presetID="1" presetClass="entr" presetSubtype="0" fill="hold" grpId="0" nodeType="clickEffect">
-                                  <p:stCondLst>
-                                    <p:cond delay="0"/>
-                                  </p:stCondLst>
-                                  <p:childTnLst>
-                                    <p:set>
-                                      <p:cBhvr>
-                                        <p:cTn id="6" dur="1" fill="hold">
-                                          <p:stCondLst>
-                                            <p:cond delay="0"/>
-                                          </p:stCondLst>
-                                        </p:cTn>
-                                        <p:tgtEl>
-                                          <p:spTgt spid="3">
-                                            <p:txEl>
-                                              <p:pRg st="0" end="0"/>
-                                            </p:txEl>
-                                          </p:spTgt>
-                                        </p:tgtEl>
-                                        <p:attrNameLst>
-                                          <p:attrName>style.visibility</p:attrName>
-                                        </p:attrNameLst>
-                                      </p:cBhvr>
-                                      <p:to>
-                                        <p:strVal val="visible"/>
-                                      </p:to>
-                                    </p:set>
-                                  </p:childTnLst>
-                                </p:cTn>
-                              </p:par>
-                            </p:childTnLst>
-                          </p:cTn>
-                        </p:par>
-                      </p:childTnLst>
-                    </p:cTn>
-                  </p:par>
-                  <p:par>
-                    <p:cTn id="7" fill="hold">
-                      <p:stCondLst>
-                        <p:cond delay="indefinite"/>
-                      </p:stCondLst>
-                      <p:childTnLst>
-                        <p:par>
-                          <p:cTn id="8" fill="hold">
-                            <p:stCondLst>
-                              <p:cond delay="0"/>
-                            </p:stCondLst>
-                            <p:childTnLst>
-                              <p:par>
-                                <p:cTn id="9" presetID="10" presetClass="entr" presetSubtype="0" fill="hold" nodeType="clickEffect">
-                                  <p:stCondLst>
-                                    <p:cond delay="0"/>
-                                  </p:stCondLst>
-                                  <p:childTnLst>
-                                    <p:set>
-                                      <p:cBhvr>
-                                        <p:cTn id="10" dur="1" fill="hold">
-                                          <p:stCondLst>
-                                            <p:cond delay="0"/>
-                                          </p:stCondLst>
-                                        </p:cTn>
-                                        <p:tgtEl>
-                                          <p:spTgt spid="6"/>
-                                        </p:tgtEl>
-                                        <p:attrNameLst>
-                                          <p:attrName>style.visibility</p:attrName>
-                                        </p:attrNameLst>
-                                      </p:cBhvr>
-                                      <p:to>
-                                        <p:strVal val="visible"/>
-                                      </p:to>
-                                    </p:set>
-                                    <p:animEffect transition="in" filter="fade">
-                                      <p:cBhvr>
-                                        <p:cTn id="11" dur="500"/>
-                                        <p:tgtEl>
-                                          <p:spTgt spid="6"/>
-                                        </p:tgtEl>
-                                      </p:cBhvr>
-                                    </p:animEffect>
-                                  </p:childTnLst>
-                                </p:cTn>
-                              </p:par>
-                            </p:childTnLst>
-                          </p:cTn>
-                        </p:par>
-                      </p:childTnLst>
-                    </p:cTn>
-                  </p:par>
-                  <p:par>
-                    <p:cTn id="12" fill="hold">
-                      <p:stCondLst>
-                        <p:cond delay="indefinite"/>
-                      </p:stCondLst>
-                      <p:childTnLst>
-                        <p:par>
-                          <p:cTn id="13" fill="hold">
-                            <p:stCondLst>
-                              <p:cond delay="0"/>
-                            </p:stCondLst>
-                            <p:childTnLst>
-                              <p:par>
-                                <p:cTn id="14" presetID="10" presetClass="entr" presetSubtype="0" fill="hold" nodeType="clickEffect">
-                                  <p:stCondLst>
-                                    <p:cond delay="0"/>
-                                  </p:stCondLst>
-                                  <p:childTnLst>
-                                    <p:set>
-                                      <p:cBhvr>
-                                        <p:cTn id="15" dur="1" fill="hold">
-                                          <p:stCondLst>
-                                            <p:cond delay="0"/>
-                                          </p:stCondLst>
-                                        </p:cTn>
-                                        <p:tgtEl>
-                                          <p:spTgt spid="1028"/>
-                                        </p:tgtEl>
-                                        <p:attrNameLst>
-                                          <p:attrName>style.visibility</p:attrName>
-                                        </p:attrNameLst>
-                                      </p:cBhvr>
-                                      <p:to>
-                                        <p:strVal val="visible"/>
-                                      </p:to>
-                                    </p:set>
-                                    <p:animEffect transition="in" filter="fade">
-                                      <p:cBhvr>
-                                        <p:cTn id="16" dur="500"/>
-                                        <p:tgtEl>
-                                          <p:spTgt spid="1028"/>
-                                        </p:tgtEl>
-                                      </p:cBhvr>
-                                    </p:animEffect>
-                                  </p:childTnLst>
-                                </p:cTn>
-                              </p:par>
-                            </p:childTnLst>
-                          </p:cTn>
-                        </p:par>
-                      </p:childTnLst>
-                    </p:cTn>
-                  </p:par>
-                  <p:par>
-                    <p:cTn id="17" fill="hold">
-                      <p:stCondLst>
-                        <p:cond delay="indefinite"/>
-                      </p:stCondLst>
-                      <p:childTnLst>
-                        <p:par>
-                          <p:cTn id="18" fill="hold">
-                            <p:stCondLst>
-                              <p:cond delay="0"/>
-                            </p:stCondLst>
-                            <p:childTnLst>
-                              <p:par>
-                                <p:cTn id="19" presetID="10" presetClass="entr" presetSubtype="0" fill="hold" nodeType="clickEffect">
-                                  <p:stCondLst>
-                                    <p:cond delay="0"/>
-                                  </p:stCondLst>
-                                  <p:childTnLst>
-                                    <p:set>
-                                      <p:cBhvr>
-                                        <p:cTn id="20" dur="1" fill="hold">
-                                          <p:stCondLst>
-                                            <p:cond delay="0"/>
-                                          </p:stCondLst>
-                                        </p:cTn>
-                                        <p:tgtEl>
-                                          <p:spTgt spid="1026"/>
-                                        </p:tgtEl>
-                                        <p:attrNameLst>
-                                          <p:attrName>style.visibility</p:attrName>
-                                        </p:attrNameLst>
-                                      </p:cBhvr>
-                                      <p:to>
-                                        <p:strVal val="visible"/>
-                                      </p:to>
-                                    </p:set>
-                                    <p:animEffect transition="in" filter="fade">
-                                      <p:cBhvr>
-                                        <p:cTn id="21" dur="500"/>
-                                        <p:tgtEl>
-                                          <p:spTgt spid="1026"/>
-                                        </p:tgtEl>
-                                      </p:cBhvr>
-                                    </p:animEffect>
-                                  </p:childTnLst>
-                                </p:cTn>
-                              </p:par>
-                            </p:childTnLst>
-                          </p:cTn>
-                        </p:par>
-                      </p:childTnLst>
-                    </p:cTn>
-                  </p:par>
-                  <p:par>
-                    <p:cTn id="22" fill="hold">
-                      <p:stCondLst>
-                        <p:cond delay="indefinite"/>
-                      </p:stCondLst>
-                      <p:childTnLst>
-                        <p:par>
-                          <p:cTn id="23" fill="hold">
-                            <p:stCondLst>
-                              <p:cond delay="0"/>
-                            </p:stCondLst>
-                            <p:childTnLst>
-                              <p:par>
-                                <p:cTn id="24" presetID="1" presetClass="entr" presetSubtype="0" fill="hold" grpId="0" nodeType="clickEffect">
-                                  <p:stCondLst>
-                                    <p:cond delay="0"/>
-                                  </p:stCondLst>
-                                  <p:childTnLst>
-                                    <p:set>
-                                      <p:cBhvr>
-                                        <p:cTn id="25" dur="1" fill="hold">
-                                          <p:stCondLst>
-                                            <p:cond delay="0"/>
-                                          </p:stCondLst>
-                                        </p:cTn>
-                                        <p:tgtEl>
-                                          <p:spTgt spid="3">
-                                            <p:txEl>
-                                              <p:pRg st="1" end="1"/>
-                                            </p:txEl>
-                                          </p:spTgt>
-                                        </p:tgtEl>
-                                        <p:attrNameLst>
-                                          <p:attrName>style.visibility</p:attrName>
-                                        </p:attrNameLst>
-                                      </p:cBhvr>
-                                      <p:to>
-                                        <p:strVal val="visible"/>
-                                      </p:to>
-                                    </p:set>
-                                  </p:childTnLst>
-                                </p:cTn>
-                              </p:par>
-                            </p:childTnLst>
-                          </p:cTn>
-                        </p:par>
-                      </p:childTnLst>
-                    </p:cTn>
-                  </p:par>
-                  <p:par>
-                    <p:cTn id="26" fill="hold">
-                      <p:stCondLst>
-                        <p:cond delay="indefinite"/>
-                      </p:stCondLst>
-                      <p:childTnLst>
-                        <p:par>
-                          <p:cTn id="27" fill="hold">
-                            <p:stCondLst>
-                              <p:cond delay="0"/>
-                            </p:stCondLst>
-                            <p:childTnLst>
-                              <p:par>
-                                <p:cTn id="28" presetID="1" presetClass="entr" presetSubtype="0" fill="hold" grpId="0" nodeType="clickEffect">
-                                  <p:stCondLst>
-                                    <p:cond delay="0"/>
-                                  </p:stCondLst>
-                                  <p:childTnLst>
-                                    <p:set>
-                                      <p:cBhvr>
-                                        <p:cTn id="29" dur="1" fill="hold">
-                                          <p:stCondLst>
-                                            <p:cond delay="0"/>
-                                          </p:stCondLst>
-                                        </p:cTn>
-                                        <p:tgtEl>
-                                          <p:spTgt spid="3">
-                                            <p:txEl>
-                                              <p:pRg st="2" end="2"/>
-                                            </p:txEl>
-                                          </p:spTgt>
-                                        </p:tgtEl>
-                                        <p:attrNameLst>
-                                          <p:attrName>style.visibility</p:attrName>
-                                        </p:attrNameLst>
-                                      </p:cBhvr>
-                                      <p:to>
-                                        <p:strVal val="visible"/>
-                                      </p:to>
-                                    </p:set>
-                                  </p:childTnLst>
-                                </p:cTn>
-                              </p:par>
-                            </p:childTnLst>
-                          </p:cTn>
-                        </p:par>
-                      </p:childTnLst>
-                    </p:cTn>
-                  </p:par>
-                  <p:par>
-                    <p:cTn id="30" fill="hold">
-                      <p:stCondLst>
-                        <p:cond delay="indefinite"/>
-                      </p:stCondLst>
-                      <p:childTnLst>
-                        <p:par>
-                          <p:cTn id="31" fill="hold">
-                            <p:stCondLst>
-                              <p:cond delay="0"/>
-                            </p:stCondLst>
-                            <p:childTnLst>
-                              <p:par>
-                                <p:cTn id="32" presetID="1" presetClass="entr" presetSubtype="0" fill="hold" grpId="0" nodeType="clickEffect">
-                                  <p:stCondLst>
-                                    <p:cond delay="0"/>
-                                  </p:stCondLst>
-                                  <p:childTnLst>
-                                    <p:set>
-                                      <p:cBhvr>
-                                        <p:cTn id="33" dur="1" fill="hold">
-                                          <p:stCondLst>
-                                            <p:cond delay="0"/>
-                                          </p:stCondLst>
-                                        </p:cTn>
-                                        <p:tgtEl>
-                                          <p:spTgt spid="3">
-                                            <p:txEl>
-                                              <p:pRg st="3" end="3"/>
-                                            </p:txEl>
-                                          </p:spTgt>
-                                        </p:tgtEl>
-                                        <p:attrNameLst>
-                                          <p:attrName>style.visibility</p:attrName>
-                                        </p:attrNameLst>
-                                      </p:cBhvr>
-                                      <p:to>
-                                        <p:strVal val="visible"/>
-                                      </p:to>
-                                    </p:set>
-                                  </p:childTnLst>
-                                </p:cTn>
-                              </p:par>
-                            </p:childTnLst>
-                          </p:cTn>
-                        </p:par>
-                      </p:childTnLst>
-                    </p:cTn>
-                  </p:par>
-                  <p:par>
-                    <p:cTn id="34" fill="hold">
-                      <p:stCondLst>
-                        <p:cond delay="indefinite"/>
-                      </p:stCondLst>
-                      <p:childTnLst>
-                        <p:par>
-                          <p:cTn id="35" fill="hold">
-                            <p:stCondLst>
-                              <p:cond delay="0"/>
-                            </p:stCondLst>
-                            <p:childTnLst>
-                              <p:par>
-                                <p:cTn id="36" presetID="1" presetClass="entr" presetSubtype="0" fill="hold" grpId="0" nodeType="clickEffect">
-                                  <p:stCondLst>
-                                    <p:cond delay="0"/>
-                                  </p:stCondLst>
-                                  <p:childTnLst>
-                                    <p:set>
-                                      <p:cBhvr>
-                                        <p:cTn id="37" dur="1" fill="hold">
-                                          <p:stCondLst>
-                                            <p:cond delay="0"/>
-                                          </p:stCondLst>
-                                        </p:cTn>
-                                        <p:tgtEl>
-                                          <p:spTgt spid="3">
-                                            <p:txEl>
-                                              <p:pRg st="5" end="5"/>
-                                            </p:txEl>
-                                          </p:spTgt>
-                                        </p:tgtEl>
-                                        <p:attrNameLst>
-                                          <p:attrName>style.visibility</p:attrName>
-                                        </p:attrNameLst>
-                                      </p:cBhvr>
-                                      <p:to>
-                                        <p:strVal val="visible"/>
-                                      </p:to>
-                                    </p:set>
-                                  </p:childTnLst>
-                                </p:cTn>
-                              </p:par>
-                              <p:par>
-                                <p:cTn id="38" presetID="1" presetClass="entr" presetSubtype="0" fill="hold" grpId="0" nodeType="withEffect">
-                                  <p:stCondLst>
-                                    <p:cond delay="0"/>
-                                  </p:stCondLst>
-                                  <p:childTnLst>
-                                    <p:set>
-                                      <p:cBhvr>
-                                        <p:cTn id="39" dur="1" fill="hold">
-                                          <p:stCondLst>
-                                            <p:cond delay="0"/>
-                                          </p:stCondLst>
-                                        </p:cTn>
-                                        <p:tgtEl>
-                                          <p:spTgt spid="3">
-                                            <p:txEl>
-                                              <p:pRg st="6" end="6"/>
-                                            </p:txEl>
-                                          </p:spTgt>
-                                        </p:tgtEl>
-                                        <p:attrNameLst>
-                                          <p:attrName>style.visibility</p:attrName>
-                                        </p:attrNameLst>
-                                      </p:cBhvr>
-                                      <p:to>
-                                        <p:strVal val="visible"/>
-                                      </p:to>
-                                    </p:set>
-                                  </p:childTnLst>
-                                </p:cTn>
-                              </p:par>
-                            </p:childTnLst>
-                          </p:cTn>
-                        </p:par>
-                      </p:childTnLst>
-                    </p:cTn>
-                  </p:par>
-                </p:childTnLst>
-              </p:cTn>
-              <p:prevCondLst>
-                <p:cond evt="onPrev" delay="0">
-                  <p:tgtEl>
-                    <p:sldTgt/>
-                  </p:tgtEl>
-                </p:cond>
-              </p:prevCondLst>
-              <p:nextCondLst>
-                <p:cond evt="onNext" delay="0">
-                  <p:tgtEl>
-                    <p:sldTgt/>
-                  </p:tgtEl>
-                </p:cond>
-              </p:nextCondLst>
-            </p:seq>
-          </p:childTnLst>
-        </p:cTn>
-      </p:par>
-    </p:tnLst>
-    <p:bldLst>
-      <p:bldP spid="3" grpId="0" uiExpand="1" build="p"/>
-    </p:bldLst>
-  </p:timing>
-</p:sld>
-</file>
-
-<file path=ppt/slides/slide6.xml><?xml version="1.0" encoding="utf-8"?>
-<p:sld xmlns:a="http://schemas.openxmlformats.org/drawingml/2006/main" xmlns:r="http://schemas.openxmlformats.org/officeDocument/2006/relationships" xmlns:p="http://schemas.openxmlformats.org/presentationml/2006/main">
-  <p:cSld>
-    <p:spTree>
-      <p:nvGrpSpPr>
-        <p:cNvPr id="1" name=""/>
-        <p:cNvGrpSpPr/>
-        <p:nvPr/>
-      </p:nvGrpSpPr>
-      <p:grpSpPr>
-        <a:xfrm>
-          <a:off x="0" y="0"/>
-          <a:ext cx="0" cy="0"/>
-          <a:chOff x="0" y="0"/>
-          <a:chExt cx="0" cy="0"/>
-        </a:xfrm>
-      </p:grpSpPr>
-      <p:sp>
-        <p:nvSpPr>
-          <p:cNvPr id="2" name="Title 1">
-            <a:extLst>
-              <a:ext uri="{FF2B5EF4-FFF2-40B4-BE49-F238E27FC236}">
-                <a16:creationId xmlns:a16="http://schemas.microsoft.com/office/drawing/2014/main" id="{61A07C29-9A58-4871-BDC5-A36C637901C2}"/>
-              </a:ext>
-            </a:extLst>
-          </p:cNvPr>
-          <p:cNvSpPr>
-            <a:spLocks noGrp="1"/>
-          </p:cNvSpPr>
-          <p:nvPr>
-            <p:ph type="title"/>
-          </p:nvPr>
-        </p:nvSpPr>
-        <p:spPr/>
-        <p:txBody>
-          <a:bodyPr>
-            <a:normAutofit fontScale="90000"/>
-          </a:bodyPr>
-          <a:lstStyle/>
-          <a:p>
-            <a:r>
-              <a:rPr lang="en-US" dirty="0"/>
-              <a:t>Solving a Rigid Body Kinetics Problem</a:t>
-            </a:r>
-            <a:br>
-              <a:rPr lang="en-US" dirty="0"/>
-            </a:br>
-            <a:r>
-              <a:rPr lang="en-US" dirty="0"/>
-              <a:t>(The Process)</a:t>
-            </a:r>
-          </a:p>
-        </p:txBody>
-      </p:sp>
-      <p:sp>
-        <p:nvSpPr>
-          <p:cNvPr id="3" name="Content Placeholder 2">
-            <a:extLst>
-              <a:ext uri="{FF2B5EF4-FFF2-40B4-BE49-F238E27FC236}">
-                <a16:creationId xmlns:a16="http://schemas.microsoft.com/office/drawing/2014/main" id="{A0280897-CDB5-4D78-9300-B055EC7031D9}"/>
-              </a:ext>
-            </a:extLst>
-          </p:cNvPr>
-          <p:cNvSpPr>
-            <a:spLocks noGrp="1"/>
-          </p:cNvSpPr>
-          <p:nvPr>
-            <p:ph idx="1"/>
-          </p:nvPr>
-        </p:nvSpPr>
-        <p:spPr>
-          <a:xfrm>
-            <a:off x="457200" y="1676400"/>
-            <a:ext cx="8229600" cy="4724400"/>
-          </a:xfrm>
-        </p:spPr>
-        <p:txBody>
-          <a:bodyPr>
-            <a:normAutofit fontScale="70000" lnSpcReduction="20000"/>
-          </a:bodyPr>
-          <a:lstStyle/>
-          <a:p>
-            <a:r>
-              <a:rPr lang="en-US" dirty="0"/>
-              <a:t>The process used in solving a kinetics problem is similar to solving a problem in statics and consists of three steps.</a:t>
-            </a:r>
-          </a:p>
-          <a:p>
-            <a:pPr marL="514350" indent="-514350">
-              <a:buFont typeface="+mj-lt"/>
-              <a:buAutoNum type="arabicPeriod"/>
-            </a:pPr>
-            <a:r>
-              <a:rPr lang="en-US" dirty="0"/>
-              <a:t>Set up a </a:t>
-            </a:r>
-            <a:r>
-              <a:rPr lang="en-US" b="1" dirty="0"/>
-              <a:t>free body diagram</a:t>
-            </a:r>
-            <a:r>
-              <a:rPr lang="en-US" dirty="0"/>
-              <a:t>.</a:t>
-            </a:r>
-          </a:p>
-          <a:p>
-            <a:pPr marL="914400" lvl="1" indent="-514350"/>
-            <a:r>
-              <a:rPr lang="en-US" dirty="0"/>
-              <a:t>Draw the body separated from it’s surroundings</a:t>
-            </a:r>
-          </a:p>
-          <a:p>
-            <a:pPr marL="914400" lvl="1" indent="-514350"/>
-            <a:r>
-              <a:rPr lang="en-US" dirty="0"/>
-              <a:t>Draw in all the known and unknown forces (</a:t>
-            </a:r>
-            <a:r>
-              <a:rPr lang="en-US" dirty="0">
-                <a:solidFill>
-                  <a:srgbClr val="FF0000"/>
-                </a:solidFill>
-              </a:rPr>
-              <a:t>I use red for forces</a:t>
-            </a:r>
-            <a:r>
-              <a:rPr lang="en-US" dirty="0"/>
-              <a:t>) as well as key dimensions and angles (</a:t>
-            </a:r>
-            <a:r>
-              <a:rPr lang="en-US" dirty="0">
-                <a:solidFill>
-                  <a:schemeClr val="accent1"/>
-                </a:solidFill>
-              </a:rPr>
-              <a:t>I use blue for dimensions and angles</a:t>
-            </a:r>
-            <a:r>
-              <a:rPr lang="en-US" dirty="0"/>
-              <a:t>)</a:t>
-            </a:r>
-          </a:p>
-          <a:p>
-            <a:pPr marL="914400" lvl="1" indent="-514350"/>
-            <a:r>
-              <a:rPr lang="en-US" dirty="0"/>
-              <a:t>Draw in the acceleration vectors (</a:t>
-            </a:r>
-            <a:r>
-              <a:rPr lang="en-US" dirty="0">
-                <a:solidFill>
-                  <a:schemeClr val="accent1"/>
-                </a:solidFill>
-              </a:rPr>
-              <a:t>I use a blue dashed vector for this</a:t>
-            </a:r>
-            <a:r>
-              <a:rPr lang="en-US" dirty="0"/>
-              <a:t>)</a:t>
-            </a:r>
-          </a:p>
-          <a:p>
-            <a:pPr marL="514350" indent="-514350">
-              <a:buFont typeface="+mj-lt"/>
-              <a:buAutoNum type="arabicPeriod"/>
-            </a:pPr>
-            <a:r>
-              <a:rPr lang="en-US" dirty="0"/>
-              <a:t>Use the free body diagram to write out your </a:t>
-            </a:r>
-            <a:r>
-              <a:rPr lang="en-US" b="1" dirty="0"/>
-              <a:t>equations of motion</a:t>
-            </a:r>
-            <a:r>
-              <a:rPr lang="en-US" dirty="0"/>
-              <a:t>, breaking all forces down into x and y components, and writing out all the moments about the center of mass of the body or the fixed axis of rotation.</a:t>
-            </a:r>
-          </a:p>
-          <a:p>
-            <a:pPr marL="914400" lvl="1" indent="-514350"/>
-            <a:r>
-              <a:rPr lang="en-US" dirty="0"/>
-              <a:t>These may be supplemented with kinematics equations.</a:t>
-            </a:r>
-          </a:p>
-          <a:p>
-            <a:pPr marL="514350" indent="-514350">
-              <a:buFont typeface="+mj-lt"/>
-              <a:buAutoNum type="arabicPeriod"/>
-            </a:pPr>
-            <a:r>
-              <a:rPr lang="en-US" dirty="0"/>
-              <a:t>Solve the equations for any unknowns.</a:t>
-            </a:r>
-          </a:p>
-          <a:p>
-            <a:pPr marL="514350" indent="-514350">
-              <a:buFont typeface="+mj-lt"/>
-              <a:buAutoNum type="arabicPeriod"/>
-            </a:pPr>
-            <a:endParaRPr lang="en-US" dirty="0"/>
-          </a:p>
-        </p:txBody>
-      </p:sp>
-    </p:spTree>
-    <p:extLst>
-      <p:ext uri="{BB962C8B-B14F-4D97-AF65-F5344CB8AC3E}">
-        <p14:creationId xmlns:p14="http://schemas.microsoft.com/office/powerpoint/2010/main" val="2175471731"/>
+        <p14:creationId xmlns:p14="http://schemas.microsoft.com/office/powerpoint/2010/main" val="3903650284"/>
       </p:ext>
     </p:extLst>
   </p:cSld>
@@ -7509,15 +8692,86 @@
                                   </p:childTnLst>
                                 </p:cTn>
                               </p:par>
+                            </p:childTnLst>
+                          </p:cTn>
+                        </p:par>
+                      </p:childTnLst>
+                    </p:cTn>
+                  </p:par>
+                  <p:par>
+                    <p:cTn id="11" fill="hold">
+                      <p:stCondLst>
+                        <p:cond delay="indefinite"/>
+                      </p:stCondLst>
+                      <p:childTnLst>
+                        <p:par>
+                          <p:cTn id="12" fill="hold">
+                            <p:stCondLst>
+                              <p:cond delay="0"/>
+                            </p:stCondLst>
+                            <p:childTnLst>
                               <p:par>
-                                <p:cTn id="11" presetID="1" presetClass="entr" presetSubtype="0" fill="hold" grpId="0" nodeType="withEffect">
+                                <p:cTn id="13" presetID="10" presetClass="entr" presetSubtype="0" fill="hold" nodeType="clickEffect">
                                   <p:stCondLst>
                                     <p:cond delay="0"/>
                                   </p:stCondLst>
                                   <p:childTnLst>
                                     <p:set>
                                       <p:cBhvr>
-                                        <p:cTn id="12" dur="1" fill="hold">
+                                        <p:cTn id="14" dur="1" fill="hold">
+                                          <p:stCondLst>
+                                            <p:cond delay="0"/>
+                                          </p:stCondLst>
+                                        </p:cTn>
+                                        <p:tgtEl>
+                                          <p:spTgt spid="4098"/>
+                                        </p:tgtEl>
+                                        <p:attrNameLst>
+                                          <p:attrName>style.visibility</p:attrName>
+                                        </p:attrNameLst>
+                                      </p:cBhvr>
+                                      <p:to>
+                                        <p:strVal val="visible"/>
+                                      </p:to>
+                                    </p:set>
+                                    <p:animEffect transition="in" filter="fade">
+                                      <p:cBhvr>
+                                        <p:cTn id="15" dur="500"/>
+                                        <p:tgtEl>
+                                          <p:spTgt spid="4098"/>
+                                        </p:tgtEl>
+                                      </p:cBhvr>
+                                    </p:animEffect>
+                                  </p:childTnLst>
+                                </p:cTn>
+                              </p:par>
+                            </p:childTnLst>
+                          </p:cTn>
+                        </p:par>
+                      </p:childTnLst>
+                    </p:cTn>
+                  </p:par>
+                  <p:par>
+                    <p:cTn id="16" fill="hold">
+                      <p:stCondLst>
+                        <p:cond delay="indefinite"/>
+                      </p:stCondLst>
+                      <p:childTnLst>
+                        <p:par>
+                          <p:cTn id="17" fill="hold">
+                            <p:stCondLst>
+                              <p:cond delay="0"/>
+                            </p:stCondLst>
+                            <p:childTnLst>
+                              <p:par>
+                                <p:cTn id="18" presetID="1" presetClass="entr" presetSubtype="0" fill="hold" grpId="0" nodeType="clickEffect">
+                                  <p:stCondLst>
+                                    <p:cond delay="0"/>
+                                  </p:stCondLst>
+                                  <p:childTnLst>
+                                    <p:set>
+                                      <p:cBhvr>
+                                        <p:cTn id="19" dur="1" fill="hold">
                                           <p:stCondLst>
                                             <p:cond delay="0"/>
                                           </p:stCondLst>
@@ -7540,15 +8794,33 @@
                                   </p:childTnLst>
                                 </p:cTn>
                               </p:par>
+                            </p:childTnLst>
+                          </p:cTn>
+                        </p:par>
+                      </p:childTnLst>
+                    </p:cTn>
+                  </p:par>
+                  <p:par>
+                    <p:cTn id="20" fill="hold">
+                      <p:stCondLst>
+                        <p:cond delay="indefinite"/>
+                      </p:stCondLst>
+                      <p:childTnLst>
+                        <p:par>
+                          <p:cTn id="21" fill="hold">
+                            <p:stCondLst>
+                              <p:cond delay="0"/>
+                            </p:stCondLst>
+                            <p:childTnLst>
                               <p:par>
-                                <p:cTn id="13" presetID="1" presetClass="entr" presetSubtype="0" fill="hold" grpId="0" nodeType="withEffect">
+                                <p:cTn id="22" presetID="1" presetClass="entr" presetSubtype="0" fill="hold" grpId="0" nodeType="clickEffect">
                                   <p:stCondLst>
                                     <p:cond delay="0"/>
                                   </p:stCondLst>
                                   <p:childTnLst>
                                     <p:set>
                                       <p:cBhvr>
-                                        <p:cTn id="14" dur="1" fill="hold">
+                                        <p:cTn id="23" dur="1" fill="hold">
                                           <p:stCondLst>
                                             <p:cond delay="0"/>
                                           </p:stCondLst>
@@ -7571,15 +8843,33 @@
                                   </p:childTnLst>
                                 </p:cTn>
                               </p:par>
+                            </p:childTnLst>
+                          </p:cTn>
+                        </p:par>
+                      </p:childTnLst>
+                    </p:cTn>
+                  </p:par>
+                  <p:par>
+                    <p:cTn id="24" fill="hold">
+                      <p:stCondLst>
+                        <p:cond delay="indefinite"/>
+                      </p:stCondLst>
+                      <p:childTnLst>
+                        <p:par>
+                          <p:cTn id="25" fill="hold">
+                            <p:stCondLst>
+                              <p:cond delay="0"/>
+                            </p:stCondLst>
+                            <p:childTnLst>
                               <p:par>
-                                <p:cTn id="15" presetID="1" presetClass="entr" presetSubtype="0" fill="hold" grpId="0" nodeType="withEffect">
+                                <p:cTn id="26" presetID="1" presetClass="entr" presetSubtype="0" fill="hold" grpId="0" nodeType="clickEffect">
                                   <p:stCondLst>
                                     <p:cond delay="0"/>
                                   </p:stCondLst>
                                   <p:childTnLst>
                                     <p:set>
                                       <p:cBhvr>
-                                        <p:cTn id="16" dur="1" fill="hold">
+                                        <p:cTn id="27" dur="1" fill="hold">
                                           <p:stCondLst>
                                             <p:cond delay="0"/>
                                           </p:stCondLst>
@@ -7588,135 +8878,6 @@
                                           <p:spTgt spid="3">
                                             <p:txEl>
                                               <p:pRg st="4" end="4"/>
-                                            </p:txEl>
-                                          </p:spTgt>
-                                        </p:tgtEl>
-                                        <p:attrNameLst>
-                                          <p:attrName>style.visibility</p:attrName>
-                                        </p:attrNameLst>
-                                      </p:cBhvr>
-                                      <p:to>
-                                        <p:strVal val="visible"/>
-                                      </p:to>
-                                    </p:set>
-                                  </p:childTnLst>
-                                </p:cTn>
-                              </p:par>
-                            </p:childTnLst>
-                          </p:cTn>
-                        </p:par>
-                      </p:childTnLst>
-                    </p:cTn>
-                  </p:par>
-                  <p:par>
-                    <p:cTn id="17" fill="hold">
-                      <p:stCondLst>
-                        <p:cond delay="indefinite"/>
-                      </p:stCondLst>
-                      <p:childTnLst>
-                        <p:par>
-                          <p:cTn id="18" fill="hold">
-                            <p:stCondLst>
-                              <p:cond delay="0"/>
-                            </p:stCondLst>
-                            <p:childTnLst>
-                              <p:par>
-                                <p:cTn id="19" presetID="1" presetClass="entr" presetSubtype="0" fill="hold" grpId="0" nodeType="clickEffect">
-                                  <p:stCondLst>
-                                    <p:cond delay="0"/>
-                                  </p:stCondLst>
-                                  <p:childTnLst>
-                                    <p:set>
-                                      <p:cBhvr>
-                                        <p:cTn id="20" dur="1" fill="hold">
-                                          <p:stCondLst>
-                                            <p:cond delay="0"/>
-                                          </p:stCondLst>
-                                        </p:cTn>
-                                        <p:tgtEl>
-                                          <p:spTgt spid="3">
-                                            <p:txEl>
-                                              <p:pRg st="5" end="5"/>
-                                            </p:txEl>
-                                          </p:spTgt>
-                                        </p:tgtEl>
-                                        <p:attrNameLst>
-                                          <p:attrName>style.visibility</p:attrName>
-                                        </p:attrNameLst>
-                                      </p:cBhvr>
-                                      <p:to>
-                                        <p:strVal val="visible"/>
-                                      </p:to>
-                                    </p:set>
-                                  </p:childTnLst>
-                                </p:cTn>
-                              </p:par>
-                              <p:par>
-                                <p:cTn id="21" presetID="1" presetClass="entr" presetSubtype="0" fill="hold" grpId="0" nodeType="withEffect">
-                                  <p:stCondLst>
-                                    <p:cond delay="0"/>
-                                  </p:stCondLst>
-                                  <p:childTnLst>
-                                    <p:set>
-                                      <p:cBhvr>
-                                        <p:cTn id="22" dur="1" fill="hold">
-                                          <p:stCondLst>
-                                            <p:cond delay="0"/>
-                                          </p:stCondLst>
-                                        </p:cTn>
-                                        <p:tgtEl>
-                                          <p:spTgt spid="3">
-                                            <p:txEl>
-                                              <p:pRg st="6" end="6"/>
-                                            </p:txEl>
-                                          </p:spTgt>
-                                        </p:tgtEl>
-                                        <p:attrNameLst>
-                                          <p:attrName>style.visibility</p:attrName>
-                                        </p:attrNameLst>
-                                      </p:cBhvr>
-                                      <p:to>
-                                        <p:strVal val="visible"/>
-                                      </p:to>
-                                    </p:set>
-                                  </p:childTnLst>
-                                </p:cTn>
-                              </p:par>
-                            </p:childTnLst>
-                          </p:cTn>
-                        </p:par>
-                      </p:childTnLst>
-                    </p:cTn>
-                  </p:par>
-                  <p:par>
-                    <p:cTn id="23" fill="hold">
-                      <p:stCondLst>
-                        <p:cond delay="indefinite"/>
-                      </p:stCondLst>
-                      <p:childTnLst>
-                        <p:par>
-                          <p:cTn id="24" fill="hold">
-                            <p:stCondLst>
-                              <p:cond delay="0"/>
-                            </p:stCondLst>
-                            <p:childTnLst>
-                              <p:par>
-                                <p:cTn id="25" presetID="1" presetClass="entr" presetSubtype="0" fill="hold" grpId="0" nodeType="clickEffect">
-                                  <p:stCondLst>
-                                    <p:cond delay="0"/>
-                                  </p:stCondLst>
-                                  <p:childTnLst>
-                                    <p:set>
-                                      <p:cBhvr>
-                                        <p:cTn id="26" dur="1" fill="hold">
-                                          <p:stCondLst>
-                                            <p:cond delay="0"/>
-                                          </p:stCondLst>
-                                        </p:cTn>
-                                        <p:tgtEl>
-                                          <p:spTgt spid="3">
-                                            <p:txEl>
-                                              <p:pRg st="7" end="7"/>
                                             </p:txEl>
                                           </p:spTgt>
                                         </p:tgtEl>
@@ -7759,13 +8920,13 @@
       </p:par>
     </p:tnLst>
     <p:bldLst>
-      <p:bldP spid="3" grpId="0" build="p"/>
+      <p:bldP spid="3" grpId="0" uiExpand="1" build="p"/>
     </p:bldLst>
   </p:timing>
 </p:sld>
 </file>
 
-<file path=ppt/slides/slide7.xml><?xml version="1.0" encoding="utf-8"?>
+<file path=ppt/slides/slide8.xml><?xml version="1.0" encoding="utf-8"?>
 <p:sld xmlns:a="http://schemas.openxmlformats.org/drawingml/2006/main" xmlns:r="http://schemas.openxmlformats.org/officeDocument/2006/relationships" xmlns:p="http://schemas.openxmlformats.org/presentationml/2006/main">
   <p:cSld>
     <p:spTree>
@@ -7830,167 +8991,6 @@
     <p:extLst>
       <p:ext uri="{BB962C8B-B14F-4D97-AF65-F5344CB8AC3E}">
         <p14:creationId xmlns:p14="http://schemas.microsoft.com/office/powerpoint/2010/main" val="3129637585"/>
-      </p:ext>
-    </p:extLst>
-  </p:cSld>
-  <p:clrMapOvr>
-    <a:masterClrMapping/>
-  </p:clrMapOvr>
-</p:sld>
-</file>
-
-<file path=ppt/slides/slide8.xml><?xml version="1.0" encoding="utf-8"?>
-<p:sld xmlns:a="http://schemas.openxmlformats.org/drawingml/2006/main" xmlns:r="http://schemas.openxmlformats.org/officeDocument/2006/relationships" xmlns:p="http://schemas.openxmlformats.org/presentationml/2006/main">
-  <p:cSld>
-    <p:spTree>
-      <p:nvGrpSpPr>
-        <p:cNvPr id="1" name=""/>
-        <p:cNvGrpSpPr/>
-        <p:nvPr/>
-      </p:nvGrpSpPr>
-      <p:grpSpPr>
-        <a:xfrm>
-          <a:off x="0" y="0"/>
-          <a:ext cx="0" cy="0"/>
-          <a:chOff x="0" y="0"/>
-          <a:chExt cx="0" cy="0"/>
-        </a:xfrm>
-      </p:grpSpPr>
-      <p:sp>
-        <p:nvSpPr>
-          <p:cNvPr id="2" name="Title 1"/>
-          <p:cNvSpPr>
-            <a:spLocks noGrp="1"/>
-          </p:cNvSpPr>
-          <p:nvPr>
-            <p:ph type="title"/>
-          </p:nvPr>
-        </p:nvSpPr>
-        <p:spPr/>
-        <p:txBody>
-          <a:bodyPr>
-            <a:normAutofit/>
-          </a:bodyPr>
-          <a:lstStyle/>
-          <a:p>
-            <a:r>
-              <a:rPr lang="en-US" dirty="0"/>
-              <a:t>Worked Example</a:t>
-            </a:r>
-          </a:p>
-        </p:txBody>
-      </p:sp>
-      <p:sp>
-        <p:nvSpPr>
-          <p:cNvPr id="3" name="Content Placeholder 2"/>
-          <p:cNvSpPr>
-            <a:spLocks noGrp="1"/>
-          </p:cNvSpPr>
-          <p:nvPr>
-            <p:ph idx="1"/>
-          </p:nvPr>
-        </p:nvSpPr>
-        <p:spPr>
-          <a:xfrm>
-            <a:off x="457200" y="1600200"/>
-            <a:ext cx="4876800" cy="4648200"/>
-          </a:xfrm>
-        </p:spPr>
-        <p:txBody>
-          <a:bodyPr>
-            <a:normAutofit lnSpcReduction="10000"/>
-          </a:bodyPr>
-          <a:lstStyle/>
-          <a:p>
-            <a:r>
-              <a:rPr lang="en-US" dirty="0"/>
-              <a:t>An 8cm diameter hard drive platter accelerates at a constant rate of 150 rad/s</a:t>
-            </a:r>
-            <a:r>
-              <a:rPr lang="en-US" baseline="30000" dirty="0"/>
-              <a:t>2</a:t>
-            </a:r>
-            <a:r>
-              <a:rPr lang="en-US" dirty="0"/>
-              <a:t>.  If the hard drive weighs a uniformly distributed .05 kg, what moment does the motor need to exert to accelerate the drive at this rate?</a:t>
-            </a:r>
-          </a:p>
-        </p:txBody>
-      </p:sp>
-      <p:sp>
-        <p:nvSpPr>
-          <p:cNvPr id="4" name="Slide Number Placeholder 3"/>
-          <p:cNvSpPr>
-            <a:spLocks noGrp="1"/>
-          </p:cNvSpPr>
-          <p:nvPr>
-            <p:ph type="sldNum" sz="quarter" idx="12"/>
-          </p:nvPr>
-        </p:nvSpPr>
-        <p:spPr/>
-        <p:txBody>
-          <a:bodyPr/>
-          <a:lstStyle/>
-          <a:p>
-            <a:fld id="{929262FE-7F58-4A1E-8AF3-5A510A86DEBD}" type="slidenum">
-              <a:rPr lang="en-US" smtClean="0"/>
-              <a:t>8</a:t>
-            </a:fld>
-            <a:endParaRPr lang="en-US" dirty="0"/>
-          </a:p>
-        </p:txBody>
-      </p:sp>
-      <p:pic>
-        <p:nvPicPr>
-          <p:cNvPr id="6" name="Picture 4" descr="computer writing technology equipment memory product flash electronics digital memories usb connection accessory portable open hard drive data transfer storage hardware tray and visible playhead external hard drive external hard disk drive hard disk drive electronic device data storage device">
-            <a:extLst>
-              <a:ext uri="{FF2B5EF4-FFF2-40B4-BE49-F238E27FC236}">
-                <a16:creationId xmlns:a16="http://schemas.microsoft.com/office/drawing/2014/main" id="{90A47A1F-2596-407D-B2F5-F1BBD6F398F3}"/>
-              </a:ext>
-            </a:extLst>
-          </p:cNvPr>
-          <p:cNvPicPr>
-            <a:picLocks noChangeAspect="1" noChangeArrowheads="1"/>
-          </p:cNvPicPr>
-          <p:nvPr/>
-        </p:nvPicPr>
-        <p:blipFill>
-          <a:blip r:embed="rId2" cstate="print">
-            <a:extLst>
-              <a:ext uri="{28A0092B-C50C-407E-A947-70E740481C1C}">
-                <a14:useLocalDpi xmlns:a14="http://schemas.microsoft.com/office/drawing/2010/main" val="0"/>
-              </a:ext>
-            </a:extLst>
-          </a:blip>
-          <a:srcRect/>
-          <a:stretch>
-            <a:fillRect/>
-          </a:stretch>
-        </p:blipFill>
-        <p:spPr bwMode="auto">
-          <a:xfrm>
-            <a:off x="5638800" y="2477294"/>
-            <a:ext cx="3237741" cy="2819400"/>
-          </a:xfrm>
-          <a:prstGeom prst="rect">
-            <a:avLst/>
-          </a:prstGeom>
-          <a:noFill/>
-          <a:extLst>
-            <a:ext uri="{909E8E84-426E-40DD-AFC4-6F175D3DCCD1}">
-              <a14:hiddenFill xmlns:a14="http://schemas.microsoft.com/office/drawing/2010/main">
-                <a:solidFill>
-                  <a:srgbClr val="FFFFFF"/>
-                </a:solidFill>
-              </a14:hiddenFill>
-            </a:ext>
-          </a:extLst>
-        </p:spPr>
-      </p:pic>
-    </p:spTree>
-    <p:extLst>
-      <p:ext uri="{BB962C8B-B14F-4D97-AF65-F5344CB8AC3E}">
-        <p14:creationId xmlns:p14="http://schemas.microsoft.com/office/powerpoint/2010/main" val="3513087069"/>
       </p:ext>
     </p:extLst>
   </p:cSld>
@@ -8053,28 +9053,23 @@
         </p:nvSpPr>
         <p:spPr>
           <a:xfrm>
-            <a:off x="457200" y="1600200"/>
-            <a:ext cx="4800600" cy="4343400"/>
+            <a:off x="457200" y="1600201"/>
+            <a:ext cx="7848600" cy="2209800"/>
           </a:xfrm>
         </p:spPr>
         <p:txBody>
           <a:bodyPr>
-            <a:normAutofit fontScale="85000" lnSpcReduction="10000"/>
+            <a:normAutofit fontScale="92500" lnSpcReduction="10000"/>
           </a:bodyPr>
           <a:lstStyle/>
           <a:p>
             <a:r>
               <a:rPr lang="en-US" dirty="0"/>
-              <a:t>The drum in a washing machine can be approximated as a cylinder .4 meters in diameter and .3 meters in height with a uniformly distributed mass of 35 kilograms when full. If we wish to achieve an acceleration of 15 rad/s</a:t>
+              <a:t>If the input pulley A as shown below is rotating at a rate of 10 rad/s, what is the speed of the output pulley at D? How many rotations does D go through in the time it takes for A to make one full rotation?</a:t>
             </a:r>
-            <a:r>
-              <a:rPr lang="en-US" baseline="30000" dirty="0"/>
-              <a:t>2</a:t>
-            </a:r>
-            <a:r>
-              <a:rPr lang="en-US" dirty="0"/>
-              <a:t>, what torque must the motor exert at the center of the drum</a:t>
-            </a:r>
+          </a:p>
+          <a:p>
+            <a:endParaRPr lang="en-US" dirty="0"/>
           </a:p>
         </p:txBody>
       </p:sp>
@@ -8088,12 +9083,7 @@
             <p:ph type="sldNum" sz="quarter" idx="12"/>
           </p:nvPr>
         </p:nvSpPr>
-        <p:spPr>
-          <a:xfrm>
-            <a:off x="6553200" y="6356350"/>
-            <a:ext cx="2133600" cy="365125"/>
-          </a:xfrm>
-        </p:spPr>
+        <p:spPr/>
         <p:txBody>
           <a:bodyPr/>
           <a:lstStyle/>
@@ -8102,16 +9092,16 @@
               <a:rPr lang="en-US" smtClean="0"/>
               <a:t>9</a:t>
             </a:fld>
-            <a:endParaRPr lang="en-US" dirty="0"/>
+            <a:endParaRPr lang="en-US"/>
           </a:p>
         </p:txBody>
       </p:sp>
       <p:pic>
         <p:nvPicPr>
-          <p:cNvPr id="5" name="Picture 2" descr="washing machine clothes dryer major appliance home appliances">
+          <p:cNvPr id="1026" name="Picture 2" descr="Problem 1 Diagram">
             <a:extLst>
               <a:ext uri="{FF2B5EF4-FFF2-40B4-BE49-F238E27FC236}">
-                <a16:creationId xmlns:a16="http://schemas.microsoft.com/office/drawing/2014/main" id="{5614AC90-6041-4577-A41A-1DDB4533FCC1}"/>
+                <a16:creationId xmlns:a16="http://schemas.microsoft.com/office/drawing/2014/main" id="{772E3E38-A75F-4C65-AEF6-C68F94CC0A73}"/>
               </a:ext>
             </a:extLst>
           </p:cNvPr>
@@ -8120,21 +9110,23 @@
           </p:cNvPicPr>
           <p:nvPr/>
         </p:nvPicPr>
-        <p:blipFill rotWithShape="1">
-          <a:blip r:embed="rId2" cstate="print">
+        <p:blipFill>
+          <a:blip r:embed="rId2">
             <a:extLst>
               <a:ext uri="{28A0092B-C50C-407E-A947-70E740481C1C}">
                 <a14:useLocalDpi xmlns:a14="http://schemas.microsoft.com/office/drawing/2010/main" val="0"/>
               </a:ext>
             </a:extLst>
           </a:blip>
-          <a:srcRect l="4075" t="8888" b="22223"/>
-          <a:stretch/>
+          <a:srcRect/>
+          <a:stretch>
+            <a:fillRect/>
+          </a:stretch>
         </p:blipFill>
         <p:spPr bwMode="auto">
           <a:xfrm>
-            <a:off x="5486400" y="1417638"/>
-            <a:ext cx="2699248" cy="2584608"/>
+            <a:off x="1311020" y="3650458"/>
+            <a:ext cx="6339460" cy="2865436"/>
           </a:xfrm>
           <a:prstGeom prst="rect">
             <a:avLst/>
@@ -8151,462 +9143,10 @@
           </a:extLst>
         </p:spPr>
       </p:pic>
-      <p:sp>
-        <p:nvSpPr>
-          <p:cNvPr id="6" name="Cylinder 5">
-            <a:extLst>
-              <a:ext uri="{FF2B5EF4-FFF2-40B4-BE49-F238E27FC236}">
-                <a16:creationId xmlns:a16="http://schemas.microsoft.com/office/drawing/2014/main" id="{454546CF-F114-4B99-88E1-C5F85865E114}"/>
-              </a:ext>
-            </a:extLst>
-          </p:cNvPr>
-          <p:cNvSpPr/>
-          <p:nvPr/>
-        </p:nvSpPr>
-        <p:spPr>
-          <a:xfrm rot="16200000">
-            <a:off x="6151880" y="4345146"/>
-            <a:ext cx="1295400" cy="1600200"/>
-          </a:xfrm>
-          <a:prstGeom prst="can">
-            <a:avLst>
-              <a:gd name="adj" fmla="val 50000"/>
-            </a:avLst>
-          </a:prstGeom>
-        </p:spPr>
-        <p:style>
-          <a:lnRef idx="1">
-            <a:schemeClr val="dk1"/>
-          </a:lnRef>
-          <a:fillRef idx="2">
-            <a:schemeClr val="dk1"/>
-          </a:fillRef>
-          <a:effectRef idx="1">
-            <a:schemeClr val="dk1"/>
-          </a:effectRef>
-          <a:fontRef idx="minor">
-            <a:schemeClr val="dk1"/>
-          </a:fontRef>
-        </p:style>
-        <p:txBody>
-          <a:bodyPr rtlCol="0" anchor="ctr"/>
-          <a:lstStyle/>
-          <a:p>
-            <a:pPr algn="ctr"/>
-            <a:endParaRPr lang="en-US" dirty="0"/>
-          </a:p>
-        </p:txBody>
-      </p:sp>
-      <p:cxnSp>
-        <p:nvCxnSpPr>
-          <p:cNvPr id="8" name="Straight Connector 7">
-            <a:extLst>
-              <a:ext uri="{FF2B5EF4-FFF2-40B4-BE49-F238E27FC236}">
-                <a16:creationId xmlns:a16="http://schemas.microsoft.com/office/drawing/2014/main" id="{3B5EC6EE-D4EC-451E-9705-B489228E4C9C}"/>
-              </a:ext>
-            </a:extLst>
-          </p:cNvPr>
-          <p:cNvCxnSpPr/>
-          <p:nvPr/>
-        </p:nvCxnSpPr>
-        <p:spPr>
-          <a:xfrm>
-            <a:off x="5389880" y="4507705"/>
-            <a:ext cx="609600" cy="0"/>
-          </a:xfrm>
-          <a:prstGeom prst="line">
-            <a:avLst/>
-          </a:prstGeom>
-        </p:spPr>
-        <p:style>
-          <a:lnRef idx="1">
-            <a:schemeClr val="accent1"/>
-          </a:lnRef>
-          <a:fillRef idx="0">
-            <a:schemeClr val="accent1"/>
-          </a:fillRef>
-          <a:effectRef idx="0">
-            <a:schemeClr val="accent1"/>
-          </a:effectRef>
-          <a:fontRef idx="minor">
-            <a:schemeClr val="tx1"/>
-          </a:fontRef>
-        </p:style>
-      </p:cxnSp>
-      <p:cxnSp>
-        <p:nvCxnSpPr>
-          <p:cNvPr id="10" name="Straight Connector 9">
-            <a:extLst>
-              <a:ext uri="{FF2B5EF4-FFF2-40B4-BE49-F238E27FC236}">
-                <a16:creationId xmlns:a16="http://schemas.microsoft.com/office/drawing/2014/main" id="{61EA97EB-67EE-4340-8F53-0A005EA649D7}"/>
-              </a:ext>
-            </a:extLst>
-          </p:cNvPr>
-          <p:cNvCxnSpPr/>
-          <p:nvPr/>
-        </p:nvCxnSpPr>
-        <p:spPr>
-          <a:xfrm>
-            <a:off x="5389880" y="5792946"/>
-            <a:ext cx="609600" cy="0"/>
-          </a:xfrm>
-          <a:prstGeom prst="line">
-            <a:avLst/>
-          </a:prstGeom>
-        </p:spPr>
-        <p:style>
-          <a:lnRef idx="1">
-            <a:schemeClr val="accent1"/>
-          </a:lnRef>
-          <a:fillRef idx="0">
-            <a:schemeClr val="accent1"/>
-          </a:fillRef>
-          <a:effectRef idx="0">
-            <a:schemeClr val="accent1"/>
-          </a:effectRef>
-          <a:fontRef idx="minor">
-            <a:schemeClr val="tx1"/>
-          </a:fontRef>
-        </p:style>
-      </p:cxnSp>
-      <p:cxnSp>
-        <p:nvCxnSpPr>
-          <p:cNvPr id="11" name="Straight Connector 10">
-            <a:extLst>
-              <a:ext uri="{FF2B5EF4-FFF2-40B4-BE49-F238E27FC236}">
-                <a16:creationId xmlns:a16="http://schemas.microsoft.com/office/drawing/2014/main" id="{A486E07F-1E19-4DC8-9B2E-585CD9DDEBE9}"/>
-              </a:ext>
-            </a:extLst>
-          </p:cNvPr>
-          <p:cNvCxnSpPr>
-            <a:cxnSpLocks/>
-          </p:cNvCxnSpPr>
-          <p:nvPr/>
-        </p:nvCxnSpPr>
-        <p:spPr>
-          <a:xfrm>
-            <a:off x="6294120" y="5933440"/>
-            <a:ext cx="0" cy="607854"/>
-          </a:xfrm>
-          <a:prstGeom prst="line">
-            <a:avLst/>
-          </a:prstGeom>
-        </p:spPr>
-        <p:style>
-          <a:lnRef idx="1">
-            <a:schemeClr val="accent1"/>
-          </a:lnRef>
-          <a:fillRef idx="0">
-            <a:schemeClr val="accent1"/>
-          </a:fillRef>
-          <a:effectRef idx="0">
-            <a:schemeClr val="accent1"/>
-          </a:effectRef>
-          <a:fontRef idx="minor">
-            <a:schemeClr val="tx1"/>
-          </a:fontRef>
-        </p:style>
-      </p:cxnSp>
-      <p:cxnSp>
-        <p:nvCxnSpPr>
-          <p:cNvPr id="13" name="Straight Connector 12">
-            <a:extLst>
-              <a:ext uri="{FF2B5EF4-FFF2-40B4-BE49-F238E27FC236}">
-                <a16:creationId xmlns:a16="http://schemas.microsoft.com/office/drawing/2014/main" id="{7C6B0039-C937-4BF6-AEFA-EBB1BC27B4C5}"/>
-              </a:ext>
-            </a:extLst>
-          </p:cNvPr>
-          <p:cNvCxnSpPr>
-            <a:cxnSpLocks/>
-          </p:cNvCxnSpPr>
-          <p:nvPr/>
-        </p:nvCxnSpPr>
-        <p:spPr>
-          <a:xfrm>
-            <a:off x="7366000" y="5935186"/>
-            <a:ext cx="0" cy="607854"/>
-          </a:xfrm>
-          <a:prstGeom prst="line">
-            <a:avLst/>
-          </a:prstGeom>
-        </p:spPr>
-        <p:style>
-          <a:lnRef idx="1">
-            <a:schemeClr val="accent1"/>
-          </a:lnRef>
-          <a:fillRef idx="0">
-            <a:schemeClr val="accent1"/>
-          </a:fillRef>
-          <a:effectRef idx="0">
-            <a:schemeClr val="accent1"/>
-          </a:effectRef>
-          <a:fontRef idx="minor">
-            <a:schemeClr val="tx1"/>
-          </a:fontRef>
-        </p:style>
-      </p:cxnSp>
-      <p:cxnSp>
-        <p:nvCxnSpPr>
-          <p:cNvPr id="14" name="Straight Connector 13">
-            <a:extLst>
-              <a:ext uri="{FF2B5EF4-FFF2-40B4-BE49-F238E27FC236}">
-                <a16:creationId xmlns:a16="http://schemas.microsoft.com/office/drawing/2014/main" id="{9D617A9D-16C4-4FFC-9B79-F8AAE7FA39E8}"/>
-              </a:ext>
-            </a:extLst>
-          </p:cNvPr>
-          <p:cNvCxnSpPr>
-            <a:cxnSpLocks/>
-          </p:cNvCxnSpPr>
-          <p:nvPr/>
-        </p:nvCxnSpPr>
-        <p:spPr>
-          <a:xfrm>
-            <a:off x="6294120" y="6202680"/>
-            <a:ext cx="1071880" cy="0"/>
-          </a:xfrm>
-          <a:prstGeom prst="line">
-            <a:avLst/>
-          </a:prstGeom>
-        </p:spPr>
-        <p:style>
-          <a:lnRef idx="1">
-            <a:schemeClr val="accent1"/>
-          </a:lnRef>
-          <a:fillRef idx="0">
-            <a:schemeClr val="accent1"/>
-          </a:fillRef>
-          <a:effectRef idx="0">
-            <a:schemeClr val="accent1"/>
-          </a:effectRef>
-          <a:fontRef idx="minor">
-            <a:schemeClr val="tx1"/>
-          </a:fontRef>
-        </p:style>
-      </p:cxnSp>
-      <p:cxnSp>
-        <p:nvCxnSpPr>
-          <p:cNvPr id="17" name="Straight Connector 16">
-            <a:extLst>
-              <a:ext uri="{FF2B5EF4-FFF2-40B4-BE49-F238E27FC236}">
-                <a16:creationId xmlns:a16="http://schemas.microsoft.com/office/drawing/2014/main" id="{CB95939E-A4E5-4118-A317-AB02A039386D}"/>
-              </a:ext>
-            </a:extLst>
-          </p:cNvPr>
-          <p:cNvCxnSpPr>
-            <a:cxnSpLocks/>
-          </p:cNvCxnSpPr>
-          <p:nvPr/>
-        </p:nvCxnSpPr>
-        <p:spPr>
-          <a:xfrm flipV="1">
-            <a:off x="5715000" y="4507706"/>
-            <a:ext cx="0" cy="1285240"/>
-          </a:xfrm>
-          <a:prstGeom prst="line">
-            <a:avLst/>
-          </a:prstGeom>
-        </p:spPr>
-        <p:style>
-          <a:lnRef idx="1">
-            <a:schemeClr val="accent1"/>
-          </a:lnRef>
-          <a:fillRef idx="0">
-            <a:schemeClr val="accent1"/>
-          </a:fillRef>
-          <a:effectRef idx="0">
-            <a:schemeClr val="accent1"/>
-          </a:effectRef>
-          <a:fontRef idx="minor">
-            <a:schemeClr val="tx1"/>
-          </a:fontRef>
-        </p:style>
-      </p:cxnSp>
-      <p:sp>
-        <p:nvSpPr>
-          <p:cNvPr id="19" name="Arc 18">
-            <a:extLst>
-              <a:ext uri="{FF2B5EF4-FFF2-40B4-BE49-F238E27FC236}">
-                <a16:creationId xmlns:a16="http://schemas.microsoft.com/office/drawing/2014/main" id="{C6C5B344-7DF5-4CD0-8137-0B6E1BAEA35F}"/>
-              </a:ext>
-            </a:extLst>
-          </p:cNvPr>
-          <p:cNvSpPr/>
-          <p:nvPr/>
-        </p:nvSpPr>
-        <p:spPr>
-          <a:xfrm>
-            <a:off x="7366000" y="4647882"/>
-            <a:ext cx="450349" cy="1057434"/>
-          </a:xfrm>
-          <a:prstGeom prst="arc">
-            <a:avLst>
-              <a:gd name="adj1" fmla="val 16450992"/>
-              <a:gd name="adj2" fmla="val 5252160"/>
-            </a:avLst>
-          </a:prstGeom>
-          <a:ln w="28575">
-            <a:headEnd type="triangle" w="med" len="med"/>
-            <a:tailEnd type="none" w="med" len="med"/>
-          </a:ln>
-        </p:spPr>
-        <p:style>
-          <a:lnRef idx="1">
-            <a:schemeClr val="accent1"/>
-          </a:lnRef>
-          <a:fillRef idx="0">
-            <a:schemeClr val="accent1"/>
-          </a:fillRef>
-          <a:effectRef idx="0">
-            <a:schemeClr val="accent1"/>
-          </a:effectRef>
-          <a:fontRef idx="minor">
-            <a:schemeClr val="tx1"/>
-          </a:fontRef>
-        </p:style>
-        <p:txBody>
-          <a:bodyPr rtlCol="0" anchor="ctr"/>
-          <a:lstStyle/>
-          <a:p>
-            <a:pPr algn="ctr"/>
-            <a:endParaRPr lang="en-US" dirty="0"/>
-          </a:p>
-        </p:txBody>
-      </p:sp>
-      <p:sp>
-        <p:nvSpPr>
-          <p:cNvPr id="20" name="TextBox 19">
-            <a:extLst>
-              <a:ext uri="{FF2B5EF4-FFF2-40B4-BE49-F238E27FC236}">
-                <a16:creationId xmlns:a16="http://schemas.microsoft.com/office/drawing/2014/main" id="{8880BBD2-5BA0-4EF6-BAC6-CA64EFF860C4}"/>
-              </a:ext>
-            </a:extLst>
-          </p:cNvPr>
-          <p:cNvSpPr txBox="1"/>
-          <p:nvPr/>
-        </p:nvSpPr>
-        <p:spPr>
-          <a:xfrm>
-            <a:off x="5330321" y="4965660"/>
-            <a:ext cx="596638" cy="369332"/>
-          </a:xfrm>
-          <a:prstGeom prst="rect">
-            <a:avLst/>
-          </a:prstGeom>
-          <a:solidFill>
-            <a:schemeClr val="bg1"/>
-          </a:solidFill>
-        </p:spPr>
-        <p:txBody>
-          <a:bodyPr wrap="none" rtlCol="0">
-            <a:spAutoFit/>
-          </a:bodyPr>
-          <a:lstStyle/>
-          <a:p>
-            <a:r>
-              <a:rPr lang="en-US" dirty="0">
-                <a:solidFill>
-                  <a:schemeClr val="accent1"/>
-                </a:solidFill>
-              </a:rPr>
-              <a:t>.4 m</a:t>
-            </a:r>
-          </a:p>
-        </p:txBody>
-      </p:sp>
-      <p:sp>
-        <p:nvSpPr>
-          <p:cNvPr id="22" name="TextBox 21">
-            <a:extLst>
-              <a:ext uri="{FF2B5EF4-FFF2-40B4-BE49-F238E27FC236}">
-                <a16:creationId xmlns:a16="http://schemas.microsoft.com/office/drawing/2014/main" id="{164517CD-4E6B-46C5-A085-3950C0CC10EA}"/>
-              </a:ext>
-            </a:extLst>
-          </p:cNvPr>
-          <p:cNvSpPr txBox="1"/>
-          <p:nvPr/>
-        </p:nvSpPr>
-        <p:spPr>
-          <a:xfrm>
-            <a:off x="6566162" y="6031468"/>
-            <a:ext cx="596638" cy="369332"/>
-          </a:xfrm>
-          <a:prstGeom prst="rect">
-            <a:avLst/>
-          </a:prstGeom>
-          <a:solidFill>
-            <a:schemeClr val="bg1"/>
-          </a:solidFill>
-        </p:spPr>
-        <p:txBody>
-          <a:bodyPr wrap="none" rtlCol="0">
-            <a:spAutoFit/>
-          </a:bodyPr>
-          <a:lstStyle/>
-          <a:p>
-            <a:r>
-              <a:rPr lang="en-US" dirty="0">
-                <a:solidFill>
-                  <a:schemeClr val="accent1"/>
-                </a:solidFill>
-              </a:rPr>
-              <a:t>.3 m</a:t>
-            </a:r>
-          </a:p>
-        </p:txBody>
-      </p:sp>
-      <p:sp>
-        <p:nvSpPr>
-          <p:cNvPr id="23" name="TextBox 22">
-            <a:extLst>
-              <a:ext uri="{FF2B5EF4-FFF2-40B4-BE49-F238E27FC236}">
-                <a16:creationId xmlns:a16="http://schemas.microsoft.com/office/drawing/2014/main" id="{75D9C5A4-7212-4AB7-B3B9-674AA90C233C}"/>
-              </a:ext>
-            </a:extLst>
-          </p:cNvPr>
-          <p:cNvSpPr txBox="1"/>
-          <p:nvPr/>
-        </p:nvSpPr>
-        <p:spPr>
-          <a:xfrm>
-            <a:off x="7915307" y="4965660"/>
-            <a:ext cx="771493" cy="369332"/>
-          </a:xfrm>
-          <a:prstGeom prst="rect">
-            <a:avLst/>
-          </a:prstGeom>
-          <a:solidFill>
-            <a:schemeClr val="bg1"/>
-          </a:solidFill>
-        </p:spPr>
-        <p:txBody>
-          <a:bodyPr wrap="none" rtlCol="0">
-            <a:spAutoFit/>
-          </a:bodyPr>
-          <a:lstStyle/>
-          <a:p>
-            <a:r>
-              <a:rPr lang="en-US" dirty="0">
-                <a:solidFill>
-                  <a:schemeClr val="accent1"/>
-                </a:solidFill>
-              </a:rPr>
-              <a:t>M</a:t>
-            </a:r>
-            <a:r>
-              <a:rPr lang="en-US" baseline="-25000" dirty="0">
-                <a:solidFill>
-                  <a:schemeClr val="accent1"/>
-                </a:solidFill>
-              </a:rPr>
-              <a:t>motor</a:t>
-            </a:r>
-          </a:p>
-        </p:txBody>
-      </p:sp>
     </p:spTree>
     <p:extLst>
       <p:ext uri="{BB962C8B-B14F-4D97-AF65-F5344CB8AC3E}">
-        <p14:creationId xmlns:p14="http://schemas.microsoft.com/office/powerpoint/2010/main" val="2409310188"/>
+        <p14:creationId xmlns:p14="http://schemas.microsoft.com/office/powerpoint/2010/main" val="2817603410"/>
       </p:ext>
     </p:extLst>
   </p:cSld>
